--- a/lectures/DJ-07-Generic-Views.pptx
+++ b/lectures/DJ-07-Generic-Views.pptx
@@ -5,7 +5,7 @@
     <p:sldMasterId id="2147483660" r:id="rId1"/>
   </p:sldMasterIdLst>
   <p:notesMasterIdLst>
-    <p:notesMasterId r:id="rId11"/>
+    <p:notesMasterId r:id="rId22"/>
   </p:notesMasterIdLst>
   <p:sldIdLst>
     <p:sldId id="258" r:id="rId2"/>
@@ -14,9 +14,20 @@
     <p:sldId id="362" r:id="rId5"/>
     <p:sldId id="364" r:id="rId6"/>
     <p:sldId id="363" r:id="rId7"/>
-    <p:sldId id="365" r:id="rId8"/>
-    <p:sldId id="281" r:id="rId9"/>
-    <p:sldId id="273" r:id="rId10"/>
+    <p:sldId id="366" r:id="rId8"/>
+    <p:sldId id="367" r:id="rId9"/>
+    <p:sldId id="368" r:id="rId10"/>
+    <p:sldId id="369" r:id="rId11"/>
+    <p:sldId id="370" r:id="rId12"/>
+    <p:sldId id="365" r:id="rId13"/>
+    <p:sldId id="374" r:id="rId14"/>
+    <p:sldId id="372" r:id="rId15"/>
+    <p:sldId id="373" r:id="rId16"/>
+    <p:sldId id="377" r:id="rId17"/>
+    <p:sldId id="378" r:id="rId18"/>
+    <p:sldId id="281" r:id="rId19"/>
+    <p:sldId id="273" r:id="rId20"/>
+    <p:sldId id="375" r:id="rId21"/>
   </p:sldIdLst>
   <p:sldSz cx="12192000" cy="6858000"/>
   <p:notesSz cx="6858000" cy="9144000"/>
@@ -3682,6 +3693,7335 @@
 </p:sld>
 </file>
 
+<file path=ppt/slides/slide10.xml><?xml version="1.0" encoding="utf-8"?>
+<p:sld xmlns:a="http://schemas.openxmlformats.org/drawingml/2006/main" xmlns:r="http://schemas.openxmlformats.org/officeDocument/2006/relationships" xmlns:p="http://schemas.openxmlformats.org/presentationml/2006/main">
+  <p:cSld>
+    <p:spTree>
+      <p:nvGrpSpPr>
+        <p:cNvPr id="1" name=""/>
+        <p:cNvGrpSpPr/>
+        <p:nvPr/>
+      </p:nvGrpSpPr>
+      <p:grpSpPr>
+        <a:xfrm>
+          <a:off x="0" y="0"/>
+          <a:ext cx="0" cy="0"/>
+          <a:chOff x="0" y="0"/>
+          <a:chExt cx="0" cy="0"/>
+        </a:xfrm>
+      </p:grpSpPr>
+      <p:sp>
+        <p:nvSpPr>
+          <p:cNvPr id="2" name="Rectangle 1"/>
+          <p:cNvSpPr/>
+          <p:nvPr/>
+        </p:nvSpPr>
+        <p:spPr>
+          <a:xfrm>
+            <a:off x="747705" y="1152561"/>
+            <a:ext cx="7010400" cy="3108543"/>
+          </a:xfrm>
+          <a:prstGeom prst="rect">
+            <a:avLst/>
+          </a:prstGeom>
+          <a:solidFill>
+            <a:schemeClr val="tx1"/>
+          </a:solidFill>
+        </p:spPr>
+        <p:txBody>
+          <a:bodyPr wrap="square">
+            <a:spAutoFit/>
+          </a:bodyPr>
+          <a:lstStyle/>
+          <a:p>
+            <a:r>
+              <a:rPr lang="mr-IN" sz="1400" dirty="0">
+                <a:solidFill>
+                  <a:srgbClr val="1396A3"/>
+                </a:solidFill>
+                <a:latin typeface="Courier" charset="0"/>
+                <a:ea typeface="Courier" charset="0"/>
+                <a:cs typeface="Courier" charset="0"/>
+              </a:rPr>
+              <a:t>&lt;</a:t>
+            </a:r>
+            <a:r>
+              <a:rPr lang="mr-IN" sz="1400" dirty="0">
+                <a:solidFill>
+                  <a:srgbClr val="C1651C"/>
+                </a:solidFill>
+                <a:latin typeface="Courier" charset="0"/>
+                <a:ea typeface="Courier" charset="0"/>
+                <a:cs typeface="Courier" charset="0"/>
+              </a:rPr>
+              <a:t>h1</a:t>
+            </a:r>
+            <a:r>
+              <a:rPr lang="mr-IN" sz="1400" dirty="0">
+                <a:solidFill>
+                  <a:srgbClr val="1396A3"/>
+                </a:solidFill>
+                <a:latin typeface="Courier" charset="0"/>
+                <a:ea typeface="Courier" charset="0"/>
+                <a:cs typeface="Courier" charset="0"/>
+              </a:rPr>
+              <a:t>&gt;</a:t>
+            </a:r>
+            <a:r>
+              <a:rPr lang="mr-IN" sz="1400" dirty="0" err="1">
+                <a:solidFill>
+                  <a:srgbClr val="C814C9"/>
+                </a:solidFill>
+                <a:latin typeface="Courier" charset="0"/>
+                <a:ea typeface="Courier" charset="0"/>
+                <a:cs typeface="Courier" charset="0"/>
+              </a:rPr>
+              <a:t>Cat</a:t>
+            </a:r>
+            <a:r>
+              <a:rPr lang="mr-IN" sz="1400" dirty="0">
+                <a:solidFill>
+                  <a:srgbClr val="C814C9"/>
+                </a:solidFill>
+                <a:latin typeface="Courier" charset="0"/>
+                <a:ea typeface="Courier" charset="0"/>
+                <a:cs typeface="Courier" charset="0"/>
+              </a:rPr>
+              <a:t> </a:t>
+            </a:r>
+            <a:r>
+              <a:rPr lang="mr-IN" sz="1400" dirty="0" err="1">
+                <a:solidFill>
+                  <a:srgbClr val="C814C9"/>
+                </a:solidFill>
+                <a:latin typeface="Courier" charset="0"/>
+                <a:ea typeface="Courier" charset="0"/>
+                <a:cs typeface="Courier" charset="0"/>
+              </a:rPr>
+              <a:t>List</a:t>
+            </a:r>
+            <a:r>
+              <a:rPr lang="mr-IN" sz="1400" dirty="0">
+                <a:solidFill>
+                  <a:srgbClr val="2EAEBB"/>
+                </a:solidFill>
+                <a:latin typeface="Courier" charset="0"/>
+                <a:ea typeface="Courier" charset="0"/>
+                <a:cs typeface="Courier" charset="0"/>
+              </a:rPr>
+              <a:t>&lt;/</a:t>
+            </a:r>
+            <a:r>
+              <a:rPr lang="mr-IN" sz="1400" dirty="0">
+                <a:solidFill>
+                  <a:srgbClr val="C1651C"/>
+                </a:solidFill>
+                <a:latin typeface="Courier" charset="0"/>
+                <a:ea typeface="Courier" charset="0"/>
+                <a:cs typeface="Courier" charset="0"/>
+              </a:rPr>
+              <a:t>h1</a:t>
+            </a:r>
+            <a:r>
+              <a:rPr lang="mr-IN" sz="1400" dirty="0">
+                <a:solidFill>
+                  <a:srgbClr val="2EAEBB"/>
+                </a:solidFill>
+                <a:latin typeface="Courier" charset="0"/>
+                <a:ea typeface="Courier" charset="0"/>
+                <a:cs typeface="Courier" charset="0"/>
+              </a:rPr>
+              <a:t>&gt;</a:t>
+            </a:r>
+            <a:endParaRPr lang="mr-IN" sz="1400" dirty="0">
+              <a:solidFill>
+                <a:srgbClr val="000000"/>
+              </a:solidFill>
+              <a:latin typeface="Courier" charset="0"/>
+              <a:ea typeface="Courier" charset="0"/>
+              <a:cs typeface="Courier" charset="0"/>
+            </a:endParaRPr>
+          </a:p>
+          <a:p>
+            <a:r>
+              <a:rPr lang="mr-IN" sz="1400" dirty="0">
+                <a:solidFill>
+                  <a:srgbClr val="2EAEBB"/>
+                </a:solidFill>
+                <a:latin typeface="Courier" charset="0"/>
+                <a:ea typeface="Courier" charset="0"/>
+                <a:cs typeface="Courier" charset="0"/>
+              </a:rPr>
+              <a:t>&lt;</a:t>
+            </a:r>
+            <a:r>
+              <a:rPr lang="mr-IN" sz="1400" dirty="0" err="1">
+                <a:solidFill>
+                  <a:srgbClr val="C1651C"/>
+                </a:solidFill>
+                <a:latin typeface="Courier" charset="0"/>
+                <a:ea typeface="Courier" charset="0"/>
+                <a:cs typeface="Courier" charset="0"/>
+              </a:rPr>
+              <a:t>p</a:t>
+            </a:r>
+            <a:r>
+              <a:rPr lang="mr-IN" sz="1400" dirty="0">
+                <a:solidFill>
+                  <a:srgbClr val="2EAEBB"/>
+                </a:solidFill>
+                <a:latin typeface="Courier" charset="0"/>
+                <a:ea typeface="Courier" charset="0"/>
+                <a:cs typeface="Courier" charset="0"/>
+              </a:rPr>
+              <a:t>&gt;</a:t>
+            </a:r>
+            <a:endParaRPr lang="mr-IN" sz="1400" dirty="0">
+              <a:solidFill>
+                <a:srgbClr val="000000"/>
+              </a:solidFill>
+              <a:latin typeface="Courier" charset="0"/>
+              <a:ea typeface="Courier" charset="0"/>
+              <a:cs typeface="Courier" charset="0"/>
+            </a:endParaRPr>
+          </a:p>
+          <a:p>
+            <a:r>
+              <a:rPr lang="en-US" sz="1400" dirty="0">
+                <a:solidFill>
+                  <a:srgbClr val="000000"/>
+                </a:solidFill>
+                <a:latin typeface="Courier" charset="0"/>
+                <a:ea typeface="Courier" charset="0"/>
+                <a:cs typeface="Courier" charset="0"/>
+              </a:rPr>
+              <a:t>{% if </a:t>
+            </a:r>
+            <a:r>
+              <a:rPr lang="en-US" sz="1400" dirty="0" err="1">
+                <a:solidFill>
+                  <a:srgbClr val="000000"/>
+                </a:solidFill>
+                <a:latin typeface="Courier" charset="0"/>
+                <a:ea typeface="Courier" charset="0"/>
+                <a:cs typeface="Courier" charset="0"/>
+              </a:rPr>
+              <a:t>cat_list</a:t>
+            </a:r>
+            <a:r>
+              <a:rPr lang="en-US" sz="1400" dirty="0">
+                <a:solidFill>
+                  <a:srgbClr val="000000"/>
+                </a:solidFill>
+                <a:latin typeface="Courier" charset="0"/>
+                <a:ea typeface="Courier" charset="0"/>
+                <a:cs typeface="Courier" charset="0"/>
+              </a:rPr>
+              <a:t> %}</a:t>
+            </a:r>
+          </a:p>
+          <a:p>
+            <a:r>
+              <a:rPr lang="mr-IN" sz="1400" dirty="0">
+                <a:solidFill>
+                  <a:srgbClr val="2EAEBB"/>
+                </a:solidFill>
+                <a:latin typeface="Courier" charset="0"/>
+                <a:ea typeface="Courier" charset="0"/>
+                <a:cs typeface="Courier" charset="0"/>
+              </a:rPr>
+              <a:t>&lt;</a:t>
+            </a:r>
+            <a:r>
+              <a:rPr lang="mr-IN" sz="1400" dirty="0" err="1">
+                <a:solidFill>
+                  <a:srgbClr val="C1651C"/>
+                </a:solidFill>
+                <a:latin typeface="Courier" charset="0"/>
+                <a:ea typeface="Courier" charset="0"/>
+                <a:cs typeface="Courier" charset="0"/>
+              </a:rPr>
+              <a:t>ul</a:t>
+            </a:r>
+            <a:r>
+              <a:rPr lang="mr-IN" sz="1400" dirty="0">
+                <a:solidFill>
+                  <a:srgbClr val="2EAEBB"/>
+                </a:solidFill>
+                <a:latin typeface="Courier" charset="0"/>
+                <a:ea typeface="Courier" charset="0"/>
+                <a:cs typeface="Courier" charset="0"/>
+              </a:rPr>
+              <a:t>&gt;</a:t>
+            </a:r>
+            <a:endParaRPr lang="mr-IN" sz="1400" dirty="0">
+              <a:solidFill>
+                <a:srgbClr val="000000"/>
+              </a:solidFill>
+              <a:latin typeface="Courier" charset="0"/>
+              <a:ea typeface="Courier" charset="0"/>
+              <a:cs typeface="Courier" charset="0"/>
+            </a:endParaRPr>
+          </a:p>
+          <a:p>
+            <a:r>
+              <a:rPr lang="en-US" sz="1400" dirty="0">
+                <a:solidFill>
+                  <a:srgbClr val="000000"/>
+                </a:solidFill>
+                <a:latin typeface="Courier" charset="0"/>
+                <a:ea typeface="Courier" charset="0"/>
+                <a:cs typeface="Courier" charset="0"/>
+              </a:rPr>
+              <a:t>  {% for cat in </a:t>
+            </a:r>
+            <a:r>
+              <a:rPr lang="en-US" sz="1400" dirty="0" err="1">
+                <a:solidFill>
+                  <a:srgbClr val="000000"/>
+                </a:solidFill>
+                <a:latin typeface="Courier" charset="0"/>
+                <a:ea typeface="Courier" charset="0"/>
+                <a:cs typeface="Courier" charset="0"/>
+              </a:rPr>
+              <a:t>cat_list</a:t>
+            </a:r>
+            <a:r>
+              <a:rPr lang="en-US" sz="1400" dirty="0">
+                <a:solidFill>
+                  <a:srgbClr val="000000"/>
+                </a:solidFill>
+                <a:latin typeface="Courier" charset="0"/>
+                <a:ea typeface="Courier" charset="0"/>
+                <a:cs typeface="Courier" charset="0"/>
+              </a:rPr>
+              <a:t> %}</a:t>
+            </a:r>
+          </a:p>
+          <a:p>
+            <a:r>
+              <a:rPr lang="mr-IN" sz="1400" dirty="0">
+                <a:solidFill>
+                  <a:srgbClr val="000000"/>
+                </a:solidFill>
+                <a:latin typeface="Courier" charset="0"/>
+                <a:ea typeface="Courier" charset="0"/>
+                <a:cs typeface="Courier" charset="0"/>
+              </a:rPr>
+              <a:t>    </a:t>
+            </a:r>
+            <a:r>
+              <a:rPr lang="mr-IN" sz="1400" dirty="0">
+                <a:solidFill>
+                  <a:srgbClr val="2EAEBB"/>
+                </a:solidFill>
+                <a:latin typeface="Courier" charset="0"/>
+                <a:ea typeface="Courier" charset="0"/>
+                <a:cs typeface="Courier" charset="0"/>
+              </a:rPr>
+              <a:t>&lt;</a:t>
+            </a:r>
+            <a:r>
+              <a:rPr lang="mr-IN" sz="1400" dirty="0" err="1">
+                <a:solidFill>
+                  <a:srgbClr val="C1651C"/>
+                </a:solidFill>
+                <a:latin typeface="Courier" charset="0"/>
+                <a:ea typeface="Courier" charset="0"/>
+                <a:cs typeface="Courier" charset="0"/>
+              </a:rPr>
+              <a:t>li</a:t>
+            </a:r>
+            <a:r>
+              <a:rPr lang="mr-IN" sz="1400" dirty="0">
+                <a:solidFill>
+                  <a:srgbClr val="2EAEBB"/>
+                </a:solidFill>
+                <a:latin typeface="Courier" charset="0"/>
+                <a:ea typeface="Courier" charset="0"/>
+                <a:cs typeface="Courier" charset="0"/>
+              </a:rPr>
+              <a:t>&gt;</a:t>
+            </a:r>
+            <a:endParaRPr lang="mr-IN" sz="1400" dirty="0">
+              <a:solidFill>
+                <a:srgbClr val="000000"/>
+              </a:solidFill>
+              <a:latin typeface="Courier" charset="0"/>
+              <a:ea typeface="Courier" charset="0"/>
+              <a:cs typeface="Courier" charset="0"/>
+            </a:endParaRPr>
+          </a:p>
+          <a:p>
+            <a:r>
+              <a:rPr lang="mr-IN" sz="1400" dirty="0">
+                <a:solidFill>
+                  <a:srgbClr val="000000"/>
+                </a:solidFill>
+                <a:latin typeface="Courier" charset="0"/>
+                <a:ea typeface="Courier" charset="0"/>
+                <a:cs typeface="Courier" charset="0"/>
+              </a:rPr>
+              <a:t>      </a:t>
+            </a:r>
+            <a:r>
+              <a:rPr lang="mr-IN" sz="1400" dirty="0">
+                <a:solidFill>
+                  <a:srgbClr val="2EAEBB"/>
+                </a:solidFill>
+                <a:latin typeface="Courier" charset="0"/>
+                <a:ea typeface="Courier" charset="0"/>
+                <a:cs typeface="Courier" charset="0"/>
+              </a:rPr>
+              <a:t>&lt;</a:t>
+            </a:r>
+            <a:r>
+              <a:rPr lang="mr-IN" sz="1400" dirty="0" err="1">
+                <a:solidFill>
+                  <a:srgbClr val="C1651C"/>
+                </a:solidFill>
+                <a:latin typeface="Courier" charset="0"/>
+                <a:ea typeface="Courier" charset="0"/>
+                <a:cs typeface="Courier" charset="0"/>
+              </a:rPr>
+              <a:t>a</a:t>
+            </a:r>
+            <a:r>
+              <a:rPr lang="mr-IN" sz="1400" dirty="0">
+                <a:solidFill>
+                  <a:srgbClr val="2EAEBB"/>
+                </a:solidFill>
+                <a:latin typeface="Courier" charset="0"/>
+                <a:ea typeface="Courier" charset="0"/>
+                <a:cs typeface="Courier" charset="0"/>
+              </a:rPr>
+              <a:t> </a:t>
+            </a:r>
+            <a:r>
+              <a:rPr lang="mr-IN" sz="1400" dirty="0" err="1">
+                <a:solidFill>
+                  <a:srgbClr val="2FB41D"/>
+                </a:solidFill>
+                <a:latin typeface="Courier" charset="0"/>
+                <a:ea typeface="Courier" charset="0"/>
+                <a:cs typeface="Courier" charset="0"/>
+              </a:rPr>
+              <a:t>href</a:t>
+            </a:r>
+            <a:r>
+              <a:rPr lang="mr-IN" sz="1400" dirty="0">
+                <a:solidFill>
+                  <a:srgbClr val="2EAEBB"/>
+                </a:solidFill>
+                <a:latin typeface="Courier" charset="0"/>
+                <a:ea typeface="Courier" charset="0"/>
+                <a:cs typeface="Courier" charset="0"/>
+              </a:rPr>
+              <a:t>=</a:t>
+            </a:r>
+            <a:r>
+              <a:rPr lang="mr-IN" sz="1400" dirty="0">
+                <a:solidFill>
+                  <a:srgbClr val="B42419"/>
+                </a:solidFill>
+                <a:latin typeface="Courier" charset="0"/>
+                <a:ea typeface="Courier" charset="0"/>
+                <a:cs typeface="Courier" charset="0"/>
+              </a:rPr>
+              <a:t>"{% </a:t>
+            </a:r>
+            <a:r>
+              <a:rPr lang="mr-IN" sz="1400" dirty="0" err="1">
+                <a:solidFill>
+                  <a:srgbClr val="B42419"/>
+                </a:solidFill>
+                <a:latin typeface="Courier" charset="0"/>
+                <a:ea typeface="Courier" charset="0"/>
+                <a:cs typeface="Courier" charset="0"/>
+              </a:rPr>
+              <a:t>url</a:t>
+            </a:r>
+            <a:r>
+              <a:rPr lang="mr-IN" sz="1400" dirty="0">
+                <a:solidFill>
+                  <a:srgbClr val="B42419"/>
+                </a:solidFill>
+                <a:latin typeface="Courier" charset="0"/>
+                <a:ea typeface="Courier" charset="0"/>
+                <a:cs typeface="Courier" charset="0"/>
+              </a:rPr>
+              <a:t> '</a:t>
+            </a:r>
+            <a:r>
+              <a:rPr lang="mr-IN" sz="1400" dirty="0" err="1">
+                <a:solidFill>
+                  <a:srgbClr val="B42419"/>
+                </a:solidFill>
+                <a:latin typeface="Courier" charset="0"/>
+                <a:ea typeface="Courier" charset="0"/>
+                <a:cs typeface="Courier" charset="0"/>
+              </a:rPr>
+              <a:t>gview:cat</a:t>
+            </a:r>
+            <a:r>
+              <a:rPr lang="mr-IN" sz="1400" dirty="0">
+                <a:solidFill>
+                  <a:srgbClr val="B42419"/>
+                </a:solidFill>
+                <a:latin typeface="Courier" charset="0"/>
+                <a:ea typeface="Courier" charset="0"/>
+                <a:cs typeface="Courier" charset="0"/>
+              </a:rPr>
+              <a:t>' </a:t>
+            </a:r>
+            <a:r>
+              <a:rPr lang="mr-IN" sz="1400" dirty="0" err="1">
+                <a:solidFill>
+                  <a:srgbClr val="B42419"/>
+                </a:solidFill>
+                <a:latin typeface="Courier" charset="0"/>
+                <a:ea typeface="Courier" charset="0"/>
+                <a:cs typeface="Courier" charset="0"/>
+              </a:rPr>
+              <a:t>cat.id</a:t>
+            </a:r>
+            <a:r>
+              <a:rPr lang="mr-IN" sz="1400" dirty="0">
+                <a:solidFill>
+                  <a:srgbClr val="B42419"/>
+                </a:solidFill>
+                <a:latin typeface="Courier" charset="0"/>
+                <a:ea typeface="Courier" charset="0"/>
+                <a:cs typeface="Courier" charset="0"/>
+              </a:rPr>
+              <a:t> %}"</a:t>
+            </a:r>
+            <a:r>
+              <a:rPr lang="mr-IN" sz="1400" dirty="0">
+                <a:solidFill>
+                  <a:srgbClr val="2EAEBB"/>
+                </a:solidFill>
+                <a:latin typeface="Courier" charset="0"/>
+                <a:ea typeface="Courier" charset="0"/>
+                <a:cs typeface="Courier" charset="0"/>
+              </a:rPr>
+              <a:t>&gt;</a:t>
+            </a:r>
+            <a:r>
+              <a:rPr lang="mr-IN" sz="1400" u="sng" dirty="0">
+                <a:solidFill>
+                  <a:srgbClr val="C814C9"/>
+                </a:solidFill>
+                <a:latin typeface="Courier" charset="0"/>
+                <a:ea typeface="Courier" charset="0"/>
+                <a:cs typeface="Courier" charset="0"/>
+              </a:rPr>
+              <a:t>{{ </a:t>
+            </a:r>
+            <a:r>
+              <a:rPr lang="mr-IN" sz="1400" u="sng" dirty="0" err="1">
+                <a:solidFill>
+                  <a:srgbClr val="C814C9"/>
+                </a:solidFill>
+                <a:latin typeface="Courier" charset="0"/>
+                <a:ea typeface="Courier" charset="0"/>
+                <a:cs typeface="Courier" charset="0"/>
+              </a:rPr>
+              <a:t>cat.name</a:t>
+            </a:r>
+            <a:r>
+              <a:rPr lang="mr-IN" sz="1400" u="sng" dirty="0">
+                <a:solidFill>
+                  <a:srgbClr val="C814C9"/>
+                </a:solidFill>
+                <a:latin typeface="Courier" charset="0"/>
+                <a:ea typeface="Courier" charset="0"/>
+                <a:cs typeface="Courier" charset="0"/>
+              </a:rPr>
+              <a:t> }}</a:t>
+            </a:r>
+            <a:r>
+              <a:rPr lang="mr-IN" sz="1400" u="sng" dirty="0">
+                <a:solidFill>
+                  <a:srgbClr val="2EAEBB"/>
+                </a:solidFill>
+                <a:latin typeface="Courier" charset="0"/>
+                <a:ea typeface="Courier" charset="0"/>
+                <a:cs typeface="Courier" charset="0"/>
+              </a:rPr>
+              <a:t>&lt;/</a:t>
+            </a:r>
+            <a:r>
+              <a:rPr lang="mr-IN" sz="1400" u="sng" dirty="0" err="1">
+                <a:solidFill>
+                  <a:srgbClr val="C1651C"/>
+                </a:solidFill>
+                <a:latin typeface="Courier" charset="0"/>
+                <a:ea typeface="Courier" charset="0"/>
+                <a:cs typeface="Courier" charset="0"/>
+              </a:rPr>
+              <a:t>a</a:t>
+            </a:r>
+            <a:r>
+              <a:rPr lang="mr-IN" sz="1400" u="sng" dirty="0">
+                <a:solidFill>
+                  <a:srgbClr val="2EAEBB"/>
+                </a:solidFill>
+                <a:latin typeface="Courier" charset="0"/>
+                <a:ea typeface="Courier" charset="0"/>
+                <a:cs typeface="Courier" charset="0"/>
+              </a:rPr>
+              <a:t>&gt;</a:t>
+            </a:r>
+            <a:endParaRPr lang="mr-IN" sz="1400" u="sng" dirty="0">
+              <a:solidFill>
+                <a:srgbClr val="000000"/>
+              </a:solidFill>
+              <a:latin typeface="Courier" charset="0"/>
+              <a:ea typeface="Courier" charset="0"/>
+              <a:cs typeface="Courier" charset="0"/>
+            </a:endParaRPr>
+          </a:p>
+          <a:p>
+            <a:r>
+              <a:rPr lang="mr-IN" sz="1400" u="sng" dirty="0">
+                <a:solidFill>
+                  <a:srgbClr val="000000"/>
+                </a:solidFill>
+                <a:latin typeface="Courier" charset="0"/>
+                <a:ea typeface="Courier" charset="0"/>
+                <a:cs typeface="Courier" charset="0"/>
+              </a:rPr>
+              <a:t>    </a:t>
+            </a:r>
+            <a:r>
+              <a:rPr lang="mr-IN" sz="1400" u="sng" dirty="0">
+                <a:solidFill>
+                  <a:srgbClr val="2EAEBB"/>
+                </a:solidFill>
+                <a:latin typeface="Courier" charset="0"/>
+                <a:ea typeface="Courier" charset="0"/>
+                <a:cs typeface="Courier" charset="0"/>
+              </a:rPr>
+              <a:t>&lt;/</a:t>
+            </a:r>
+            <a:r>
+              <a:rPr lang="mr-IN" sz="1400" u="sng" dirty="0" err="1">
+                <a:solidFill>
+                  <a:srgbClr val="C1651C"/>
+                </a:solidFill>
+                <a:latin typeface="Courier" charset="0"/>
+                <a:ea typeface="Courier" charset="0"/>
+                <a:cs typeface="Courier" charset="0"/>
+              </a:rPr>
+              <a:t>li</a:t>
+            </a:r>
+            <a:r>
+              <a:rPr lang="mr-IN" sz="1400" u="sng" dirty="0">
+                <a:solidFill>
+                  <a:srgbClr val="2EAEBB"/>
+                </a:solidFill>
+                <a:latin typeface="Courier" charset="0"/>
+                <a:ea typeface="Courier" charset="0"/>
+                <a:cs typeface="Courier" charset="0"/>
+              </a:rPr>
+              <a:t>&gt;</a:t>
+            </a:r>
+            <a:endParaRPr lang="mr-IN" sz="1400" u="sng" dirty="0">
+              <a:solidFill>
+                <a:srgbClr val="000000"/>
+              </a:solidFill>
+              <a:latin typeface="Courier" charset="0"/>
+              <a:ea typeface="Courier" charset="0"/>
+              <a:cs typeface="Courier" charset="0"/>
+            </a:endParaRPr>
+          </a:p>
+          <a:p>
+            <a:r>
+              <a:rPr lang="mr-IN" sz="1400" u="sng" dirty="0">
+                <a:solidFill>
+                  <a:srgbClr val="000000"/>
+                </a:solidFill>
+                <a:latin typeface="Courier" charset="0"/>
+                <a:ea typeface="Courier" charset="0"/>
+                <a:cs typeface="Courier" charset="0"/>
+              </a:rPr>
+              <a:t>  {% </a:t>
+            </a:r>
+            <a:r>
+              <a:rPr lang="mr-IN" sz="1400" u="sng" dirty="0" err="1">
+                <a:solidFill>
+                  <a:srgbClr val="000000"/>
+                </a:solidFill>
+                <a:latin typeface="Courier" charset="0"/>
+                <a:ea typeface="Courier" charset="0"/>
+                <a:cs typeface="Courier" charset="0"/>
+              </a:rPr>
+              <a:t>endfor</a:t>
+            </a:r>
+            <a:r>
+              <a:rPr lang="mr-IN" sz="1400" u="sng" dirty="0">
+                <a:solidFill>
+                  <a:srgbClr val="000000"/>
+                </a:solidFill>
+                <a:latin typeface="Courier" charset="0"/>
+                <a:ea typeface="Courier" charset="0"/>
+                <a:cs typeface="Courier" charset="0"/>
+              </a:rPr>
+              <a:t> %}</a:t>
+            </a:r>
+          </a:p>
+          <a:p>
+            <a:r>
+              <a:rPr lang="mr-IN" sz="1400" u="sng" dirty="0">
+                <a:solidFill>
+                  <a:srgbClr val="2EAEBB"/>
+                </a:solidFill>
+                <a:latin typeface="Courier" charset="0"/>
+                <a:ea typeface="Courier" charset="0"/>
+                <a:cs typeface="Courier" charset="0"/>
+              </a:rPr>
+              <a:t>&lt;/</a:t>
+            </a:r>
+            <a:r>
+              <a:rPr lang="mr-IN" sz="1400" u="sng" dirty="0" err="1">
+                <a:solidFill>
+                  <a:srgbClr val="C1651C"/>
+                </a:solidFill>
+                <a:latin typeface="Courier" charset="0"/>
+                <a:ea typeface="Courier" charset="0"/>
+                <a:cs typeface="Courier" charset="0"/>
+              </a:rPr>
+              <a:t>ul</a:t>
+            </a:r>
+            <a:r>
+              <a:rPr lang="mr-IN" sz="1400" u="sng" dirty="0">
+                <a:solidFill>
+                  <a:srgbClr val="2EAEBB"/>
+                </a:solidFill>
+                <a:latin typeface="Courier" charset="0"/>
+                <a:ea typeface="Courier" charset="0"/>
+                <a:cs typeface="Courier" charset="0"/>
+              </a:rPr>
+              <a:t>&gt;</a:t>
+            </a:r>
+            <a:endParaRPr lang="mr-IN" sz="1400" u="sng" dirty="0">
+              <a:solidFill>
+                <a:srgbClr val="000000"/>
+              </a:solidFill>
+              <a:latin typeface="Courier" charset="0"/>
+              <a:ea typeface="Courier" charset="0"/>
+              <a:cs typeface="Courier" charset="0"/>
+            </a:endParaRPr>
+          </a:p>
+          <a:p>
+            <a:r>
+              <a:rPr lang="en-US" sz="1400" u="sng" dirty="0">
+                <a:solidFill>
+                  <a:srgbClr val="000000"/>
+                </a:solidFill>
+                <a:latin typeface="Courier" charset="0"/>
+                <a:ea typeface="Courier" charset="0"/>
+                <a:cs typeface="Courier" charset="0"/>
+              </a:rPr>
+              <a:t>{% else %}</a:t>
+            </a:r>
+          </a:p>
+          <a:p>
+            <a:r>
+              <a:rPr lang="en-US" sz="1400" u="sng" dirty="0">
+                <a:solidFill>
+                  <a:srgbClr val="000000"/>
+                </a:solidFill>
+                <a:latin typeface="Courier" charset="0"/>
+                <a:ea typeface="Courier" charset="0"/>
+                <a:cs typeface="Courier" charset="0"/>
+              </a:rPr>
+              <a:t>  </a:t>
+            </a:r>
+            <a:r>
+              <a:rPr lang="en-US" sz="1400" u="sng" dirty="0">
+                <a:solidFill>
+                  <a:srgbClr val="2EAEBB"/>
+                </a:solidFill>
+                <a:latin typeface="Courier" charset="0"/>
+                <a:ea typeface="Courier" charset="0"/>
+                <a:cs typeface="Courier" charset="0"/>
+              </a:rPr>
+              <a:t>&lt;</a:t>
+            </a:r>
+            <a:r>
+              <a:rPr lang="en-US" sz="1400" u="sng" dirty="0">
+                <a:solidFill>
+                  <a:srgbClr val="C1651C"/>
+                </a:solidFill>
+                <a:latin typeface="Courier" charset="0"/>
+                <a:ea typeface="Courier" charset="0"/>
+                <a:cs typeface="Courier" charset="0"/>
+              </a:rPr>
+              <a:t>p</a:t>
+            </a:r>
+            <a:r>
+              <a:rPr lang="en-US" sz="1400" u="sng" dirty="0">
+                <a:solidFill>
+                  <a:srgbClr val="2EAEBB"/>
+                </a:solidFill>
+                <a:latin typeface="Courier" charset="0"/>
+                <a:ea typeface="Courier" charset="0"/>
+                <a:cs typeface="Courier" charset="0"/>
+              </a:rPr>
+              <a:t>&gt;</a:t>
+            </a:r>
+            <a:r>
+              <a:rPr lang="en-US" sz="1400" u="sng" dirty="0">
+                <a:solidFill>
+                  <a:srgbClr val="000000"/>
+                </a:solidFill>
+                <a:latin typeface="Courier" charset="0"/>
+                <a:ea typeface="Courier" charset="0"/>
+                <a:cs typeface="Courier" charset="0"/>
+              </a:rPr>
+              <a:t>There are no cats in the database.</a:t>
+            </a:r>
+            <a:r>
+              <a:rPr lang="en-US" sz="1400" u="sng" dirty="0">
+                <a:solidFill>
+                  <a:srgbClr val="2EAEBB"/>
+                </a:solidFill>
+                <a:latin typeface="Courier" charset="0"/>
+                <a:ea typeface="Courier" charset="0"/>
+                <a:cs typeface="Courier" charset="0"/>
+              </a:rPr>
+              <a:t>&lt;/</a:t>
+            </a:r>
+            <a:r>
+              <a:rPr lang="en-US" sz="1400" u="sng" dirty="0">
+                <a:solidFill>
+                  <a:srgbClr val="C1651C"/>
+                </a:solidFill>
+                <a:latin typeface="Courier" charset="0"/>
+                <a:ea typeface="Courier" charset="0"/>
+                <a:cs typeface="Courier" charset="0"/>
+              </a:rPr>
+              <a:t>p</a:t>
+            </a:r>
+            <a:r>
+              <a:rPr lang="en-US" sz="1400" u="sng" dirty="0">
+                <a:solidFill>
+                  <a:srgbClr val="2EAEBB"/>
+                </a:solidFill>
+                <a:latin typeface="Courier" charset="0"/>
+                <a:ea typeface="Courier" charset="0"/>
+                <a:cs typeface="Courier" charset="0"/>
+              </a:rPr>
+              <a:t>&gt;</a:t>
+            </a:r>
+            <a:endParaRPr lang="en-US" sz="1400" u="sng" dirty="0">
+              <a:solidFill>
+                <a:srgbClr val="000000"/>
+              </a:solidFill>
+              <a:latin typeface="Courier" charset="0"/>
+              <a:ea typeface="Courier" charset="0"/>
+              <a:cs typeface="Courier" charset="0"/>
+            </a:endParaRPr>
+          </a:p>
+          <a:p>
+            <a:r>
+              <a:rPr lang="mr-IN" sz="1400" u="sng" dirty="0">
+                <a:solidFill>
+                  <a:srgbClr val="000000"/>
+                </a:solidFill>
+                <a:latin typeface="Courier" charset="0"/>
+                <a:ea typeface="Courier" charset="0"/>
+                <a:cs typeface="Courier" charset="0"/>
+              </a:rPr>
+              <a:t>{% </a:t>
+            </a:r>
+            <a:r>
+              <a:rPr lang="mr-IN" sz="1400" u="sng" dirty="0" err="1">
+                <a:solidFill>
+                  <a:srgbClr val="000000"/>
+                </a:solidFill>
+                <a:latin typeface="Courier" charset="0"/>
+                <a:ea typeface="Courier" charset="0"/>
+                <a:cs typeface="Courier" charset="0"/>
+              </a:rPr>
+              <a:t>endif</a:t>
+            </a:r>
+            <a:r>
+              <a:rPr lang="mr-IN" sz="1400" u="sng" dirty="0">
+                <a:solidFill>
+                  <a:srgbClr val="000000"/>
+                </a:solidFill>
+                <a:latin typeface="Courier" charset="0"/>
+                <a:ea typeface="Courier" charset="0"/>
+                <a:cs typeface="Courier" charset="0"/>
+              </a:rPr>
+              <a:t> %}</a:t>
+            </a:r>
+          </a:p>
+          <a:p>
+            <a:r>
+              <a:rPr lang="mr-IN" sz="1400" u="sng" dirty="0">
+                <a:solidFill>
+                  <a:srgbClr val="2EAEBB"/>
+                </a:solidFill>
+                <a:latin typeface="Courier" charset="0"/>
+                <a:ea typeface="Courier" charset="0"/>
+                <a:cs typeface="Courier" charset="0"/>
+              </a:rPr>
+              <a:t>&lt;/</a:t>
+            </a:r>
+            <a:r>
+              <a:rPr lang="mr-IN" sz="1400" u="sng" dirty="0" err="1">
+                <a:solidFill>
+                  <a:srgbClr val="C1651C"/>
+                </a:solidFill>
+                <a:latin typeface="Courier" charset="0"/>
+                <a:ea typeface="Courier" charset="0"/>
+                <a:cs typeface="Courier" charset="0"/>
+              </a:rPr>
+              <a:t>p</a:t>
+            </a:r>
+            <a:r>
+              <a:rPr lang="mr-IN" sz="1400" u="sng" dirty="0">
+                <a:solidFill>
+                  <a:srgbClr val="2EAEBB"/>
+                </a:solidFill>
+                <a:latin typeface="Courier" charset="0"/>
+                <a:ea typeface="Courier" charset="0"/>
+                <a:cs typeface="Courier" charset="0"/>
+              </a:rPr>
+              <a:t>&gt;</a:t>
+            </a:r>
+            <a:endParaRPr lang="en-US" sz="1400" dirty="0">
+              <a:latin typeface="Courier" charset="0"/>
+              <a:ea typeface="Courier" charset="0"/>
+              <a:cs typeface="Courier" charset="0"/>
+            </a:endParaRPr>
+          </a:p>
+        </p:txBody>
+      </p:sp>
+      <p:sp>
+        <p:nvSpPr>
+          <p:cNvPr id="6" name="Rectangle 5"/>
+          <p:cNvSpPr/>
+          <p:nvPr/>
+        </p:nvSpPr>
+        <p:spPr>
+          <a:xfrm>
+            <a:off x="747705" y="783229"/>
+            <a:ext cx="4963090" cy="369332"/>
+          </a:xfrm>
+          <a:prstGeom prst="rect">
+            <a:avLst/>
+          </a:prstGeom>
+        </p:spPr>
+        <p:txBody>
+          <a:bodyPr wrap="none">
+            <a:spAutoFit/>
+          </a:bodyPr>
+          <a:lstStyle/>
+          <a:p>
+            <a:r>
+              <a:rPr lang="en-US" dirty="0" smtClean="0">
+                <a:solidFill>
+                  <a:srgbClr val="FFFF00"/>
+                </a:solidFill>
+              </a:rPr>
+              <a:t>dj4e-samples/</a:t>
+            </a:r>
+            <a:r>
+              <a:rPr lang="en-US" dirty="0" err="1" smtClean="0">
+                <a:solidFill>
+                  <a:srgbClr val="FFFF00"/>
+                </a:solidFill>
+              </a:rPr>
+              <a:t>gview</a:t>
+            </a:r>
+            <a:r>
+              <a:rPr lang="en-US" dirty="0" smtClean="0">
+                <a:solidFill>
+                  <a:srgbClr val="FFFF00"/>
+                </a:solidFill>
+              </a:rPr>
+              <a:t>/templates/</a:t>
+            </a:r>
+            <a:r>
+              <a:rPr lang="en-US" dirty="0" err="1" smtClean="0">
+                <a:solidFill>
+                  <a:srgbClr val="FFFF00"/>
+                </a:solidFill>
+              </a:rPr>
+              <a:t>gview</a:t>
+            </a:r>
+            <a:r>
+              <a:rPr lang="en-US" dirty="0" smtClean="0">
+                <a:solidFill>
+                  <a:srgbClr val="FFFF00"/>
+                </a:solidFill>
+              </a:rPr>
+              <a:t>/</a:t>
+            </a:r>
+            <a:r>
+              <a:rPr lang="en-US" dirty="0" err="1" smtClean="0">
+                <a:solidFill>
+                  <a:srgbClr val="FFFF00"/>
+                </a:solidFill>
+              </a:rPr>
+              <a:t>cat_list.html</a:t>
+            </a:r>
+            <a:endParaRPr lang="en-US" dirty="0">
+              <a:solidFill>
+                <a:srgbClr val="FFFF00"/>
+              </a:solidFill>
+              <a:effectLst/>
+            </a:endParaRPr>
+          </a:p>
+        </p:txBody>
+      </p:sp>
+      <p:pic>
+        <p:nvPicPr>
+          <p:cNvPr id="8" name="Picture 7" descr="Cat List&#10;&#10;    Sophie&#10;    Frankie&#10;" title="Screen shot of https://samples.dj4e.com/gview/cats">
+            <a:hlinkClick r:id="rId2"/>
+          </p:cNvPr>
+          <p:cNvPicPr>
+            <a:picLocks noChangeAspect="1"/>
+          </p:cNvPicPr>
+          <p:nvPr/>
+        </p:nvPicPr>
+        <p:blipFill>
+          <a:blip r:embed="rId3">
+            <a:extLst>
+              <a:ext uri="{28A0092B-C50C-407E-A947-70E740481C1C}">
+                <a14:useLocalDpi xmlns:a14="http://schemas.microsoft.com/office/drawing/2010/main" val="0"/>
+              </a:ext>
+            </a:extLst>
+          </a:blip>
+          <a:stretch>
+            <a:fillRect/>
+          </a:stretch>
+        </p:blipFill>
+        <p:spPr>
+          <a:xfrm>
+            <a:off x="7758104" y="840381"/>
+            <a:ext cx="4433895" cy="4594710"/>
+          </a:xfrm>
+          <a:prstGeom prst="rect">
+            <a:avLst/>
+          </a:prstGeom>
+        </p:spPr>
+      </p:pic>
+      <p:sp>
+        <p:nvSpPr>
+          <p:cNvPr id="9" name="Rectangle 8"/>
+          <p:cNvSpPr/>
+          <p:nvPr/>
+        </p:nvSpPr>
+        <p:spPr>
+          <a:xfrm>
+            <a:off x="8133649" y="721674"/>
+            <a:ext cx="3682803" cy="369332"/>
+          </a:xfrm>
+          <a:prstGeom prst="rect">
+            <a:avLst/>
+          </a:prstGeom>
+        </p:spPr>
+        <p:txBody>
+          <a:bodyPr wrap="none">
+            <a:spAutoFit/>
+          </a:bodyPr>
+          <a:lstStyle/>
+          <a:p>
+            <a:r>
+              <a:rPr lang="en-US" dirty="0">
+                <a:solidFill>
+                  <a:srgbClr val="FFFF00"/>
+                </a:solidFill>
+              </a:rPr>
+              <a:t>https://samples.dj4e.com/</a:t>
+            </a:r>
+            <a:r>
+              <a:rPr lang="en-US" dirty="0" err="1">
+                <a:solidFill>
+                  <a:srgbClr val="FFFF00"/>
+                </a:solidFill>
+              </a:rPr>
+              <a:t>gview</a:t>
+            </a:r>
+            <a:r>
+              <a:rPr lang="en-US" dirty="0">
+                <a:solidFill>
+                  <a:srgbClr val="FFFF00"/>
+                </a:solidFill>
+              </a:rPr>
+              <a:t>/cats</a:t>
+            </a:r>
+          </a:p>
+        </p:txBody>
+      </p:sp>
+    </p:spTree>
+    <p:extLst>
+      <p:ext uri="{BB962C8B-B14F-4D97-AF65-F5344CB8AC3E}">
+        <p14:creationId xmlns:p14="http://schemas.microsoft.com/office/powerpoint/2010/main" val="393971764"/>
+      </p:ext>
+    </p:extLst>
+  </p:cSld>
+  <p:clrMapOvr>
+    <a:masterClrMapping/>
+  </p:clrMapOvr>
+</p:sld>
+</file>
+
+<file path=ppt/slides/slide11.xml><?xml version="1.0" encoding="utf-8"?>
+<p:sld xmlns:a="http://schemas.openxmlformats.org/drawingml/2006/main" xmlns:r="http://schemas.openxmlformats.org/officeDocument/2006/relationships" xmlns:p="http://schemas.openxmlformats.org/presentationml/2006/main">
+  <p:cSld>
+    <p:spTree>
+      <p:nvGrpSpPr>
+        <p:cNvPr id="1" name=""/>
+        <p:cNvGrpSpPr/>
+        <p:nvPr/>
+      </p:nvGrpSpPr>
+      <p:grpSpPr>
+        <a:xfrm>
+          <a:off x="0" y="0"/>
+          <a:ext cx="0" cy="0"/>
+          <a:chOff x="0" y="0"/>
+          <a:chExt cx="0" cy="0"/>
+        </a:xfrm>
+      </p:grpSpPr>
+      <p:sp>
+        <p:nvSpPr>
+          <p:cNvPr id="5" name="Rectangle 4"/>
+          <p:cNvSpPr/>
+          <p:nvPr/>
+        </p:nvSpPr>
+        <p:spPr>
+          <a:xfrm>
+            <a:off x="776281" y="1241947"/>
+            <a:ext cx="5938844" cy="1815882"/>
+          </a:xfrm>
+          <a:prstGeom prst="rect">
+            <a:avLst/>
+          </a:prstGeom>
+          <a:solidFill>
+            <a:schemeClr val="tx1"/>
+          </a:solidFill>
+        </p:spPr>
+        <p:txBody>
+          <a:bodyPr wrap="square">
+            <a:spAutoFit/>
+          </a:bodyPr>
+          <a:lstStyle/>
+          <a:p>
+            <a:r>
+              <a:rPr lang="mr-IN" sz="1400" dirty="0">
+                <a:solidFill>
+                  <a:srgbClr val="1396A3"/>
+                </a:solidFill>
+                <a:latin typeface="Courier" charset="0"/>
+                <a:ea typeface="Courier" charset="0"/>
+                <a:cs typeface="Courier" charset="0"/>
+              </a:rPr>
+              <a:t>&lt;</a:t>
+            </a:r>
+            <a:r>
+              <a:rPr lang="mr-IN" sz="1400" dirty="0">
+                <a:solidFill>
+                  <a:srgbClr val="C1651C"/>
+                </a:solidFill>
+                <a:latin typeface="Courier" charset="0"/>
+                <a:ea typeface="Courier" charset="0"/>
+                <a:cs typeface="Courier" charset="0"/>
+              </a:rPr>
+              <a:t>h1</a:t>
+            </a:r>
+            <a:r>
+              <a:rPr lang="mr-IN" sz="1400" dirty="0">
+                <a:solidFill>
+                  <a:srgbClr val="1396A3"/>
+                </a:solidFill>
+                <a:latin typeface="Courier" charset="0"/>
+                <a:ea typeface="Courier" charset="0"/>
+                <a:cs typeface="Courier" charset="0"/>
+              </a:rPr>
+              <a:t>&gt;</a:t>
+            </a:r>
+            <a:r>
+              <a:rPr lang="mr-IN" sz="1400" dirty="0" err="1">
+                <a:solidFill>
+                  <a:srgbClr val="C814C9"/>
+                </a:solidFill>
+                <a:latin typeface="Courier" charset="0"/>
+                <a:ea typeface="Courier" charset="0"/>
+                <a:cs typeface="Courier" charset="0"/>
+              </a:rPr>
+              <a:t>Cat</a:t>
+            </a:r>
+            <a:r>
+              <a:rPr lang="mr-IN" sz="1400" dirty="0">
+                <a:solidFill>
+                  <a:srgbClr val="C814C9"/>
+                </a:solidFill>
+                <a:latin typeface="Courier" charset="0"/>
+                <a:ea typeface="Courier" charset="0"/>
+                <a:cs typeface="Courier" charset="0"/>
+              </a:rPr>
+              <a:t> {{ </a:t>
+            </a:r>
+            <a:r>
+              <a:rPr lang="mr-IN" sz="1400" dirty="0" err="1">
+                <a:solidFill>
+                  <a:srgbClr val="C814C9"/>
+                </a:solidFill>
+                <a:latin typeface="Courier" charset="0"/>
+                <a:ea typeface="Courier" charset="0"/>
+                <a:cs typeface="Courier" charset="0"/>
+              </a:rPr>
+              <a:t>cat.name</a:t>
+            </a:r>
+            <a:r>
+              <a:rPr lang="mr-IN" sz="1400" dirty="0">
+                <a:solidFill>
+                  <a:srgbClr val="C814C9"/>
+                </a:solidFill>
+                <a:latin typeface="Courier" charset="0"/>
+                <a:ea typeface="Courier" charset="0"/>
+                <a:cs typeface="Courier" charset="0"/>
+              </a:rPr>
+              <a:t> }}</a:t>
+            </a:r>
+            <a:r>
+              <a:rPr lang="mr-IN" sz="1400" dirty="0">
+                <a:solidFill>
+                  <a:srgbClr val="2EAEBB"/>
+                </a:solidFill>
+                <a:latin typeface="Courier" charset="0"/>
+                <a:ea typeface="Courier" charset="0"/>
+                <a:cs typeface="Courier" charset="0"/>
+              </a:rPr>
+              <a:t>&lt;/</a:t>
+            </a:r>
+            <a:r>
+              <a:rPr lang="mr-IN" sz="1400" dirty="0">
+                <a:solidFill>
+                  <a:srgbClr val="C1651C"/>
+                </a:solidFill>
+                <a:latin typeface="Courier" charset="0"/>
+                <a:ea typeface="Courier" charset="0"/>
+                <a:cs typeface="Courier" charset="0"/>
+              </a:rPr>
+              <a:t>h1</a:t>
+            </a:r>
+            <a:r>
+              <a:rPr lang="mr-IN" sz="1400" dirty="0">
+                <a:solidFill>
+                  <a:srgbClr val="2EAEBB"/>
+                </a:solidFill>
+                <a:latin typeface="Courier" charset="0"/>
+                <a:ea typeface="Courier" charset="0"/>
+                <a:cs typeface="Courier" charset="0"/>
+              </a:rPr>
+              <a:t>&gt;</a:t>
+            </a:r>
+            <a:endParaRPr lang="mr-IN" sz="1400" dirty="0">
+              <a:solidFill>
+                <a:srgbClr val="000000"/>
+              </a:solidFill>
+              <a:latin typeface="Courier" charset="0"/>
+              <a:ea typeface="Courier" charset="0"/>
+              <a:cs typeface="Courier" charset="0"/>
+            </a:endParaRPr>
+          </a:p>
+          <a:p>
+            <a:r>
+              <a:rPr lang="mr-IN" sz="1400" dirty="0">
+                <a:solidFill>
+                  <a:srgbClr val="2EAEBB"/>
+                </a:solidFill>
+                <a:latin typeface="Courier" charset="0"/>
+                <a:ea typeface="Courier" charset="0"/>
+                <a:cs typeface="Courier" charset="0"/>
+              </a:rPr>
+              <a:t>&lt;</a:t>
+            </a:r>
+            <a:r>
+              <a:rPr lang="mr-IN" sz="1400" dirty="0" err="1">
+                <a:solidFill>
+                  <a:srgbClr val="C1651C"/>
+                </a:solidFill>
+                <a:latin typeface="Courier" charset="0"/>
+                <a:ea typeface="Courier" charset="0"/>
+                <a:cs typeface="Courier" charset="0"/>
+              </a:rPr>
+              <a:t>p</a:t>
+            </a:r>
+            <a:r>
+              <a:rPr lang="mr-IN" sz="1400" dirty="0">
+                <a:solidFill>
+                  <a:srgbClr val="2EAEBB"/>
+                </a:solidFill>
+                <a:latin typeface="Courier" charset="0"/>
+                <a:ea typeface="Courier" charset="0"/>
+                <a:cs typeface="Courier" charset="0"/>
+              </a:rPr>
+              <a:t>&gt;</a:t>
+            </a:r>
+            <a:endParaRPr lang="mr-IN" sz="1400" dirty="0">
+              <a:solidFill>
+                <a:srgbClr val="000000"/>
+              </a:solidFill>
+              <a:latin typeface="Courier" charset="0"/>
+              <a:ea typeface="Courier" charset="0"/>
+              <a:cs typeface="Courier" charset="0"/>
+            </a:endParaRPr>
+          </a:p>
+          <a:p>
+            <a:r>
+              <a:rPr lang="en-US" sz="1400" dirty="0">
+                <a:solidFill>
+                  <a:srgbClr val="2EAEBB"/>
+                </a:solidFill>
+                <a:latin typeface="Courier" charset="0"/>
+                <a:ea typeface="Courier" charset="0"/>
+                <a:cs typeface="Courier" charset="0"/>
+              </a:rPr>
+              <a:t>&lt;</a:t>
+            </a:r>
+            <a:r>
+              <a:rPr lang="en-US" sz="1400" dirty="0">
+                <a:solidFill>
+                  <a:srgbClr val="C1651C"/>
+                </a:solidFill>
+                <a:latin typeface="Courier" charset="0"/>
+                <a:ea typeface="Courier" charset="0"/>
+                <a:cs typeface="Courier" charset="0"/>
+              </a:rPr>
+              <a:t>a</a:t>
+            </a:r>
+            <a:r>
+              <a:rPr lang="en-US" sz="1400" dirty="0">
+                <a:solidFill>
+                  <a:srgbClr val="2EAEBB"/>
+                </a:solidFill>
+                <a:latin typeface="Courier" charset="0"/>
+                <a:ea typeface="Courier" charset="0"/>
+                <a:cs typeface="Courier" charset="0"/>
+              </a:rPr>
+              <a:t> </a:t>
+            </a:r>
+            <a:r>
+              <a:rPr lang="en-US" sz="1400" dirty="0" err="1">
+                <a:solidFill>
+                  <a:srgbClr val="2FB41D"/>
+                </a:solidFill>
+                <a:latin typeface="Courier" charset="0"/>
+                <a:ea typeface="Courier" charset="0"/>
+                <a:cs typeface="Courier" charset="0"/>
+              </a:rPr>
+              <a:t>href</a:t>
+            </a:r>
+            <a:r>
+              <a:rPr lang="en-US" sz="1400" dirty="0">
+                <a:solidFill>
+                  <a:srgbClr val="2EAEBB"/>
+                </a:solidFill>
+                <a:latin typeface="Courier" charset="0"/>
+                <a:ea typeface="Courier" charset="0"/>
+                <a:cs typeface="Courier" charset="0"/>
+              </a:rPr>
+              <a:t>=</a:t>
+            </a:r>
+            <a:r>
+              <a:rPr lang="en-US" sz="1400" dirty="0">
+                <a:solidFill>
+                  <a:srgbClr val="B42419"/>
+                </a:solidFill>
+                <a:latin typeface="Courier" charset="0"/>
+                <a:ea typeface="Courier" charset="0"/>
+                <a:cs typeface="Courier" charset="0"/>
+              </a:rPr>
+              <a:t>"{% </a:t>
+            </a:r>
+            <a:r>
+              <a:rPr lang="en-US" sz="1400" dirty="0" err="1">
+                <a:solidFill>
+                  <a:srgbClr val="B42419"/>
+                </a:solidFill>
+                <a:latin typeface="Courier" charset="0"/>
+                <a:ea typeface="Courier" charset="0"/>
+                <a:cs typeface="Courier" charset="0"/>
+              </a:rPr>
+              <a:t>url</a:t>
+            </a:r>
+            <a:r>
+              <a:rPr lang="en-US" sz="1400" dirty="0">
+                <a:solidFill>
+                  <a:srgbClr val="B42419"/>
+                </a:solidFill>
+                <a:latin typeface="Courier" charset="0"/>
+                <a:ea typeface="Courier" charset="0"/>
+                <a:cs typeface="Courier" charset="0"/>
+              </a:rPr>
+              <a:t> '</a:t>
+            </a:r>
+            <a:r>
+              <a:rPr lang="en-US" sz="1400" dirty="0" err="1">
+                <a:solidFill>
+                  <a:srgbClr val="B42419"/>
+                </a:solidFill>
+                <a:latin typeface="Courier" charset="0"/>
+                <a:ea typeface="Courier" charset="0"/>
+                <a:cs typeface="Courier" charset="0"/>
+              </a:rPr>
+              <a:t>gview:cats</a:t>
+            </a:r>
+            <a:r>
+              <a:rPr lang="en-US" sz="1400" dirty="0">
+                <a:solidFill>
+                  <a:srgbClr val="B42419"/>
+                </a:solidFill>
+                <a:latin typeface="Courier" charset="0"/>
+                <a:ea typeface="Courier" charset="0"/>
+                <a:cs typeface="Courier" charset="0"/>
+              </a:rPr>
+              <a:t>' %}"</a:t>
+            </a:r>
+            <a:r>
+              <a:rPr lang="en-US" sz="1400" dirty="0">
+                <a:solidFill>
+                  <a:srgbClr val="2EAEBB"/>
+                </a:solidFill>
+                <a:latin typeface="Courier" charset="0"/>
+                <a:ea typeface="Courier" charset="0"/>
+                <a:cs typeface="Courier" charset="0"/>
+              </a:rPr>
+              <a:t>&gt;</a:t>
+            </a:r>
+            <a:r>
+              <a:rPr lang="en-US" sz="1400" u="sng" dirty="0">
+                <a:solidFill>
+                  <a:srgbClr val="C814C9"/>
+                </a:solidFill>
+                <a:latin typeface="Courier" charset="0"/>
+                <a:ea typeface="Courier" charset="0"/>
+                <a:cs typeface="Courier" charset="0"/>
+              </a:rPr>
+              <a:t>Go back to list</a:t>
+            </a:r>
+            <a:r>
+              <a:rPr lang="en-US" sz="1400" u="sng" dirty="0">
+                <a:solidFill>
+                  <a:srgbClr val="2EAEBB"/>
+                </a:solidFill>
+                <a:latin typeface="Courier" charset="0"/>
+                <a:ea typeface="Courier" charset="0"/>
+                <a:cs typeface="Courier" charset="0"/>
+              </a:rPr>
+              <a:t>&lt;/</a:t>
+            </a:r>
+            <a:r>
+              <a:rPr lang="en-US" sz="1400" u="sng" dirty="0">
+                <a:solidFill>
+                  <a:srgbClr val="C1651C"/>
+                </a:solidFill>
+                <a:latin typeface="Courier" charset="0"/>
+                <a:ea typeface="Courier" charset="0"/>
+                <a:cs typeface="Courier" charset="0"/>
+              </a:rPr>
+              <a:t>a</a:t>
+            </a:r>
+            <a:r>
+              <a:rPr lang="en-US" sz="1400" u="sng" dirty="0">
+                <a:solidFill>
+                  <a:srgbClr val="2EAEBB"/>
+                </a:solidFill>
+                <a:latin typeface="Courier" charset="0"/>
+                <a:ea typeface="Courier" charset="0"/>
+                <a:cs typeface="Courier" charset="0"/>
+              </a:rPr>
+              <a:t>&gt;</a:t>
+            </a:r>
+            <a:endParaRPr lang="en-US" sz="1400" u="sng" dirty="0">
+              <a:solidFill>
+                <a:srgbClr val="000000"/>
+              </a:solidFill>
+              <a:latin typeface="Courier" charset="0"/>
+              <a:ea typeface="Courier" charset="0"/>
+              <a:cs typeface="Courier" charset="0"/>
+            </a:endParaRPr>
+          </a:p>
+          <a:p>
+            <a:r>
+              <a:rPr lang="mr-IN" sz="1400" u="sng" dirty="0">
+                <a:solidFill>
+                  <a:srgbClr val="2EAEBB"/>
+                </a:solidFill>
+                <a:latin typeface="Courier" charset="0"/>
+                <a:ea typeface="Courier" charset="0"/>
+                <a:cs typeface="Courier" charset="0"/>
+              </a:rPr>
+              <a:t>&lt;/</a:t>
+            </a:r>
+            <a:r>
+              <a:rPr lang="mr-IN" sz="1400" u="sng" dirty="0" err="1">
+                <a:solidFill>
+                  <a:srgbClr val="C1651C"/>
+                </a:solidFill>
+                <a:latin typeface="Courier" charset="0"/>
+                <a:ea typeface="Courier" charset="0"/>
+                <a:cs typeface="Courier" charset="0"/>
+              </a:rPr>
+              <a:t>p</a:t>
+            </a:r>
+            <a:r>
+              <a:rPr lang="mr-IN" sz="1400" u="sng" dirty="0">
+                <a:solidFill>
+                  <a:srgbClr val="2EAEBB"/>
+                </a:solidFill>
+                <a:latin typeface="Courier" charset="0"/>
+                <a:ea typeface="Courier" charset="0"/>
+                <a:cs typeface="Courier" charset="0"/>
+              </a:rPr>
+              <a:t>&gt;</a:t>
+            </a:r>
+            <a:endParaRPr lang="mr-IN" sz="1400" u="sng" dirty="0">
+              <a:solidFill>
+                <a:srgbClr val="000000"/>
+              </a:solidFill>
+              <a:latin typeface="Courier" charset="0"/>
+              <a:ea typeface="Courier" charset="0"/>
+              <a:cs typeface="Courier" charset="0"/>
+            </a:endParaRPr>
+          </a:p>
+          <a:p>
+            <a:r>
+              <a:rPr lang="mr-IN" sz="1400" u="sng" dirty="0">
+                <a:solidFill>
+                  <a:srgbClr val="2EAEBB"/>
+                </a:solidFill>
+                <a:latin typeface="Courier" charset="0"/>
+                <a:ea typeface="Courier" charset="0"/>
+                <a:cs typeface="Courier" charset="0"/>
+              </a:rPr>
+              <a:t>&lt;</a:t>
+            </a:r>
+            <a:r>
+              <a:rPr lang="mr-IN" sz="1400" u="sng" dirty="0" err="1">
+                <a:solidFill>
+                  <a:srgbClr val="C1651C"/>
+                </a:solidFill>
+                <a:latin typeface="Courier" charset="0"/>
+                <a:ea typeface="Courier" charset="0"/>
+                <a:cs typeface="Courier" charset="0"/>
+              </a:rPr>
+              <a:t>p</a:t>
+            </a:r>
+            <a:r>
+              <a:rPr lang="mr-IN" sz="1400" u="sng" dirty="0">
+                <a:solidFill>
+                  <a:srgbClr val="2EAEBB"/>
+                </a:solidFill>
+                <a:latin typeface="Courier" charset="0"/>
+                <a:ea typeface="Courier" charset="0"/>
+                <a:cs typeface="Courier" charset="0"/>
+              </a:rPr>
+              <a:t>&gt;</a:t>
+            </a:r>
+            <a:endParaRPr lang="mr-IN" sz="1400" u="sng" dirty="0">
+              <a:solidFill>
+                <a:srgbClr val="000000"/>
+              </a:solidFill>
+              <a:latin typeface="Courier" charset="0"/>
+              <a:ea typeface="Courier" charset="0"/>
+              <a:cs typeface="Courier" charset="0"/>
+            </a:endParaRPr>
+          </a:p>
+          <a:p>
+            <a:r>
+              <a:rPr lang="en-US" sz="1400" u="sng" dirty="0">
+                <a:solidFill>
+                  <a:srgbClr val="2EAEBB"/>
+                </a:solidFill>
+                <a:latin typeface="Courier" charset="0"/>
+                <a:ea typeface="Courier" charset="0"/>
+                <a:cs typeface="Courier" charset="0"/>
+              </a:rPr>
+              <a:t>&lt;</a:t>
+            </a:r>
+            <a:r>
+              <a:rPr lang="en-US" sz="1400" u="sng" dirty="0" err="1">
+                <a:solidFill>
+                  <a:srgbClr val="C1651C"/>
+                </a:solidFill>
+                <a:latin typeface="Courier" charset="0"/>
+                <a:ea typeface="Courier" charset="0"/>
+                <a:cs typeface="Courier" charset="0"/>
+              </a:rPr>
+              <a:t>img</a:t>
+            </a:r>
+            <a:r>
+              <a:rPr lang="en-US" sz="1400" u="sng" dirty="0">
+                <a:solidFill>
+                  <a:srgbClr val="2EAEBB"/>
+                </a:solidFill>
+                <a:latin typeface="Courier" charset="0"/>
+                <a:ea typeface="Courier" charset="0"/>
+                <a:cs typeface="Courier" charset="0"/>
+              </a:rPr>
+              <a:t> </a:t>
+            </a:r>
+            <a:r>
+              <a:rPr lang="en-US" sz="1400" u="sng" dirty="0" err="1">
+                <a:solidFill>
+                  <a:srgbClr val="2FB41D"/>
+                </a:solidFill>
+                <a:latin typeface="Courier" charset="0"/>
+                <a:ea typeface="Courier" charset="0"/>
+                <a:cs typeface="Courier" charset="0"/>
+              </a:rPr>
+              <a:t>src</a:t>
+            </a:r>
+            <a:r>
+              <a:rPr lang="en-US" sz="1400" u="sng" dirty="0">
+                <a:solidFill>
+                  <a:srgbClr val="2EAEBB"/>
+                </a:solidFill>
+                <a:latin typeface="Courier" charset="0"/>
+                <a:ea typeface="Courier" charset="0"/>
+                <a:cs typeface="Courier" charset="0"/>
+              </a:rPr>
+              <a:t>=</a:t>
+            </a:r>
+            <a:r>
+              <a:rPr lang="en-US" sz="1400" u="sng" dirty="0">
+                <a:solidFill>
+                  <a:srgbClr val="B42419"/>
+                </a:solidFill>
+                <a:latin typeface="Courier" charset="0"/>
+                <a:ea typeface="Courier" charset="0"/>
+                <a:cs typeface="Courier" charset="0"/>
+              </a:rPr>
+              <a:t>"https://</a:t>
+            </a:r>
+            <a:r>
+              <a:rPr lang="en-US" sz="1400" u="sng" dirty="0" err="1">
+                <a:solidFill>
+                  <a:srgbClr val="B42419"/>
+                </a:solidFill>
+                <a:latin typeface="Courier" charset="0"/>
+                <a:ea typeface="Courier" charset="0"/>
+                <a:cs typeface="Courier" charset="0"/>
+              </a:rPr>
+              <a:t>loremflickr.com</a:t>
+            </a:r>
+            <a:r>
+              <a:rPr lang="en-US" sz="1400" u="sng" dirty="0">
+                <a:solidFill>
+                  <a:srgbClr val="B42419"/>
+                </a:solidFill>
+                <a:latin typeface="Courier" charset="0"/>
+                <a:ea typeface="Courier" charset="0"/>
+                <a:cs typeface="Courier" charset="0"/>
+              </a:rPr>
+              <a:t>/160/120/cat"</a:t>
+            </a:r>
+            <a:r>
+              <a:rPr lang="en-US" sz="1400" u="sng" dirty="0">
+                <a:solidFill>
+                  <a:srgbClr val="2EAEBB"/>
+                </a:solidFill>
+                <a:latin typeface="Courier" charset="0"/>
+                <a:ea typeface="Courier" charset="0"/>
+                <a:cs typeface="Courier" charset="0"/>
+              </a:rPr>
+              <a:t> </a:t>
+            </a:r>
+            <a:endParaRPr lang="en-US" sz="1400" u="sng" dirty="0">
+              <a:solidFill>
+                <a:srgbClr val="000000"/>
+              </a:solidFill>
+              <a:latin typeface="Courier" charset="0"/>
+              <a:ea typeface="Courier" charset="0"/>
+              <a:cs typeface="Courier" charset="0"/>
+            </a:endParaRPr>
+          </a:p>
+          <a:p>
+            <a:r>
+              <a:rPr lang="en-US" sz="1400" u="sng" dirty="0">
+                <a:solidFill>
+                  <a:srgbClr val="2EAEBB"/>
+                </a:solidFill>
+                <a:latin typeface="Courier" charset="0"/>
+                <a:ea typeface="Courier" charset="0"/>
+                <a:cs typeface="Courier" charset="0"/>
+              </a:rPr>
+              <a:t>    </a:t>
+            </a:r>
+            <a:r>
+              <a:rPr lang="en-US" sz="1400" u="sng" dirty="0">
+                <a:solidFill>
+                  <a:srgbClr val="2FB41D"/>
+                </a:solidFill>
+                <a:latin typeface="Courier" charset="0"/>
+                <a:ea typeface="Courier" charset="0"/>
+                <a:cs typeface="Courier" charset="0"/>
+              </a:rPr>
+              <a:t>alt</a:t>
+            </a:r>
+            <a:r>
+              <a:rPr lang="en-US" sz="1400" u="sng" dirty="0">
+                <a:solidFill>
+                  <a:srgbClr val="2EAEBB"/>
+                </a:solidFill>
+                <a:latin typeface="Courier" charset="0"/>
+                <a:ea typeface="Courier" charset="0"/>
+                <a:cs typeface="Courier" charset="0"/>
+              </a:rPr>
+              <a:t>=</a:t>
+            </a:r>
+            <a:r>
+              <a:rPr lang="en-US" sz="1400" u="sng" dirty="0">
+                <a:solidFill>
+                  <a:srgbClr val="B42419"/>
+                </a:solidFill>
+                <a:latin typeface="Courier" charset="0"/>
+                <a:ea typeface="Courier" charset="0"/>
+                <a:cs typeface="Courier" charset="0"/>
+              </a:rPr>
+              <a:t>"A random picture of a cat"</a:t>
+            </a:r>
+            <a:r>
+              <a:rPr lang="en-US" sz="1400" u="sng" dirty="0">
+                <a:solidFill>
+                  <a:srgbClr val="2EAEBB"/>
+                </a:solidFill>
+                <a:latin typeface="Courier" charset="0"/>
+                <a:ea typeface="Courier" charset="0"/>
+                <a:cs typeface="Courier" charset="0"/>
+              </a:rPr>
+              <a:t>&gt;</a:t>
+            </a:r>
+            <a:endParaRPr lang="en-US" sz="1400" u="sng" dirty="0">
+              <a:solidFill>
+                <a:srgbClr val="000000"/>
+              </a:solidFill>
+              <a:latin typeface="Courier" charset="0"/>
+              <a:ea typeface="Courier" charset="0"/>
+              <a:cs typeface="Courier" charset="0"/>
+            </a:endParaRPr>
+          </a:p>
+          <a:p>
+            <a:r>
+              <a:rPr lang="mr-IN" sz="1400" u="sng" dirty="0">
+                <a:solidFill>
+                  <a:srgbClr val="2EAEBB"/>
+                </a:solidFill>
+                <a:latin typeface="Courier" charset="0"/>
+                <a:ea typeface="Courier" charset="0"/>
+                <a:cs typeface="Courier" charset="0"/>
+              </a:rPr>
+              <a:t>&lt;/</a:t>
+            </a:r>
+            <a:r>
+              <a:rPr lang="mr-IN" sz="1400" u="sng" dirty="0" err="1">
+                <a:solidFill>
+                  <a:srgbClr val="C1651C"/>
+                </a:solidFill>
+                <a:latin typeface="Courier" charset="0"/>
+                <a:ea typeface="Courier" charset="0"/>
+                <a:cs typeface="Courier" charset="0"/>
+              </a:rPr>
+              <a:t>p</a:t>
+            </a:r>
+            <a:r>
+              <a:rPr lang="mr-IN" sz="1400" u="sng" dirty="0">
+                <a:solidFill>
+                  <a:srgbClr val="2EAEBB"/>
+                </a:solidFill>
+                <a:latin typeface="Courier" charset="0"/>
+                <a:ea typeface="Courier" charset="0"/>
+                <a:cs typeface="Courier" charset="0"/>
+              </a:rPr>
+              <a:t>&gt;</a:t>
+            </a:r>
+            <a:endParaRPr lang="en-US" sz="1400" dirty="0">
+              <a:latin typeface="Courier" charset="0"/>
+              <a:ea typeface="Courier" charset="0"/>
+              <a:cs typeface="Courier" charset="0"/>
+            </a:endParaRPr>
+          </a:p>
+        </p:txBody>
+      </p:sp>
+      <p:sp>
+        <p:nvSpPr>
+          <p:cNvPr id="7" name="Rectangle 6"/>
+          <p:cNvSpPr/>
+          <p:nvPr/>
+        </p:nvSpPr>
+        <p:spPr>
+          <a:xfrm>
+            <a:off x="764374" y="783229"/>
+            <a:ext cx="5722144" cy="369332"/>
+          </a:xfrm>
+          <a:prstGeom prst="rect">
+            <a:avLst/>
+          </a:prstGeom>
+        </p:spPr>
+        <p:txBody>
+          <a:bodyPr wrap="square">
+            <a:spAutoFit/>
+          </a:bodyPr>
+          <a:lstStyle/>
+          <a:p>
+            <a:r>
+              <a:rPr lang="en-US" dirty="0" smtClean="0">
+                <a:solidFill>
+                  <a:srgbClr val="FFFF00"/>
+                </a:solidFill>
+              </a:rPr>
+              <a:t>dj4e-samples/</a:t>
+            </a:r>
+            <a:r>
+              <a:rPr lang="en-US" dirty="0" err="1" smtClean="0">
+                <a:solidFill>
+                  <a:srgbClr val="FFFF00"/>
+                </a:solidFill>
+              </a:rPr>
+              <a:t>gview</a:t>
+            </a:r>
+            <a:r>
+              <a:rPr lang="en-US" dirty="0" smtClean="0">
+                <a:solidFill>
+                  <a:srgbClr val="FFFF00"/>
+                </a:solidFill>
+              </a:rPr>
+              <a:t>/templates/</a:t>
+            </a:r>
+            <a:r>
+              <a:rPr lang="en-US" dirty="0" err="1" smtClean="0">
+                <a:solidFill>
+                  <a:srgbClr val="FFFF00"/>
+                </a:solidFill>
+              </a:rPr>
+              <a:t>gview</a:t>
+            </a:r>
+            <a:r>
+              <a:rPr lang="en-US" dirty="0" smtClean="0">
+                <a:solidFill>
+                  <a:srgbClr val="FFFF00"/>
+                </a:solidFill>
+              </a:rPr>
+              <a:t>/</a:t>
+            </a:r>
+            <a:r>
+              <a:rPr lang="en-US" dirty="0" err="1" smtClean="0">
+                <a:solidFill>
+                  <a:srgbClr val="FFFF00"/>
+                </a:solidFill>
+              </a:rPr>
+              <a:t>cat_detail.html</a:t>
+            </a:r>
+            <a:endParaRPr lang="en-US" dirty="0">
+              <a:solidFill>
+                <a:srgbClr val="FFFF00"/>
+              </a:solidFill>
+              <a:effectLst/>
+            </a:endParaRPr>
+          </a:p>
+        </p:txBody>
+      </p:sp>
+      <p:pic>
+        <p:nvPicPr>
+          <p:cNvPr id="8" name="Picture 7" descr="Cat Sophie&#10;&#10;Go back to list  + +And a small picture of a cat" title="Screen shot of https://samples.dj4e.com/gview/cat/1">
+            <a:hlinkClick r:id="rId2"/>
+          </p:cNvPr>
+          <p:cNvPicPr>
+            <a:picLocks noChangeAspect="1"/>
+          </p:cNvPicPr>
+          <p:nvPr/>
+        </p:nvPicPr>
+        <p:blipFill>
+          <a:blip r:embed="rId3">
+            <a:extLst>
+              <a:ext uri="{28A0092B-C50C-407E-A947-70E740481C1C}">
+                <a14:useLocalDpi xmlns:a14="http://schemas.microsoft.com/office/drawing/2010/main" val="0"/>
+              </a:ext>
+            </a:extLst>
+          </a:blip>
+          <a:stretch>
+            <a:fillRect/>
+          </a:stretch>
+        </p:blipFill>
+        <p:spPr>
+          <a:xfrm>
+            <a:off x="7177878" y="967895"/>
+            <a:ext cx="4701648" cy="4872174"/>
+          </a:xfrm>
+          <a:prstGeom prst="rect">
+            <a:avLst/>
+          </a:prstGeom>
+        </p:spPr>
+      </p:pic>
+      <p:sp>
+        <p:nvSpPr>
+          <p:cNvPr id="9" name="Rectangle 8"/>
+          <p:cNvSpPr/>
+          <p:nvPr/>
+        </p:nvSpPr>
+        <p:spPr>
+          <a:xfrm>
+            <a:off x="7514491" y="783229"/>
+            <a:ext cx="3799823" cy="369332"/>
+          </a:xfrm>
+          <a:prstGeom prst="rect">
+            <a:avLst/>
+          </a:prstGeom>
+        </p:spPr>
+        <p:txBody>
+          <a:bodyPr wrap="none">
+            <a:spAutoFit/>
+          </a:bodyPr>
+          <a:lstStyle/>
+          <a:p>
+            <a:r>
+              <a:rPr lang="en-US" dirty="0">
+                <a:solidFill>
+                  <a:srgbClr val="FFFF00"/>
+                </a:solidFill>
+              </a:rPr>
+              <a:t>https://samples.dj4e.com/</a:t>
+            </a:r>
+            <a:r>
+              <a:rPr lang="en-US" dirty="0" err="1">
+                <a:solidFill>
+                  <a:srgbClr val="FFFF00"/>
+                </a:solidFill>
+              </a:rPr>
+              <a:t>gview</a:t>
+            </a:r>
+            <a:r>
+              <a:rPr lang="en-US" dirty="0">
+                <a:solidFill>
+                  <a:srgbClr val="FFFF00"/>
+                </a:solidFill>
+              </a:rPr>
+              <a:t>/cat/1</a:t>
+            </a:r>
+          </a:p>
+        </p:txBody>
+      </p:sp>
+    </p:spTree>
+    <p:extLst>
+      <p:ext uri="{BB962C8B-B14F-4D97-AF65-F5344CB8AC3E}">
+        <p14:creationId xmlns:p14="http://schemas.microsoft.com/office/powerpoint/2010/main" val="1587173729"/>
+      </p:ext>
+    </p:extLst>
+  </p:cSld>
+  <p:clrMapOvr>
+    <a:masterClrMapping/>
+  </p:clrMapOvr>
+</p:sld>
+</file>
+
+<file path=ppt/slides/slide12.xml><?xml version="1.0" encoding="utf-8"?>
+<p:sld xmlns:a="http://schemas.openxmlformats.org/drawingml/2006/main" xmlns:r="http://schemas.openxmlformats.org/officeDocument/2006/relationships" xmlns:p="http://schemas.openxmlformats.org/presentationml/2006/main">
+  <p:cSld>
+    <p:spTree>
+      <p:nvGrpSpPr>
+        <p:cNvPr id="1" name=""/>
+        <p:cNvGrpSpPr/>
+        <p:nvPr/>
+      </p:nvGrpSpPr>
+      <p:grpSpPr>
+        <a:xfrm>
+          <a:off x="0" y="0"/>
+          <a:ext cx="0" cy="0"/>
+          <a:chOff x="0" y="0"/>
+          <a:chExt cx="0" cy="0"/>
+        </a:xfrm>
+      </p:grpSpPr>
+      <p:sp>
+        <p:nvSpPr>
+          <p:cNvPr id="2" name="Title 1"/>
+          <p:cNvSpPr>
+            <a:spLocks noGrp="1"/>
+          </p:cNvSpPr>
+          <p:nvPr>
+            <p:ph type="title"/>
+          </p:nvPr>
+        </p:nvSpPr>
+        <p:spPr/>
+        <p:txBody>
+          <a:bodyPr/>
+          <a:lstStyle/>
+          <a:p>
+            <a:r>
+              <a:rPr lang="en-US" dirty="0" smtClean="0"/>
+              <a:t>Concept: Don't Repeat Yourself (DRY)</a:t>
+            </a:r>
+            <a:endParaRPr lang="en-US" dirty="0"/>
+          </a:p>
+        </p:txBody>
+      </p:sp>
+      <p:sp>
+        <p:nvSpPr>
+          <p:cNvPr id="3" name="Rectangle 2"/>
+          <p:cNvSpPr/>
+          <p:nvPr/>
+        </p:nvSpPr>
+        <p:spPr>
+          <a:xfrm>
+            <a:off x="939800" y="1558415"/>
+            <a:ext cx="10414000" cy="3785652"/>
+          </a:xfrm>
+          <a:prstGeom prst="rect">
+            <a:avLst/>
+          </a:prstGeom>
+        </p:spPr>
+        <p:txBody>
+          <a:bodyPr wrap="square">
+            <a:spAutoFit/>
+          </a:bodyPr>
+          <a:lstStyle/>
+          <a:p>
+            <a:r>
+              <a:rPr lang="en-US" sz="2400" dirty="0"/>
+              <a:t>Don't repeat yourself (DRY, or sometimes do not repeat yourself) is a principle of software development aimed at reducing repetition of software </a:t>
+            </a:r>
+            <a:r>
+              <a:rPr lang="en-US" sz="2400" dirty="0" smtClean="0"/>
+              <a:t>patterns] </a:t>
+            </a:r>
+            <a:r>
+              <a:rPr lang="en-US" sz="2400" dirty="0"/>
+              <a:t>replacing it with abstractions or using data normalization to avoid </a:t>
+            </a:r>
+            <a:r>
+              <a:rPr lang="en-US" sz="2400" smtClean="0"/>
+              <a:t>redundancy.  </a:t>
+            </a:r>
+            <a:r>
+              <a:rPr lang="en-US" sz="2400" dirty="0" smtClean="0"/>
+              <a:t>The </a:t>
+            </a:r>
+            <a:r>
+              <a:rPr lang="en-US" sz="2400" dirty="0"/>
+              <a:t>principle has been formulated by Andy Hunt and Dave Thomas in their book The Pragmatic </a:t>
+            </a:r>
+            <a:r>
+              <a:rPr lang="en-US" sz="2400" dirty="0" smtClean="0"/>
+              <a:t>Programmer. </a:t>
+            </a:r>
+          </a:p>
+          <a:p>
+            <a:endParaRPr lang="en-US" sz="2400" dirty="0"/>
+          </a:p>
+          <a:p>
+            <a:r>
+              <a:rPr lang="en-US" sz="2400" dirty="0" smtClean="0"/>
+              <a:t>When </a:t>
+            </a:r>
+            <a:r>
+              <a:rPr lang="en-US" sz="2400" dirty="0"/>
+              <a:t>the DRY principle is applied successfully, a modification of any single element of a system does not require a change in other logically unrelated elements. Additionally, elements that are logically related all change predictably and uniformly, and are thus kept in sync. </a:t>
+            </a:r>
+          </a:p>
+        </p:txBody>
+      </p:sp>
+      <p:sp>
+        <p:nvSpPr>
+          <p:cNvPr id="4" name="Rectangle 3"/>
+          <p:cNvSpPr/>
+          <p:nvPr/>
+        </p:nvSpPr>
+        <p:spPr>
+          <a:xfrm>
+            <a:off x="6096000" y="5496464"/>
+            <a:ext cx="5475794" cy="369332"/>
+          </a:xfrm>
+          <a:prstGeom prst="rect">
+            <a:avLst/>
+          </a:prstGeom>
+        </p:spPr>
+        <p:txBody>
+          <a:bodyPr wrap="none">
+            <a:spAutoFit/>
+          </a:bodyPr>
+          <a:lstStyle/>
+          <a:p>
+            <a:r>
+              <a:rPr lang="en-US" dirty="0">
+                <a:solidFill>
+                  <a:srgbClr val="FFFF00"/>
+                </a:solidFill>
+              </a:rPr>
+              <a:t>https://</a:t>
+            </a:r>
+            <a:r>
+              <a:rPr lang="en-US" dirty="0" err="1">
+                <a:solidFill>
+                  <a:srgbClr val="FFFF00"/>
+                </a:solidFill>
+              </a:rPr>
+              <a:t>en.wikipedia.org</a:t>
+            </a:r>
+            <a:r>
+              <a:rPr lang="en-US" dirty="0">
+                <a:solidFill>
+                  <a:srgbClr val="FFFF00"/>
+                </a:solidFill>
+              </a:rPr>
+              <a:t>/wiki/Don%27t_repeat_yourself</a:t>
+            </a:r>
+          </a:p>
+        </p:txBody>
+      </p:sp>
+    </p:spTree>
+    <p:extLst>
+      <p:ext uri="{BB962C8B-B14F-4D97-AF65-F5344CB8AC3E}">
+        <p14:creationId xmlns:p14="http://schemas.microsoft.com/office/powerpoint/2010/main" val="1597018167"/>
+      </p:ext>
+    </p:extLst>
+  </p:cSld>
+  <p:clrMapOvr>
+    <a:masterClrMapping/>
+  </p:clrMapOvr>
+</p:sld>
+</file>
+
+<file path=ppt/slides/slide13.xml><?xml version="1.0" encoding="utf-8"?>
+<p:sld xmlns:a="http://schemas.openxmlformats.org/drawingml/2006/main" xmlns:r="http://schemas.openxmlformats.org/officeDocument/2006/relationships" xmlns:p="http://schemas.openxmlformats.org/presentationml/2006/main">
+  <p:cSld>
+    <p:spTree>
+      <p:nvGrpSpPr>
+        <p:cNvPr id="1" name=""/>
+        <p:cNvGrpSpPr/>
+        <p:nvPr/>
+      </p:nvGrpSpPr>
+      <p:grpSpPr>
+        <a:xfrm>
+          <a:off x="0" y="0"/>
+          <a:ext cx="0" cy="0"/>
+          <a:chOff x="0" y="0"/>
+          <a:chExt cx="0" cy="0"/>
+        </a:xfrm>
+      </p:grpSpPr>
+      <p:sp>
+        <p:nvSpPr>
+          <p:cNvPr id="2" name="Title 1"/>
+          <p:cNvSpPr>
+            <a:spLocks noGrp="1"/>
+          </p:cNvSpPr>
+          <p:nvPr>
+            <p:ph type="title"/>
+          </p:nvPr>
+        </p:nvSpPr>
+        <p:spPr/>
+        <p:txBody>
+          <a:bodyPr/>
+          <a:lstStyle/>
+          <a:p>
+            <a:r>
+              <a:rPr lang="en-US" dirty="0" smtClean="0"/>
+              <a:t>Built-in class-based generic views</a:t>
+            </a:r>
+            <a:endParaRPr lang="en-US" dirty="0"/>
+          </a:p>
+        </p:txBody>
+      </p:sp>
+      <p:sp>
+        <p:nvSpPr>
+          <p:cNvPr id="3" name="Rectangle 2"/>
+          <p:cNvSpPr/>
+          <p:nvPr/>
+        </p:nvSpPr>
+        <p:spPr>
+          <a:xfrm>
+            <a:off x="1876424" y="5427975"/>
+            <a:ext cx="8882063" cy="369332"/>
+          </a:xfrm>
+          <a:prstGeom prst="rect">
+            <a:avLst/>
+          </a:prstGeom>
+        </p:spPr>
+        <p:txBody>
+          <a:bodyPr wrap="square">
+            <a:spAutoFit/>
+          </a:bodyPr>
+          <a:lstStyle/>
+          <a:p>
+            <a:r>
+              <a:rPr lang="en-US" dirty="0"/>
+              <a:t>https://</a:t>
+            </a:r>
+            <a:r>
+              <a:rPr lang="en-US" dirty="0" err="1"/>
+              <a:t>docs.djangoproject.com</a:t>
+            </a:r>
+            <a:r>
+              <a:rPr lang="en-US" dirty="0"/>
+              <a:t>/</a:t>
+            </a:r>
+            <a:r>
+              <a:rPr lang="en-US" dirty="0" err="1"/>
+              <a:t>en</a:t>
+            </a:r>
+            <a:r>
+              <a:rPr lang="en-US" dirty="0"/>
+              <a:t>/2.2/topics/class-based-views/generic-display/</a:t>
+            </a:r>
+          </a:p>
+        </p:txBody>
+      </p:sp>
+      <p:sp>
+        <p:nvSpPr>
+          <p:cNvPr id="4" name="Rectangle 3"/>
+          <p:cNvSpPr/>
+          <p:nvPr/>
+        </p:nvSpPr>
+        <p:spPr>
+          <a:xfrm>
+            <a:off x="1135856" y="1943435"/>
+            <a:ext cx="9920287" cy="2554545"/>
+          </a:xfrm>
+          <a:prstGeom prst="rect">
+            <a:avLst/>
+          </a:prstGeom>
+          <a:solidFill>
+            <a:schemeClr val="tx1"/>
+          </a:solidFill>
+        </p:spPr>
+        <p:txBody>
+          <a:bodyPr wrap="square">
+            <a:spAutoFit/>
+          </a:bodyPr>
+          <a:lstStyle/>
+          <a:p>
+            <a:r>
+              <a:rPr lang="en-US" sz="2000" dirty="0">
+                <a:solidFill>
+                  <a:srgbClr val="09442A"/>
+                </a:solidFill>
+              </a:rPr>
+              <a:t>Writing Web applications can be monotonous, because we repeat certain patterns again and again. </a:t>
+            </a:r>
+            <a:r>
+              <a:rPr lang="en-US" sz="2000" dirty="0" smtClean="0">
+                <a:solidFill>
+                  <a:srgbClr val="09442A"/>
+                </a:solidFill>
+              </a:rPr>
+              <a:t> Django’s </a:t>
+            </a:r>
+            <a:r>
+              <a:rPr lang="en-US" sz="2000" i="1" dirty="0">
+                <a:solidFill>
+                  <a:srgbClr val="09442A"/>
+                </a:solidFill>
+              </a:rPr>
+              <a:t>generic views</a:t>
+            </a:r>
+            <a:r>
+              <a:rPr lang="en-US" sz="2000" dirty="0">
+                <a:solidFill>
+                  <a:srgbClr val="09442A"/>
+                </a:solidFill>
+              </a:rPr>
+              <a:t> were developed to ease that pain. They take certain common idioms and patterns found in view development and abstract them so that you can quickly write common views of data without having to write too much </a:t>
+            </a:r>
+            <a:r>
+              <a:rPr lang="en-US" sz="2000" dirty="0" smtClean="0">
+                <a:solidFill>
+                  <a:srgbClr val="09442A"/>
+                </a:solidFill>
+              </a:rPr>
+              <a:t>repetitive code.</a:t>
+            </a:r>
+          </a:p>
+          <a:p>
+            <a:endParaRPr lang="en-US" sz="2000" dirty="0">
+              <a:solidFill>
+                <a:srgbClr val="09442A"/>
+              </a:solidFill>
+            </a:endParaRPr>
+          </a:p>
+          <a:p>
+            <a:r>
+              <a:rPr lang="en-US" sz="2000" dirty="0">
+                <a:solidFill>
+                  <a:srgbClr val="09442A"/>
+                </a:solidFill>
+              </a:rPr>
+              <a:t>We can recognize certain common tasks, like displaying a list of </a:t>
+            </a:r>
+            <a:r>
+              <a:rPr lang="en-US" sz="2000" dirty="0" smtClean="0">
+                <a:solidFill>
+                  <a:srgbClr val="09442A"/>
+                </a:solidFill>
+              </a:rPr>
+              <a:t>model objects</a:t>
+            </a:r>
+            <a:r>
+              <a:rPr lang="en-US" sz="2000" dirty="0">
+                <a:solidFill>
+                  <a:srgbClr val="09442A"/>
+                </a:solidFill>
+              </a:rPr>
+              <a:t>, and write code that displays a list of </a:t>
+            </a:r>
+            <a:r>
+              <a:rPr lang="en-US" sz="2000" i="1" dirty="0">
+                <a:solidFill>
+                  <a:srgbClr val="09442A"/>
+                </a:solidFill>
+              </a:rPr>
+              <a:t>any</a:t>
+            </a:r>
+            <a:r>
+              <a:rPr lang="en-US" sz="2000" dirty="0">
+                <a:solidFill>
+                  <a:srgbClr val="09442A"/>
+                </a:solidFill>
+              </a:rPr>
+              <a:t> </a:t>
+            </a:r>
+            <a:r>
+              <a:rPr lang="en-US" sz="2000" dirty="0" smtClean="0">
+                <a:solidFill>
+                  <a:srgbClr val="09442A"/>
+                </a:solidFill>
+              </a:rPr>
+              <a:t>model object</a:t>
+            </a:r>
+            <a:r>
+              <a:rPr lang="en-US" sz="2000" dirty="0">
+                <a:solidFill>
+                  <a:srgbClr val="09442A"/>
+                </a:solidFill>
+              </a:rPr>
+              <a:t>. </a:t>
+            </a:r>
+            <a:r>
+              <a:rPr lang="en-US" sz="2000" dirty="0" smtClean="0">
+                <a:solidFill>
+                  <a:srgbClr val="09442A"/>
+                </a:solidFill>
+              </a:rPr>
+              <a:t> Django </a:t>
+            </a:r>
+            <a:r>
+              <a:rPr lang="en-US" sz="2000" dirty="0">
+                <a:solidFill>
+                  <a:srgbClr val="09442A"/>
+                </a:solidFill>
+              </a:rPr>
+              <a:t>ships with generic views to d</a:t>
+            </a:r>
+            <a:r>
+              <a:rPr lang="en-US" sz="2000" dirty="0" smtClean="0">
+                <a:solidFill>
+                  <a:srgbClr val="09442A"/>
+                </a:solidFill>
+              </a:rPr>
+              <a:t>isplay </a:t>
+            </a:r>
+            <a:r>
+              <a:rPr lang="en-US" sz="2000" dirty="0">
+                <a:solidFill>
+                  <a:srgbClr val="09442A"/>
+                </a:solidFill>
+              </a:rPr>
+              <a:t>list and detail pages for a single </a:t>
+            </a:r>
+            <a:r>
+              <a:rPr lang="en-US" sz="2000" dirty="0" smtClean="0">
+                <a:solidFill>
+                  <a:srgbClr val="09442A"/>
+                </a:solidFill>
+              </a:rPr>
+              <a:t>model object</a:t>
+            </a:r>
+            <a:r>
+              <a:rPr lang="en-US" sz="2000" dirty="0">
+                <a:solidFill>
+                  <a:srgbClr val="09442A"/>
+                </a:solidFill>
+              </a:rPr>
+              <a:t>. </a:t>
+            </a:r>
+          </a:p>
+        </p:txBody>
+      </p:sp>
+    </p:spTree>
+    <p:extLst>
+      <p:ext uri="{BB962C8B-B14F-4D97-AF65-F5344CB8AC3E}">
+        <p14:creationId xmlns:p14="http://schemas.microsoft.com/office/powerpoint/2010/main" val="1370798251"/>
+      </p:ext>
+    </p:extLst>
+  </p:cSld>
+  <p:clrMapOvr>
+    <a:masterClrMapping/>
+  </p:clrMapOvr>
+</p:sld>
+</file>
+
+<file path=ppt/slides/slide14.xml><?xml version="1.0" encoding="utf-8"?>
+<p:sld xmlns:a="http://schemas.openxmlformats.org/drawingml/2006/main" xmlns:r="http://schemas.openxmlformats.org/officeDocument/2006/relationships" xmlns:p="http://schemas.openxmlformats.org/presentationml/2006/main">
+  <p:cSld>
+    <p:spTree>
+      <p:nvGrpSpPr>
+        <p:cNvPr id="1" name=""/>
+        <p:cNvGrpSpPr/>
+        <p:nvPr/>
+      </p:nvGrpSpPr>
+      <p:grpSpPr>
+        <a:xfrm>
+          <a:off x="0" y="0"/>
+          <a:ext cx="0" cy="0"/>
+          <a:chOff x="0" y="0"/>
+          <a:chExt cx="0" cy="0"/>
+        </a:xfrm>
+      </p:grpSpPr>
+      <p:sp>
+        <p:nvSpPr>
+          <p:cNvPr id="2" name="Rectangle 1"/>
+          <p:cNvSpPr/>
+          <p:nvPr/>
+        </p:nvSpPr>
+        <p:spPr>
+          <a:xfrm>
+            <a:off x="604824" y="1238289"/>
+            <a:ext cx="7581909" cy="3970318"/>
+          </a:xfrm>
+          <a:prstGeom prst="rect">
+            <a:avLst/>
+          </a:prstGeom>
+          <a:solidFill>
+            <a:schemeClr val="tx1"/>
+          </a:solidFill>
+        </p:spPr>
+        <p:txBody>
+          <a:bodyPr wrap="square">
+            <a:spAutoFit/>
+          </a:bodyPr>
+          <a:lstStyle/>
+          <a:p>
+            <a:r>
+              <a:rPr lang="en-US" sz="1400" dirty="0">
+                <a:solidFill>
+                  <a:srgbClr val="C1651C"/>
+                </a:solidFill>
+                <a:latin typeface="Courier" charset="0"/>
+                <a:ea typeface="Courier" charset="0"/>
+                <a:cs typeface="Courier" charset="0"/>
+              </a:rPr>
+              <a:t>class</a:t>
+            </a:r>
+            <a:r>
+              <a:rPr lang="en-US" sz="1400" dirty="0">
+                <a:solidFill>
+                  <a:srgbClr val="000000"/>
+                </a:solidFill>
+                <a:latin typeface="Courier" charset="0"/>
+                <a:ea typeface="Courier" charset="0"/>
+                <a:cs typeface="Courier" charset="0"/>
+              </a:rPr>
+              <a:t> </a:t>
+            </a:r>
+            <a:r>
+              <a:rPr lang="en-US" sz="1400" dirty="0" err="1">
+                <a:solidFill>
+                  <a:srgbClr val="2EAEBB"/>
+                </a:solidFill>
+                <a:latin typeface="Courier" charset="0"/>
+                <a:ea typeface="Courier" charset="0"/>
+                <a:cs typeface="Courier" charset="0"/>
+              </a:rPr>
+              <a:t>CatListView</a:t>
+            </a:r>
+            <a:r>
+              <a:rPr lang="en-US" sz="1400" dirty="0">
+                <a:solidFill>
+                  <a:srgbClr val="000000"/>
+                </a:solidFill>
+                <a:latin typeface="Courier" charset="0"/>
+                <a:ea typeface="Courier" charset="0"/>
+                <a:cs typeface="Courier" charset="0"/>
+              </a:rPr>
+              <a:t>(View):</a:t>
+            </a:r>
+          </a:p>
+          <a:p>
+            <a:r>
+              <a:rPr lang="en-US" sz="1400" dirty="0">
+                <a:solidFill>
+                  <a:srgbClr val="000000"/>
+                </a:solidFill>
+                <a:latin typeface="Courier" charset="0"/>
+                <a:ea typeface="Courier" charset="0"/>
+                <a:cs typeface="Courier" charset="0"/>
+              </a:rPr>
+              <a:t>    </a:t>
+            </a:r>
+            <a:r>
+              <a:rPr lang="en-US" sz="1400" dirty="0" err="1">
+                <a:solidFill>
+                  <a:srgbClr val="C1651C"/>
+                </a:solidFill>
+                <a:latin typeface="Courier" charset="0"/>
+                <a:ea typeface="Courier" charset="0"/>
+                <a:cs typeface="Courier" charset="0"/>
+              </a:rPr>
+              <a:t>def</a:t>
+            </a:r>
+            <a:r>
+              <a:rPr lang="en-US" sz="1400" dirty="0">
+                <a:solidFill>
+                  <a:srgbClr val="000000"/>
+                </a:solidFill>
+                <a:latin typeface="Courier" charset="0"/>
+                <a:ea typeface="Courier" charset="0"/>
+                <a:cs typeface="Courier" charset="0"/>
+              </a:rPr>
+              <a:t> </a:t>
+            </a:r>
+            <a:r>
+              <a:rPr lang="en-US" sz="1400" dirty="0">
+                <a:solidFill>
+                  <a:srgbClr val="2EAEBB"/>
+                </a:solidFill>
+                <a:latin typeface="Courier" charset="0"/>
+                <a:ea typeface="Courier" charset="0"/>
+                <a:cs typeface="Courier" charset="0"/>
+              </a:rPr>
+              <a:t>get</a:t>
+            </a:r>
+            <a:r>
+              <a:rPr lang="en-US" sz="1400" dirty="0">
+                <a:solidFill>
+                  <a:srgbClr val="000000"/>
+                </a:solidFill>
+                <a:latin typeface="Courier" charset="0"/>
+                <a:ea typeface="Courier" charset="0"/>
+                <a:cs typeface="Courier" charset="0"/>
+              </a:rPr>
+              <a:t>(self, request) :</a:t>
+            </a:r>
+          </a:p>
+          <a:p>
+            <a:r>
+              <a:rPr lang="en-US" sz="1400" dirty="0">
+                <a:solidFill>
+                  <a:srgbClr val="000000"/>
+                </a:solidFill>
+                <a:latin typeface="Courier" charset="0"/>
+                <a:ea typeface="Courier" charset="0"/>
+                <a:cs typeface="Courier" charset="0"/>
+              </a:rPr>
+              <a:t>        stuff = </a:t>
+            </a:r>
+            <a:r>
+              <a:rPr lang="en-US" sz="1400" dirty="0" err="1">
+                <a:solidFill>
+                  <a:srgbClr val="000000"/>
+                </a:solidFill>
+                <a:latin typeface="Courier" charset="0"/>
+                <a:ea typeface="Courier" charset="0"/>
+                <a:cs typeface="Courier" charset="0"/>
+              </a:rPr>
+              <a:t>Cat.objects.all</a:t>
+            </a:r>
+            <a:r>
+              <a:rPr lang="en-US" sz="1400" dirty="0">
+                <a:solidFill>
+                  <a:srgbClr val="000000"/>
+                </a:solidFill>
+                <a:latin typeface="Courier" charset="0"/>
+                <a:ea typeface="Courier" charset="0"/>
+                <a:cs typeface="Courier" charset="0"/>
+              </a:rPr>
+              <a:t>()</a:t>
+            </a:r>
+          </a:p>
+          <a:p>
+            <a:r>
+              <a:rPr lang="mr-IN" sz="1400" dirty="0">
+                <a:solidFill>
+                  <a:srgbClr val="000000"/>
+                </a:solidFill>
+                <a:latin typeface="Courier" charset="0"/>
+                <a:ea typeface="Courier" charset="0"/>
+                <a:cs typeface="Courier" charset="0"/>
+              </a:rPr>
+              <a:t>        </a:t>
+            </a:r>
+            <a:r>
+              <a:rPr lang="mr-IN" sz="1400" dirty="0" err="1">
+                <a:solidFill>
+                  <a:srgbClr val="000000"/>
+                </a:solidFill>
+                <a:latin typeface="Courier" charset="0"/>
+                <a:ea typeface="Courier" charset="0"/>
+                <a:cs typeface="Courier" charset="0"/>
+              </a:rPr>
+              <a:t>cntx</a:t>
+            </a:r>
+            <a:r>
+              <a:rPr lang="mr-IN" sz="1400" dirty="0">
+                <a:solidFill>
+                  <a:srgbClr val="000000"/>
+                </a:solidFill>
+                <a:latin typeface="Courier" charset="0"/>
+                <a:ea typeface="Courier" charset="0"/>
+                <a:cs typeface="Courier" charset="0"/>
+              </a:rPr>
+              <a:t> = { </a:t>
+            </a:r>
+            <a:r>
+              <a:rPr lang="mr-IN" sz="1400" dirty="0">
+                <a:solidFill>
+                  <a:srgbClr val="B42419"/>
+                </a:solidFill>
+                <a:latin typeface="Courier" charset="0"/>
+                <a:ea typeface="Courier" charset="0"/>
+                <a:cs typeface="Courier" charset="0"/>
+              </a:rPr>
+              <a:t>'</a:t>
+            </a:r>
+            <a:r>
+              <a:rPr lang="mr-IN" sz="1400" dirty="0" err="1">
+                <a:solidFill>
+                  <a:srgbClr val="B42419"/>
+                </a:solidFill>
+                <a:latin typeface="Courier" charset="0"/>
+                <a:ea typeface="Courier" charset="0"/>
+                <a:cs typeface="Courier" charset="0"/>
+              </a:rPr>
+              <a:t>cat_list</a:t>
+            </a:r>
+            <a:r>
+              <a:rPr lang="mr-IN" sz="1400" dirty="0">
+                <a:solidFill>
+                  <a:srgbClr val="B42419"/>
+                </a:solidFill>
+                <a:latin typeface="Courier" charset="0"/>
+                <a:ea typeface="Courier" charset="0"/>
+                <a:cs typeface="Courier" charset="0"/>
+              </a:rPr>
+              <a:t>'</a:t>
+            </a:r>
+            <a:r>
+              <a:rPr lang="mr-IN" sz="1400" dirty="0">
+                <a:solidFill>
+                  <a:srgbClr val="000000"/>
+                </a:solidFill>
+                <a:latin typeface="Courier" charset="0"/>
+                <a:ea typeface="Courier" charset="0"/>
+                <a:cs typeface="Courier" charset="0"/>
+              </a:rPr>
+              <a:t>: </a:t>
+            </a:r>
+            <a:r>
+              <a:rPr lang="mr-IN" sz="1400" dirty="0" err="1">
+                <a:solidFill>
+                  <a:srgbClr val="000000"/>
+                </a:solidFill>
+                <a:latin typeface="Courier" charset="0"/>
+                <a:ea typeface="Courier" charset="0"/>
+                <a:cs typeface="Courier" charset="0"/>
+              </a:rPr>
+              <a:t>stuff</a:t>
+            </a:r>
+            <a:r>
+              <a:rPr lang="mr-IN" sz="1400" dirty="0">
+                <a:solidFill>
+                  <a:srgbClr val="000000"/>
+                </a:solidFill>
+                <a:latin typeface="Courier" charset="0"/>
+                <a:ea typeface="Courier" charset="0"/>
+                <a:cs typeface="Courier" charset="0"/>
+              </a:rPr>
+              <a:t> }</a:t>
+            </a:r>
+          </a:p>
+          <a:p>
+            <a:r>
+              <a:rPr lang="en-US" sz="1400" dirty="0">
+                <a:solidFill>
+                  <a:srgbClr val="000000"/>
+                </a:solidFill>
+                <a:latin typeface="Courier" charset="0"/>
+                <a:ea typeface="Courier" charset="0"/>
+                <a:cs typeface="Courier" charset="0"/>
+              </a:rPr>
+              <a:t>        </a:t>
+            </a:r>
+            <a:r>
+              <a:rPr lang="en-US" sz="1400" dirty="0">
+                <a:solidFill>
+                  <a:srgbClr val="C1651C"/>
+                </a:solidFill>
+                <a:latin typeface="Courier" charset="0"/>
+                <a:ea typeface="Courier" charset="0"/>
+                <a:cs typeface="Courier" charset="0"/>
+              </a:rPr>
+              <a:t>return</a:t>
+            </a:r>
+            <a:r>
+              <a:rPr lang="en-US" sz="1400" dirty="0">
+                <a:solidFill>
+                  <a:srgbClr val="000000"/>
+                </a:solidFill>
+                <a:latin typeface="Courier" charset="0"/>
+                <a:ea typeface="Courier" charset="0"/>
+                <a:cs typeface="Courier" charset="0"/>
+              </a:rPr>
+              <a:t> render(request, </a:t>
+            </a:r>
+            <a:r>
+              <a:rPr lang="en-US" sz="1400" dirty="0">
+                <a:solidFill>
+                  <a:srgbClr val="B42419"/>
+                </a:solidFill>
+                <a:latin typeface="Courier" charset="0"/>
+                <a:ea typeface="Courier" charset="0"/>
+                <a:cs typeface="Courier" charset="0"/>
+              </a:rPr>
+              <a:t>'</a:t>
+            </a:r>
+            <a:r>
+              <a:rPr lang="en-US" sz="1400" dirty="0" err="1">
+                <a:solidFill>
+                  <a:srgbClr val="B42419"/>
+                </a:solidFill>
+                <a:latin typeface="Courier" charset="0"/>
+                <a:ea typeface="Courier" charset="0"/>
+                <a:cs typeface="Courier" charset="0"/>
+              </a:rPr>
+              <a:t>gview</a:t>
+            </a:r>
+            <a:r>
+              <a:rPr lang="en-US" sz="1400" dirty="0">
+                <a:solidFill>
+                  <a:srgbClr val="B42419"/>
+                </a:solidFill>
+                <a:latin typeface="Courier" charset="0"/>
+                <a:ea typeface="Courier" charset="0"/>
+                <a:cs typeface="Courier" charset="0"/>
+              </a:rPr>
+              <a:t>/</a:t>
+            </a:r>
+            <a:r>
+              <a:rPr lang="en-US" sz="1400" dirty="0" err="1">
+                <a:solidFill>
+                  <a:srgbClr val="B42419"/>
+                </a:solidFill>
+                <a:latin typeface="Courier" charset="0"/>
+                <a:ea typeface="Courier" charset="0"/>
+                <a:cs typeface="Courier" charset="0"/>
+              </a:rPr>
+              <a:t>cat_list.html</a:t>
+            </a:r>
+            <a:r>
+              <a:rPr lang="en-US" sz="1400" dirty="0">
+                <a:solidFill>
+                  <a:srgbClr val="B42419"/>
+                </a:solidFill>
+                <a:latin typeface="Courier" charset="0"/>
+                <a:ea typeface="Courier" charset="0"/>
+                <a:cs typeface="Courier" charset="0"/>
+              </a:rPr>
+              <a:t>'</a:t>
+            </a:r>
+            <a:r>
+              <a:rPr lang="en-US" sz="1400" dirty="0">
+                <a:solidFill>
+                  <a:srgbClr val="000000"/>
+                </a:solidFill>
+                <a:latin typeface="Courier" charset="0"/>
+                <a:ea typeface="Courier" charset="0"/>
+                <a:cs typeface="Courier" charset="0"/>
+              </a:rPr>
+              <a:t>, </a:t>
+            </a:r>
+            <a:r>
+              <a:rPr lang="en-US" sz="1400" dirty="0" err="1">
+                <a:solidFill>
+                  <a:srgbClr val="000000"/>
+                </a:solidFill>
+                <a:latin typeface="Courier" charset="0"/>
+                <a:ea typeface="Courier" charset="0"/>
+                <a:cs typeface="Courier" charset="0"/>
+              </a:rPr>
+              <a:t>cntx</a:t>
+            </a:r>
+            <a:r>
+              <a:rPr lang="en-US" sz="1400" dirty="0" smtClean="0">
+                <a:solidFill>
+                  <a:srgbClr val="000000"/>
+                </a:solidFill>
+                <a:latin typeface="Courier" charset="0"/>
+                <a:ea typeface="Courier" charset="0"/>
+                <a:cs typeface="Courier" charset="0"/>
+              </a:rPr>
+              <a:t>)</a:t>
+            </a:r>
+          </a:p>
+          <a:p>
+            <a:endParaRPr lang="en-US" sz="1400" dirty="0">
+              <a:solidFill>
+                <a:srgbClr val="000000"/>
+              </a:solidFill>
+              <a:latin typeface="Courier" charset="0"/>
+              <a:ea typeface="Courier" charset="0"/>
+              <a:cs typeface="Courier" charset="0"/>
+            </a:endParaRPr>
+          </a:p>
+          <a:p>
+            <a:r>
+              <a:rPr lang="en-US" sz="1400" dirty="0">
+                <a:solidFill>
+                  <a:srgbClr val="C1651C"/>
+                </a:solidFill>
+                <a:latin typeface="Courier" charset="0"/>
+                <a:ea typeface="Courier" charset="0"/>
+                <a:cs typeface="Courier" charset="0"/>
+              </a:rPr>
+              <a:t>class</a:t>
+            </a:r>
+            <a:r>
+              <a:rPr lang="en-US" sz="1400" dirty="0">
+                <a:solidFill>
+                  <a:srgbClr val="000000"/>
+                </a:solidFill>
+                <a:latin typeface="Courier" charset="0"/>
+                <a:ea typeface="Courier" charset="0"/>
+                <a:cs typeface="Courier" charset="0"/>
+              </a:rPr>
+              <a:t> </a:t>
+            </a:r>
+            <a:r>
+              <a:rPr lang="en-US" sz="1400" dirty="0" err="1">
+                <a:solidFill>
+                  <a:srgbClr val="2EAEBB"/>
+                </a:solidFill>
+                <a:latin typeface="Courier" charset="0"/>
+                <a:ea typeface="Courier" charset="0"/>
+                <a:cs typeface="Courier" charset="0"/>
+              </a:rPr>
+              <a:t>DogListView</a:t>
+            </a:r>
+            <a:r>
+              <a:rPr lang="en-US" sz="1400" dirty="0">
+                <a:solidFill>
+                  <a:srgbClr val="000000"/>
+                </a:solidFill>
+                <a:latin typeface="Courier" charset="0"/>
+                <a:ea typeface="Courier" charset="0"/>
+                <a:cs typeface="Courier" charset="0"/>
+              </a:rPr>
+              <a:t>(View):</a:t>
+            </a:r>
+          </a:p>
+          <a:p>
+            <a:r>
+              <a:rPr lang="mr-IN" sz="1400" dirty="0">
+                <a:solidFill>
+                  <a:srgbClr val="000000"/>
+                </a:solidFill>
+                <a:latin typeface="Courier" charset="0"/>
+                <a:ea typeface="Courier" charset="0"/>
+                <a:cs typeface="Courier" charset="0"/>
+              </a:rPr>
+              <a:t>    </a:t>
+            </a:r>
+            <a:r>
+              <a:rPr lang="mr-IN" sz="1400" dirty="0" err="1">
+                <a:solidFill>
+                  <a:srgbClr val="000000"/>
+                </a:solidFill>
+                <a:latin typeface="Courier" charset="0"/>
+                <a:ea typeface="Courier" charset="0"/>
+                <a:cs typeface="Courier" charset="0"/>
+              </a:rPr>
+              <a:t>model</a:t>
+            </a:r>
+            <a:r>
+              <a:rPr lang="mr-IN" sz="1400" dirty="0">
+                <a:solidFill>
+                  <a:srgbClr val="000000"/>
+                </a:solidFill>
+                <a:latin typeface="Courier" charset="0"/>
+                <a:ea typeface="Courier" charset="0"/>
+                <a:cs typeface="Courier" charset="0"/>
+              </a:rPr>
+              <a:t> = </a:t>
+            </a:r>
+            <a:r>
+              <a:rPr lang="mr-IN" sz="1400" dirty="0" err="1">
+                <a:solidFill>
+                  <a:srgbClr val="000000"/>
+                </a:solidFill>
+                <a:latin typeface="Courier" charset="0"/>
+                <a:ea typeface="Courier" charset="0"/>
+                <a:cs typeface="Courier" charset="0"/>
+              </a:rPr>
+              <a:t>Dog</a:t>
+            </a:r>
+            <a:endParaRPr lang="mr-IN" sz="1400" dirty="0">
+              <a:solidFill>
+                <a:srgbClr val="000000"/>
+              </a:solidFill>
+              <a:latin typeface="Courier" charset="0"/>
+              <a:ea typeface="Courier" charset="0"/>
+              <a:cs typeface="Courier" charset="0"/>
+            </a:endParaRPr>
+          </a:p>
+          <a:p>
+            <a:r>
+              <a:rPr lang="en-US" sz="1400" dirty="0">
+                <a:solidFill>
+                  <a:srgbClr val="000000"/>
+                </a:solidFill>
+                <a:latin typeface="Courier" charset="0"/>
+                <a:ea typeface="Courier" charset="0"/>
+                <a:cs typeface="Courier" charset="0"/>
+              </a:rPr>
+              <a:t>    </a:t>
+            </a:r>
+            <a:r>
+              <a:rPr lang="en-US" sz="1400" dirty="0" err="1">
+                <a:solidFill>
+                  <a:srgbClr val="C1651C"/>
+                </a:solidFill>
+                <a:latin typeface="Courier" charset="0"/>
+                <a:ea typeface="Courier" charset="0"/>
+                <a:cs typeface="Courier" charset="0"/>
+              </a:rPr>
+              <a:t>def</a:t>
+            </a:r>
+            <a:r>
+              <a:rPr lang="en-US" sz="1400" dirty="0">
+                <a:solidFill>
+                  <a:srgbClr val="000000"/>
+                </a:solidFill>
+                <a:latin typeface="Courier" charset="0"/>
+                <a:ea typeface="Courier" charset="0"/>
+                <a:cs typeface="Courier" charset="0"/>
+              </a:rPr>
+              <a:t> </a:t>
+            </a:r>
+            <a:r>
+              <a:rPr lang="en-US" sz="1400" dirty="0">
+                <a:solidFill>
+                  <a:srgbClr val="2EAEBB"/>
+                </a:solidFill>
+                <a:latin typeface="Courier" charset="0"/>
+                <a:ea typeface="Courier" charset="0"/>
+                <a:cs typeface="Courier" charset="0"/>
+              </a:rPr>
+              <a:t>get</a:t>
+            </a:r>
+            <a:r>
+              <a:rPr lang="en-US" sz="1400" dirty="0">
+                <a:solidFill>
+                  <a:srgbClr val="000000"/>
+                </a:solidFill>
+                <a:latin typeface="Courier" charset="0"/>
+                <a:ea typeface="Courier" charset="0"/>
+                <a:cs typeface="Courier" charset="0"/>
+              </a:rPr>
+              <a:t>(self, request) :</a:t>
+            </a:r>
+          </a:p>
+          <a:p>
+            <a:r>
+              <a:rPr lang="en-US" sz="1400" dirty="0">
+                <a:solidFill>
+                  <a:srgbClr val="000000"/>
+                </a:solidFill>
+                <a:latin typeface="Courier" charset="0"/>
+                <a:ea typeface="Courier" charset="0"/>
+                <a:cs typeface="Courier" charset="0"/>
+              </a:rPr>
+              <a:t>        </a:t>
+            </a:r>
+            <a:r>
+              <a:rPr lang="en-US" sz="1400" dirty="0" err="1">
+                <a:solidFill>
+                  <a:srgbClr val="000000"/>
+                </a:solidFill>
+                <a:latin typeface="Courier" charset="0"/>
+                <a:ea typeface="Courier" charset="0"/>
+                <a:cs typeface="Courier" charset="0"/>
+              </a:rPr>
+              <a:t>modelname</a:t>
+            </a:r>
+            <a:r>
+              <a:rPr lang="en-US" sz="1400" dirty="0">
+                <a:solidFill>
+                  <a:srgbClr val="000000"/>
+                </a:solidFill>
+                <a:latin typeface="Courier" charset="0"/>
+                <a:ea typeface="Courier" charset="0"/>
+                <a:cs typeface="Courier" charset="0"/>
+              </a:rPr>
+              <a:t> = self.model._</a:t>
+            </a:r>
+            <a:r>
+              <a:rPr lang="en-US" sz="1400" dirty="0" err="1">
+                <a:solidFill>
+                  <a:srgbClr val="000000"/>
+                </a:solidFill>
+                <a:latin typeface="Courier" charset="0"/>
+                <a:ea typeface="Courier" charset="0"/>
+                <a:cs typeface="Courier" charset="0"/>
+              </a:rPr>
+              <a:t>meta.verbose_name.title</a:t>
+            </a:r>
+            <a:r>
+              <a:rPr lang="en-US" sz="1400" dirty="0">
+                <a:solidFill>
+                  <a:srgbClr val="000000"/>
+                </a:solidFill>
+                <a:latin typeface="Courier" charset="0"/>
+                <a:ea typeface="Courier" charset="0"/>
+                <a:cs typeface="Courier" charset="0"/>
+              </a:rPr>
+              <a:t>().lower()</a:t>
+            </a:r>
+          </a:p>
+          <a:p>
+            <a:r>
+              <a:rPr lang="en-US" sz="1400" dirty="0">
+                <a:solidFill>
+                  <a:srgbClr val="000000"/>
+                </a:solidFill>
+                <a:latin typeface="Courier" charset="0"/>
+                <a:ea typeface="Courier" charset="0"/>
+                <a:cs typeface="Courier" charset="0"/>
+              </a:rPr>
+              <a:t>        stuff = </a:t>
+            </a:r>
+            <a:r>
+              <a:rPr lang="en-US" sz="1400" dirty="0" err="1">
+                <a:solidFill>
+                  <a:srgbClr val="000000"/>
+                </a:solidFill>
+                <a:latin typeface="Courier" charset="0"/>
+                <a:ea typeface="Courier" charset="0"/>
+                <a:cs typeface="Courier" charset="0"/>
+              </a:rPr>
+              <a:t>self.model.objects.all</a:t>
+            </a:r>
+            <a:r>
+              <a:rPr lang="en-US" sz="1400" dirty="0">
+                <a:solidFill>
+                  <a:srgbClr val="000000"/>
+                </a:solidFill>
+                <a:latin typeface="Courier" charset="0"/>
+                <a:ea typeface="Courier" charset="0"/>
+                <a:cs typeface="Courier" charset="0"/>
+              </a:rPr>
+              <a:t>()</a:t>
+            </a:r>
+          </a:p>
+          <a:p>
+            <a:r>
+              <a:rPr lang="mr-IN" sz="1400" dirty="0">
+                <a:solidFill>
+                  <a:srgbClr val="000000"/>
+                </a:solidFill>
+                <a:latin typeface="Courier" charset="0"/>
+                <a:ea typeface="Courier" charset="0"/>
+                <a:cs typeface="Courier" charset="0"/>
+              </a:rPr>
+              <a:t>        </a:t>
+            </a:r>
+            <a:r>
+              <a:rPr lang="mr-IN" sz="1400" dirty="0" err="1">
+                <a:solidFill>
+                  <a:srgbClr val="000000"/>
+                </a:solidFill>
+                <a:latin typeface="Courier" charset="0"/>
+                <a:ea typeface="Courier" charset="0"/>
+                <a:cs typeface="Courier" charset="0"/>
+              </a:rPr>
+              <a:t>cntx</a:t>
+            </a:r>
+            <a:r>
+              <a:rPr lang="mr-IN" sz="1400" dirty="0">
+                <a:solidFill>
+                  <a:srgbClr val="000000"/>
+                </a:solidFill>
+                <a:latin typeface="Courier" charset="0"/>
+                <a:ea typeface="Courier" charset="0"/>
+                <a:cs typeface="Courier" charset="0"/>
+              </a:rPr>
+              <a:t> = { </a:t>
+            </a:r>
+            <a:r>
+              <a:rPr lang="mr-IN" sz="1400" dirty="0" err="1">
+                <a:solidFill>
+                  <a:srgbClr val="000000"/>
+                </a:solidFill>
+                <a:latin typeface="Courier" charset="0"/>
+                <a:ea typeface="Courier" charset="0"/>
+                <a:cs typeface="Courier" charset="0"/>
+              </a:rPr>
+              <a:t>modelname</a:t>
+            </a:r>
+            <a:r>
+              <a:rPr lang="mr-IN" sz="1400" dirty="0">
+                <a:solidFill>
+                  <a:srgbClr val="000000"/>
+                </a:solidFill>
+                <a:latin typeface="Courier" charset="0"/>
+                <a:ea typeface="Courier" charset="0"/>
+                <a:cs typeface="Courier" charset="0"/>
+              </a:rPr>
+              <a:t>+</a:t>
+            </a:r>
+            <a:r>
+              <a:rPr lang="mr-IN" sz="1400" dirty="0">
+                <a:solidFill>
+                  <a:srgbClr val="B42419"/>
+                </a:solidFill>
+                <a:latin typeface="Courier" charset="0"/>
+                <a:ea typeface="Courier" charset="0"/>
+                <a:cs typeface="Courier" charset="0"/>
+              </a:rPr>
+              <a:t>'_</a:t>
+            </a:r>
+            <a:r>
+              <a:rPr lang="mr-IN" sz="1400" dirty="0" err="1">
+                <a:solidFill>
+                  <a:srgbClr val="B42419"/>
+                </a:solidFill>
+                <a:latin typeface="Courier" charset="0"/>
+                <a:ea typeface="Courier" charset="0"/>
+                <a:cs typeface="Courier" charset="0"/>
+              </a:rPr>
+              <a:t>list</a:t>
+            </a:r>
+            <a:r>
+              <a:rPr lang="mr-IN" sz="1400" dirty="0">
+                <a:solidFill>
+                  <a:srgbClr val="B42419"/>
+                </a:solidFill>
+                <a:latin typeface="Courier" charset="0"/>
+                <a:ea typeface="Courier" charset="0"/>
+                <a:cs typeface="Courier" charset="0"/>
+              </a:rPr>
+              <a:t>'</a:t>
+            </a:r>
+            <a:r>
+              <a:rPr lang="mr-IN" sz="1400" dirty="0">
+                <a:solidFill>
+                  <a:srgbClr val="000000"/>
+                </a:solidFill>
+                <a:latin typeface="Courier" charset="0"/>
+                <a:ea typeface="Courier" charset="0"/>
+                <a:cs typeface="Courier" charset="0"/>
+              </a:rPr>
+              <a:t>: </a:t>
+            </a:r>
+            <a:r>
+              <a:rPr lang="mr-IN" sz="1400" dirty="0" err="1">
+                <a:solidFill>
+                  <a:srgbClr val="000000"/>
+                </a:solidFill>
+                <a:latin typeface="Courier" charset="0"/>
+                <a:ea typeface="Courier" charset="0"/>
+                <a:cs typeface="Courier" charset="0"/>
+              </a:rPr>
+              <a:t>stuff</a:t>
+            </a:r>
+            <a:r>
+              <a:rPr lang="mr-IN" sz="1400" dirty="0">
+                <a:solidFill>
+                  <a:srgbClr val="000000"/>
+                </a:solidFill>
+                <a:latin typeface="Courier" charset="0"/>
+                <a:ea typeface="Courier" charset="0"/>
+                <a:cs typeface="Courier" charset="0"/>
+              </a:rPr>
+              <a:t> }</a:t>
+            </a:r>
+          </a:p>
+          <a:p>
+            <a:r>
+              <a:rPr lang="en-US" sz="1400" dirty="0">
+                <a:solidFill>
+                  <a:srgbClr val="000000"/>
+                </a:solidFill>
+                <a:latin typeface="Courier" charset="0"/>
+                <a:ea typeface="Courier" charset="0"/>
+                <a:cs typeface="Courier" charset="0"/>
+              </a:rPr>
+              <a:t>        </a:t>
+            </a:r>
+            <a:r>
+              <a:rPr lang="en-US" sz="1400" dirty="0">
+                <a:solidFill>
+                  <a:srgbClr val="C1651C"/>
+                </a:solidFill>
+                <a:latin typeface="Courier" charset="0"/>
+                <a:ea typeface="Courier" charset="0"/>
+                <a:cs typeface="Courier" charset="0"/>
+              </a:rPr>
+              <a:t>return</a:t>
+            </a:r>
+            <a:r>
+              <a:rPr lang="en-US" sz="1400" dirty="0">
+                <a:solidFill>
+                  <a:srgbClr val="000000"/>
+                </a:solidFill>
+                <a:latin typeface="Courier" charset="0"/>
+                <a:ea typeface="Courier" charset="0"/>
+                <a:cs typeface="Courier" charset="0"/>
+              </a:rPr>
+              <a:t> render(request, </a:t>
+            </a:r>
+            <a:r>
+              <a:rPr lang="en-US" sz="1400" dirty="0">
+                <a:solidFill>
+                  <a:srgbClr val="B42419"/>
+                </a:solidFill>
+                <a:latin typeface="Courier" charset="0"/>
+                <a:ea typeface="Courier" charset="0"/>
+                <a:cs typeface="Courier" charset="0"/>
+              </a:rPr>
+              <a:t>'</a:t>
+            </a:r>
+            <a:r>
+              <a:rPr lang="en-US" sz="1400" dirty="0" err="1">
+                <a:solidFill>
+                  <a:srgbClr val="B42419"/>
+                </a:solidFill>
+                <a:latin typeface="Courier" charset="0"/>
+                <a:ea typeface="Courier" charset="0"/>
+                <a:cs typeface="Courier" charset="0"/>
+              </a:rPr>
+              <a:t>gview</a:t>
+            </a:r>
+            <a:r>
+              <a:rPr lang="en-US" sz="1400" dirty="0">
+                <a:solidFill>
+                  <a:srgbClr val="B42419"/>
+                </a:solidFill>
+                <a:latin typeface="Courier" charset="0"/>
+                <a:ea typeface="Courier" charset="0"/>
+                <a:cs typeface="Courier" charset="0"/>
+              </a:rPr>
+              <a:t>/'</a:t>
+            </a:r>
+            <a:r>
+              <a:rPr lang="en-US" sz="1400" dirty="0">
+                <a:solidFill>
+                  <a:srgbClr val="000000"/>
+                </a:solidFill>
+                <a:latin typeface="Courier" charset="0"/>
+                <a:ea typeface="Courier" charset="0"/>
+                <a:cs typeface="Courier" charset="0"/>
+              </a:rPr>
+              <a:t>+</a:t>
+            </a:r>
+            <a:r>
+              <a:rPr lang="en-US" sz="1400" dirty="0" err="1">
+                <a:solidFill>
+                  <a:srgbClr val="000000"/>
+                </a:solidFill>
+                <a:latin typeface="Courier" charset="0"/>
+                <a:ea typeface="Courier" charset="0"/>
+                <a:cs typeface="Courier" charset="0"/>
+              </a:rPr>
+              <a:t>modelname</a:t>
+            </a:r>
+            <a:r>
+              <a:rPr lang="en-US" sz="1400" dirty="0">
+                <a:solidFill>
+                  <a:srgbClr val="000000"/>
+                </a:solidFill>
+                <a:latin typeface="Courier" charset="0"/>
+                <a:ea typeface="Courier" charset="0"/>
+                <a:cs typeface="Courier" charset="0"/>
+              </a:rPr>
+              <a:t>+</a:t>
+            </a:r>
+            <a:r>
+              <a:rPr lang="en-US" sz="1400" dirty="0">
+                <a:solidFill>
+                  <a:srgbClr val="B42419"/>
+                </a:solidFill>
+                <a:latin typeface="Courier" charset="0"/>
+                <a:ea typeface="Courier" charset="0"/>
+                <a:cs typeface="Courier" charset="0"/>
+              </a:rPr>
+              <a:t>'_</a:t>
+            </a:r>
+            <a:r>
+              <a:rPr lang="en-US" sz="1400" dirty="0" err="1">
+                <a:solidFill>
+                  <a:srgbClr val="B42419"/>
+                </a:solidFill>
+                <a:latin typeface="Courier" charset="0"/>
+                <a:ea typeface="Courier" charset="0"/>
+                <a:cs typeface="Courier" charset="0"/>
+              </a:rPr>
+              <a:t>list.html</a:t>
+            </a:r>
+            <a:r>
+              <a:rPr lang="en-US" sz="1400" dirty="0">
+                <a:solidFill>
+                  <a:srgbClr val="B42419"/>
+                </a:solidFill>
+                <a:latin typeface="Courier" charset="0"/>
+                <a:ea typeface="Courier" charset="0"/>
+                <a:cs typeface="Courier" charset="0"/>
+              </a:rPr>
+              <a:t>'</a:t>
+            </a:r>
+            <a:r>
+              <a:rPr lang="en-US" sz="1400" dirty="0">
+                <a:solidFill>
+                  <a:srgbClr val="000000"/>
+                </a:solidFill>
+                <a:latin typeface="Courier" charset="0"/>
+                <a:ea typeface="Courier" charset="0"/>
+                <a:cs typeface="Courier" charset="0"/>
+              </a:rPr>
+              <a:t>, </a:t>
+            </a:r>
+            <a:r>
+              <a:rPr lang="en-US" sz="1400" dirty="0" err="1">
+                <a:solidFill>
+                  <a:srgbClr val="000000"/>
+                </a:solidFill>
+                <a:latin typeface="Courier" charset="0"/>
+                <a:ea typeface="Courier" charset="0"/>
+                <a:cs typeface="Courier" charset="0"/>
+              </a:rPr>
+              <a:t>cntx</a:t>
+            </a:r>
+            <a:r>
+              <a:rPr lang="en-US" sz="1400" dirty="0" smtClean="0">
+                <a:solidFill>
+                  <a:srgbClr val="000000"/>
+                </a:solidFill>
+                <a:latin typeface="Courier" charset="0"/>
+                <a:ea typeface="Courier" charset="0"/>
+                <a:cs typeface="Courier" charset="0"/>
+              </a:rPr>
+              <a:t>)</a:t>
+            </a:r>
+          </a:p>
+          <a:p>
+            <a:endParaRPr lang="en-US" sz="1400" dirty="0">
+              <a:solidFill>
+                <a:srgbClr val="000000"/>
+              </a:solidFill>
+              <a:latin typeface="Courier" charset="0"/>
+              <a:ea typeface="Courier" charset="0"/>
+              <a:cs typeface="Courier" charset="0"/>
+            </a:endParaRPr>
+          </a:p>
+          <a:p>
+            <a:r>
+              <a:rPr lang="en-US" sz="1400" dirty="0">
+                <a:solidFill>
+                  <a:srgbClr val="C814C9"/>
+                </a:solidFill>
+                <a:latin typeface="Courier" charset="0"/>
+                <a:ea typeface="Courier" charset="0"/>
+                <a:cs typeface="Courier" charset="0"/>
+              </a:rPr>
+              <a:t>from</a:t>
+            </a:r>
+            <a:r>
+              <a:rPr lang="en-US" sz="1400" dirty="0">
+                <a:solidFill>
+                  <a:srgbClr val="000000"/>
+                </a:solidFill>
+                <a:latin typeface="Courier" charset="0"/>
+                <a:ea typeface="Courier" charset="0"/>
+                <a:cs typeface="Courier" charset="0"/>
+              </a:rPr>
+              <a:t> </a:t>
+            </a:r>
+            <a:r>
+              <a:rPr lang="en-US" sz="1400" dirty="0" err="1">
+                <a:solidFill>
+                  <a:srgbClr val="000000"/>
+                </a:solidFill>
+                <a:latin typeface="Courier" charset="0"/>
+                <a:ea typeface="Courier" charset="0"/>
+                <a:cs typeface="Courier" charset="0"/>
+              </a:rPr>
+              <a:t>django.views</a:t>
+            </a:r>
+            <a:r>
+              <a:rPr lang="en-US" sz="1400" dirty="0">
+                <a:solidFill>
+                  <a:srgbClr val="000000"/>
+                </a:solidFill>
+                <a:latin typeface="Courier" charset="0"/>
+                <a:ea typeface="Courier" charset="0"/>
+                <a:cs typeface="Courier" charset="0"/>
+              </a:rPr>
+              <a:t> </a:t>
+            </a:r>
+            <a:r>
+              <a:rPr lang="en-US" sz="1400" dirty="0">
+                <a:solidFill>
+                  <a:srgbClr val="C814C9"/>
+                </a:solidFill>
+                <a:latin typeface="Courier" charset="0"/>
+                <a:ea typeface="Courier" charset="0"/>
+                <a:cs typeface="Courier" charset="0"/>
+              </a:rPr>
+              <a:t>import</a:t>
+            </a:r>
+            <a:r>
+              <a:rPr lang="en-US" sz="1400" dirty="0">
+                <a:solidFill>
+                  <a:srgbClr val="000000"/>
+                </a:solidFill>
+                <a:latin typeface="Courier" charset="0"/>
+                <a:ea typeface="Courier" charset="0"/>
+                <a:cs typeface="Courier" charset="0"/>
+              </a:rPr>
+              <a:t> generic</a:t>
+            </a:r>
+          </a:p>
+          <a:p>
+            <a:endParaRPr lang="en-US" sz="1400" dirty="0">
+              <a:solidFill>
+                <a:srgbClr val="000000"/>
+              </a:solidFill>
+              <a:latin typeface="Courier" charset="0"/>
+              <a:ea typeface="Courier" charset="0"/>
+              <a:cs typeface="Courier" charset="0"/>
+            </a:endParaRPr>
+          </a:p>
+          <a:p>
+            <a:r>
+              <a:rPr lang="en-US" sz="1400" dirty="0">
+                <a:solidFill>
+                  <a:srgbClr val="C1651C"/>
+                </a:solidFill>
+                <a:latin typeface="Courier" charset="0"/>
+                <a:ea typeface="Courier" charset="0"/>
+                <a:cs typeface="Courier" charset="0"/>
+              </a:rPr>
+              <a:t>class</a:t>
+            </a:r>
+            <a:r>
+              <a:rPr lang="en-US" sz="1400" dirty="0">
+                <a:solidFill>
+                  <a:srgbClr val="000000"/>
+                </a:solidFill>
+                <a:latin typeface="Courier" charset="0"/>
+                <a:ea typeface="Courier" charset="0"/>
+                <a:cs typeface="Courier" charset="0"/>
+              </a:rPr>
+              <a:t> </a:t>
+            </a:r>
+            <a:r>
+              <a:rPr lang="en-US" sz="1400" dirty="0" err="1">
+                <a:solidFill>
+                  <a:srgbClr val="2EAEBB"/>
+                </a:solidFill>
+                <a:latin typeface="Courier" charset="0"/>
+                <a:ea typeface="Courier" charset="0"/>
+                <a:cs typeface="Courier" charset="0"/>
+              </a:rPr>
+              <a:t>HorseListView</a:t>
+            </a:r>
+            <a:r>
+              <a:rPr lang="en-US" sz="1400" dirty="0">
+                <a:solidFill>
+                  <a:srgbClr val="000000"/>
+                </a:solidFill>
+                <a:latin typeface="Courier" charset="0"/>
+                <a:ea typeface="Courier" charset="0"/>
+                <a:cs typeface="Courier" charset="0"/>
+              </a:rPr>
+              <a:t>(</a:t>
+            </a:r>
+            <a:r>
+              <a:rPr lang="en-US" sz="1400" dirty="0" err="1">
+                <a:solidFill>
+                  <a:srgbClr val="000000"/>
+                </a:solidFill>
+                <a:latin typeface="Courier" charset="0"/>
+                <a:ea typeface="Courier" charset="0"/>
+                <a:cs typeface="Courier" charset="0"/>
+              </a:rPr>
+              <a:t>generic.ListView</a:t>
+            </a:r>
+            <a:r>
+              <a:rPr lang="en-US" sz="1400" dirty="0">
+                <a:solidFill>
+                  <a:srgbClr val="000000"/>
+                </a:solidFill>
+                <a:latin typeface="Courier" charset="0"/>
+                <a:ea typeface="Courier" charset="0"/>
+                <a:cs typeface="Courier" charset="0"/>
+              </a:rPr>
+              <a:t>):</a:t>
+            </a:r>
+          </a:p>
+          <a:p>
+            <a:r>
+              <a:rPr lang="en-US" sz="1400" dirty="0">
+                <a:solidFill>
+                  <a:srgbClr val="000000"/>
+                </a:solidFill>
+                <a:latin typeface="Courier" charset="0"/>
+                <a:ea typeface="Courier" charset="0"/>
+                <a:cs typeface="Courier" charset="0"/>
+              </a:rPr>
+              <a:t>    model = </a:t>
+            </a:r>
+            <a:r>
+              <a:rPr lang="en-US" sz="1400" dirty="0" smtClean="0">
+                <a:solidFill>
+                  <a:srgbClr val="000000"/>
+                </a:solidFill>
+                <a:latin typeface="Courier" charset="0"/>
+                <a:ea typeface="Courier" charset="0"/>
+                <a:cs typeface="Courier" charset="0"/>
+              </a:rPr>
+              <a:t>Horse</a:t>
+            </a:r>
+            <a:endParaRPr lang="en-US" sz="1400" dirty="0" smtClean="0">
+              <a:solidFill>
+                <a:srgbClr val="000000"/>
+              </a:solidFill>
+              <a:latin typeface="Courier" charset="0"/>
+              <a:ea typeface="Courier" charset="0"/>
+              <a:cs typeface="Courier" charset="0"/>
+            </a:endParaRPr>
+          </a:p>
+        </p:txBody>
+      </p:sp>
+      <p:sp>
+        <p:nvSpPr>
+          <p:cNvPr id="6" name="Rectangle 5"/>
+          <p:cNvSpPr/>
+          <p:nvPr/>
+        </p:nvSpPr>
+        <p:spPr>
+          <a:xfrm>
+            <a:off x="604825" y="783229"/>
+            <a:ext cx="2957413" cy="369332"/>
+          </a:xfrm>
+          <a:prstGeom prst="rect">
+            <a:avLst/>
+          </a:prstGeom>
+        </p:spPr>
+        <p:txBody>
+          <a:bodyPr wrap="none">
+            <a:spAutoFit/>
+          </a:bodyPr>
+          <a:lstStyle/>
+          <a:p>
+            <a:r>
+              <a:rPr lang="en-US" dirty="0" smtClean="0">
+                <a:solidFill>
+                  <a:srgbClr val="FFFF00"/>
+                </a:solidFill>
+              </a:rPr>
+              <a:t>dj4e-samples/</a:t>
+            </a:r>
+            <a:r>
+              <a:rPr lang="en-US" dirty="0" err="1" smtClean="0">
+                <a:solidFill>
+                  <a:srgbClr val="FFFF00"/>
+                </a:solidFill>
+              </a:rPr>
+              <a:t>gview</a:t>
+            </a:r>
+            <a:r>
+              <a:rPr lang="en-US" dirty="0" smtClean="0">
+                <a:solidFill>
+                  <a:srgbClr val="FFFF00"/>
+                </a:solidFill>
+              </a:rPr>
+              <a:t>/</a:t>
+            </a:r>
+            <a:r>
+              <a:rPr lang="en-US" dirty="0" err="1" smtClean="0">
+                <a:solidFill>
+                  <a:srgbClr val="FFFF00"/>
+                </a:solidFill>
+              </a:rPr>
+              <a:t>views.py</a:t>
+            </a:r>
+            <a:endParaRPr lang="en-US" dirty="0">
+              <a:solidFill>
+                <a:srgbClr val="FFFF00"/>
+              </a:solidFill>
+              <a:effectLst/>
+            </a:endParaRPr>
+          </a:p>
+        </p:txBody>
+      </p:sp>
+      <p:pic>
+        <p:nvPicPr>
+          <p:cNvPr id="8" name="Picture 7" descr="Cat List&#10;&#10;    Sophie&#10;    Frankie&#10;" title="Screen shot of https://samples.dj4e.com/gview/cats">
+            <a:hlinkClick r:id="rId2"/>
+          </p:cNvPr>
+          <p:cNvPicPr>
+            <a:picLocks noChangeAspect="1"/>
+          </p:cNvPicPr>
+          <p:nvPr/>
+        </p:nvPicPr>
+        <p:blipFill>
+          <a:blip r:embed="rId3">
+            <a:extLst>
+              <a:ext uri="{28A0092B-C50C-407E-A947-70E740481C1C}">
+                <a14:useLocalDpi xmlns:a14="http://schemas.microsoft.com/office/drawing/2010/main" val="0"/>
+              </a:ext>
+            </a:extLst>
+          </a:blip>
+          <a:stretch>
+            <a:fillRect/>
+          </a:stretch>
+        </p:blipFill>
+        <p:spPr>
+          <a:xfrm>
+            <a:off x="8392958" y="1165312"/>
+            <a:ext cx="3656162" cy="3788769"/>
+          </a:xfrm>
+          <a:prstGeom prst="rect">
+            <a:avLst/>
+          </a:prstGeom>
+        </p:spPr>
+      </p:pic>
+      <p:sp>
+        <p:nvSpPr>
+          <p:cNvPr id="9" name="Rectangle 8"/>
+          <p:cNvSpPr/>
+          <p:nvPr/>
+        </p:nvSpPr>
+        <p:spPr>
+          <a:xfrm>
+            <a:off x="8392958" y="795980"/>
+            <a:ext cx="3682803" cy="369332"/>
+          </a:xfrm>
+          <a:prstGeom prst="rect">
+            <a:avLst/>
+          </a:prstGeom>
+        </p:spPr>
+        <p:txBody>
+          <a:bodyPr wrap="none">
+            <a:spAutoFit/>
+          </a:bodyPr>
+          <a:lstStyle/>
+          <a:p>
+            <a:r>
+              <a:rPr lang="en-US" dirty="0">
+                <a:solidFill>
+                  <a:srgbClr val="FFFF00"/>
+                </a:solidFill>
+              </a:rPr>
+              <a:t>https://samples.dj4e.com/</a:t>
+            </a:r>
+            <a:r>
+              <a:rPr lang="en-US" dirty="0" err="1">
+                <a:solidFill>
+                  <a:srgbClr val="FFFF00"/>
+                </a:solidFill>
+              </a:rPr>
+              <a:t>gview</a:t>
+            </a:r>
+            <a:r>
+              <a:rPr lang="en-US" dirty="0">
+                <a:solidFill>
+                  <a:srgbClr val="FFFF00"/>
+                </a:solidFill>
+              </a:rPr>
+              <a:t>/cats</a:t>
+            </a:r>
+          </a:p>
+        </p:txBody>
+      </p:sp>
+      <p:sp>
+        <p:nvSpPr>
+          <p:cNvPr id="10" name="Rectangle 9"/>
+          <p:cNvSpPr/>
+          <p:nvPr/>
+        </p:nvSpPr>
+        <p:spPr>
+          <a:xfrm>
+            <a:off x="1876424" y="5427975"/>
+            <a:ext cx="8882063" cy="369332"/>
+          </a:xfrm>
+          <a:prstGeom prst="rect">
+            <a:avLst/>
+          </a:prstGeom>
+        </p:spPr>
+        <p:txBody>
+          <a:bodyPr wrap="square">
+            <a:spAutoFit/>
+          </a:bodyPr>
+          <a:lstStyle/>
+          <a:p>
+            <a:r>
+              <a:rPr lang="en-US" dirty="0"/>
+              <a:t>https://</a:t>
+            </a:r>
+            <a:r>
+              <a:rPr lang="en-US" dirty="0" err="1"/>
+              <a:t>docs.djangoproject.com</a:t>
+            </a:r>
+            <a:r>
+              <a:rPr lang="en-US" dirty="0"/>
+              <a:t>/</a:t>
+            </a:r>
+            <a:r>
+              <a:rPr lang="en-US" dirty="0" err="1"/>
+              <a:t>en</a:t>
+            </a:r>
+            <a:r>
+              <a:rPr lang="en-US" dirty="0"/>
+              <a:t>/2.2/topics/class-based-views/generic-display/</a:t>
+            </a:r>
+          </a:p>
+        </p:txBody>
+      </p:sp>
+    </p:spTree>
+    <p:extLst>
+      <p:ext uri="{BB962C8B-B14F-4D97-AF65-F5344CB8AC3E}">
+        <p14:creationId xmlns:p14="http://schemas.microsoft.com/office/powerpoint/2010/main" val="1019553761"/>
+      </p:ext>
+    </p:extLst>
+  </p:cSld>
+  <p:clrMapOvr>
+    <a:masterClrMapping/>
+  </p:clrMapOvr>
+</p:sld>
+</file>
+
+<file path=ppt/slides/slide15.xml><?xml version="1.0" encoding="utf-8"?>
+<p:sld xmlns:a="http://schemas.openxmlformats.org/drawingml/2006/main" xmlns:r="http://schemas.openxmlformats.org/officeDocument/2006/relationships" xmlns:p="http://schemas.openxmlformats.org/presentationml/2006/main">
+  <p:cSld>
+    <p:spTree>
+      <p:nvGrpSpPr>
+        <p:cNvPr id="1" name=""/>
+        <p:cNvGrpSpPr/>
+        <p:nvPr/>
+      </p:nvGrpSpPr>
+      <p:grpSpPr>
+        <a:xfrm>
+          <a:off x="0" y="0"/>
+          <a:ext cx="0" cy="0"/>
+          <a:chOff x="0" y="0"/>
+          <a:chExt cx="0" cy="0"/>
+        </a:xfrm>
+      </p:grpSpPr>
+      <p:sp>
+        <p:nvSpPr>
+          <p:cNvPr id="2" name="Rectangle 1"/>
+          <p:cNvSpPr/>
+          <p:nvPr/>
+        </p:nvSpPr>
+        <p:spPr>
+          <a:xfrm>
+            <a:off x="590536" y="1238289"/>
+            <a:ext cx="7581909" cy="2893100"/>
+          </a:xfrm>
+          <a:prstGeom prst="rect">
+            <a:avLst/>
+          </a:prstGeom>
+          <a:solidFill>
+            <a:schemeClr val="tx1"/>
+          </a:solidFill>
+        </p:spPr>
+        <p:txBody>
+          <a:bodyPr wrap="square">
+            <a:spAutoFit/>
+          </a:bodyPr>
+          <a:lstStyle/>
+          <a:p>
+            <a:r>
+              <a:rPr lang="en-US" sz="1400" dirty="0">
+                <a:solidFill>
+                  <a:srgbClr val="400BD9"/>
+                </a:solidFill>
+                <a:latin typeface="Courier" charset="0"/>
+                <a:ea typeface="Courier" charset="0"/>
+                <a:cs typeface="Courier" charset="0"/>
+              </a:rPr>
+              <a:t># Lets review how inheritance works to avoid repeating ourselves</a:t>
+            </a:r>
+            <a:endParaRPr lang="en-US" sz="1400" dirty="0">
+              <a:solidFill>
+                <a:srgbClr val="000000"/>
+              </a:solidFill>
+              <a:latin typeface="Courier" charset="0"/>
+              <a:ea typeface="Courier" charset="0"/>
+              <a:cs typeface="Courier" charset="0"/>
+            </a:endParaRPr>
+          </a:p>
+          <a:p>
+            <a:r>
+              <a:rPr lang="en-US" sz="1400" dirty="0">
+                <a:solidFill>
+                  <a:srgbClr val="400BD9"/>
+                </a:solidFill>
+                <a:latin typeface="Courier" charset="0"/>
+                <a:ea typeface="Courier" charset="0"/>
+                <a:cs typeface="Courier" charset="0"/>
+              </a:rPr>
+              <a:t># It is all about convention</a:t>
+            </a:r>
+            <a:endParaRPr lang="en-US" sz="1400" dirty="0">
+              <a:solidFill>
+                <a:srgbClr val="000000"/>
+              </a:solidFill>
+              <a:latin typeface="Courier" charset="0"/>
+              <a:ea typeface="Courier" charset="0"/>
+              <a:cs typeface="Courier" charset="0"/>
+            </a:endParaRPr>
+          </a:p>
+          <a:p>
+            <a:r>
+              <a:rPr lang="en-US" sz="1400" dirty="0">
+                <a:solidFill>
+                  <a:srgbClr val="C1651C"/>
+                </a:solidFill>
+                <a:latin typeface="Courier" charset="0"/>
+                <a:ea typeface="Courier" charset="0"/>
+                <a:cs typeface="Courier" charset="0"/>
+              </a:rPr>
+              <a:t>class</a:t>
+            </a:r>
+            <a:r>
+              <a:rPr lang="en-US" sz="1400" dirty="0">
+                <a:solidFill>
+                  <a:srgbClr val="000000"/>
+                </a:solidFill>
+                <a:latin typeface="Courier" charset="0"/>
+                <a:ea typeface="Courier" charset="0"/>
+                <a:cs typeface="Courier" charset="0"/>
+              </a:rPr>
+              <a:t> </a:t>
+            </a:r>
+            <a:r>
+              <a:rPr lang="en-US" sz="1400" dirty="0">
+                <a:solidFill>
+                  <a:srgbClr val="2EAEBB"/>
+                </a:solidFill>
+                <a:latin typeface="Courier" charset="0"/>
+                <a:ea typeface="Courier" charset="0"/>
+                <a:cs typeface="Courier" charset="0"/>
+              </a:rPr>
+              <a:t>DJ4EListView</a:t>
+            </a:r>
+            <a:r>
+              <a:rPr lang="en-US" sz="1400" dirty="0">
+                <a:solidFill>
+                  <a:srgbClr val="000000"/>
+                </a:solidFill>
+                <a:latin typeface="Courier" charset="0"/>
+                <a:ea typeface="Courier" charset="0"/>
+                <a:cs typeface="Courier" charset="0"/>
+              </a:rPr>
+              <a:t>(View):</a:t>
+            </a:r>
+          </a:p>
+          <a:p>
+            <a:r>
+              <a:rPr lang="en-US" sz="1400" dirty="0">
+                <a:solidFill>
+                  <a:srgbClr val="000000"/>
+                </a:solidFill>
+                <a:latin typeface="Courier" charset="0"/>
+                <a:ea typeface="Courier" charset="0"/>
+                <a:cs typeface="Courier" charset="0"/>
+              </a:rPr>
+              <a:t>    </a:t>
+            </a:r>
+            <a:r>
+              <a:rPr lang="en-US" sz="1400" dirty="0" err="1">
+                <a:solidFill>
+                  <a:srgbClr val="C1651C"/>
+                </a:solidFill>
+                <a:latin typeface="Courier" charset="0"/>
+                <a:ea typeface="Courier" charset="0"/>
+                <a:cs typeface="Courier" charset="0"/>
+              </a:rPr>
+              <a:t>def</a:t>
+            </a:r>
+            <a:r>
+              <a:rPr lang="en-US" sz="1400" dirty="0">
+                <a:solidFill>
+                  <a:srgbClr val="000000"/>
+                </a:solidFill>
+                <a:latin typeface="Courier" charset="0"/>
+                <a:ea typeface="Courier" charset="0"/>
+                <a:cs typeface="Courier" charset="0"/>
+              </a:rPr>
+              <a:t> </a:t>
+            </a:r>
+            <a:r>
+              <a:rPr lang="en-US" sz="1400" dirty="0">
+                <a:solidFill>
+                  <a:srgbClr val="2EAEBB"/>
+                </a:solidFill>
+                <a:latin typeface="Courier" charset="0"/>
+                <a:ea typeface="Courier" charset="0"/>
+                <a:cs typeface="Courier" charset="0"/>
+              </a:rPr>
+              <a:t>get</a:t>
+            </a:r>
+            <a:r>
+              <a:rPr lang="en-US" sz="1400" dirty="0">
+                <a:solidFill>
+                  <a:srgbClr val="000000"/>
+                </a:solidFill>
+                <a:latin typeface="Courier" charset="0"/>
+                <a:ea typeface="Courier" charset="0"/>
+                <a:cs typeface="Courier" charset="0"/>
+              </a:rPr>
+              <a:t>(self, request) :</a:t>
+            </a:r>
+          </a:p>
+          <a:p>
+            <a:r>
+              <a:rPr lang="en-US" sz="1400" dirty="0">
+                <a:solidFill>
+                  <a:srgbClr val="000000"/>
+                </a:solidFill>
+                <a:latin typeface="Courier" charset="0"/>
+                <a:ea typeface="Courier" charset="0"/>
+                <a:cs typeface="Courier" charset="0"/>
+              </a:rPr>
+              <a:t>        </a:t>
+            </a:r>
+            <a:r>
+              <a:rPr lang="en-US" sz="1400" dirty="0" err="1">
+                <a:solidFill>
+                  <a:srgbClr val="000000"/>
+                </a:solidFill>
+                <a:latin typeface="Courier" charset="0"/>
+                <a:ea typeface="Courier" charset="0"/>
+                <a:cs typeface="Courier" charset="0"/>
+              </a:rPr>
+              <a:t>modelname</a:t>
+            </a:r>
+            <a:r>
+              <a:rPr lang="en-US" sz="1400" dirty="0">
+                <a:solidFill>
+                  <a:srgbClr val="000000"/>
+                </a:solidFill>
+                <a:latin typeface="Courier" charset="0"/>
+                <a:ea typeface="Courier" charset="0"/>
+                <a:cs typeface="Courier" charset="0"/>
+              </a:rPr>
+              <a:t> = self.model._</a:t>
+            </a:r>
+            <a:r>
+              <a:rPr lang="en-US" sz="1400" dirty="0" err="1">
+                <a:solidFill>
+                  <a:srgbClr val="000000"/>
+                </a:solidFill>
+                <a:latin typeface="Courier" charset="0"/>
+                <a:ea typeface="Courier" charset="0"/>
+                <a:cs typeface="Courier" charset="0"/>
+              </a:rPr>
+              <a:t>meta.verbose_name.title</a:t>
+            </a:r>
+            <a:r>
+              <a:rPr lang="en-US" sz="1400" dirty="0">
+                <a:solidFill>
+                  <a:srgbClr val="000000"/>
+                </a:solidFill>
+                <a:latin typeface="Courier" charset="0"/>
+                <a:ea typeface="Courier" charset="0"/>
+                <a:cs typeface="Courier" charset="0"/>
+              </a:rPr>
+              <a:t>().lower()</a:t>
+            </a:r>
+          </a:p>
+          <a:p>
+            <a:r>
+              <a:rPr lang="en-US" sz="1400" dirty="0">
+                <a:solidFill>
+                  <a:srgbClr val="000000"/>
+                </a:solidFill>
+                <a:latin typeface="Courier" charset="0"/>
+                <a:ea typeface="Courier" charset="0"/>
+                <a:cs typeface="Courier" charset="0"/>
+              </a:rPr>
+              <a:t>        stuff = </a:t>
+            </a:r>
+            <a:r>
+              <a:rPr lang="en-US" sz="1400" dirty="0" err="1">
+                <a:solidFill>
+                  <a:srgbClr val="000000"/>
+                </a:solidFill>
+                <a:latin typeface="Courier" charset="0"/>
+                <a:ea typeface="Courier" charset="0"/>
+                <a:cs typeface="Courier" charset="0"/>
+              </a:rPr>
+              <a:t>self.model.objects.all</a:t>
+            </a:r>
+            <a:r>
+              <a:rPr lang="en-US" sz="1400" dirty="0">
+                <a:solidFill>
+                  <a:srgbClr val="000000"/>
+                </a:solidFill>
+                <a:latin typeface="Courier" charset="0"/>
+                <a:ea typeface="Courier" charset="0"/>
+                <a:cs typeface="Courier" charset="0"/>
+              </a:rPr>
+              <a:t>()</a:t>
+            </a:r>
+          </a:p>
+          <a:p>
+            <a:r>
+              <a:rPr lang="mr-IN" sz="1400" dirty="0">
+                <a:solidFill>
+                  <a:srgbClr val="000000"/>
+                </a:solidFill>
+                <a:latin typeface="Courier" charset="0"/>
+                <a:ea typeface="Courier" charset="0"/>
+                <a:cs typeface="Courier" charset="0"/>
+              </a:rPr>
+              <a:t>        </a:t>
+            </a:r>
+            <a:r>
+              <a:rPr lang="mr-IN" sz="1400" dirty="0" err="1">
+                <a:solidFill>
+                  <a:srgbClr val="000000"/>
+                </a:solidFill>
+                <a:latin typeface="Courier" charset="0"/>
+                <a:ea typeface="Courier" charset="0"/>
+                <a:cs typeface="Courier" charset="0"/>
+              </a:rPr>
+              <a:t>cntx</a:t>
+            </a:r>
+            <a:r>
+              <a:rPr lang="mr-IN" sz="1400" dirty="0">
+                <a:solidFill>
+                  <a:srgbClr val="000000"/>
+                </a:solidFill>
+                <a:latin typeface="Courier" charset="0"/>
+                <a:ea typeface="Courier" charset="0"/>
+                <a:cs typeface="Courier" charset="0"/>
+              </a:rPr>
+              <a:t> = { </a:t>
+            </a:r>
+            <a:r>
+              <a:rPr lang="mr-IN" sz="1400" dirty="0" err="1">
+                <a:solidFill>
+                  <a:srgbClr val="000000"/>
+                </a:solidFill>
+                <a:latin typeface="Courier" charset="0"/>
+                <a:ea typeface="Courier" charset="0"/>
+                <a:cs typeface="Courier" charset="0"/>
+              </a:rPr>
+              <a:t>modelname</a:t>
+            </a:r>
+            <a:r>
+              <a:rPr lang="mr-IN" sz="1400" dirty="0">
+                <a:solidFill>
+                  <a:srgbClr val="000000"/>
+                </a:solidFill>
+                <a:latin typeface="Courier" charset="0"/>
+                <a:ea typeface="Courier" charset="0"/>
+                <a:cs typeface="Courier" charset="0"/>
+              </a:rPr>
+              <a:t>+</a:t>
+            </a:r>
+            <a:r>
+              <a:rPr lang="mr-IN" sz="1400" dirty="0">
+                <a:solidFill>
+                  <a:srgbClr val="B42419"/>
+                </a:solidFill>
+                <a:latin typeface="Courier" charset="0"/>
+                <a:ea typeface="Courier" charset="0"/>
+                <a:cs typeface="Courier" charset="0"/>
+              </a:rPr>
+              <a:t>'_</a:t>
+            </a:r>
+            <a:r>
+              <a:rPr lang="mr-IN" sz="1400" dirty="0" err="1">
+                <a:solidFill>
+                  <a:srgbClr val="B42419"/>
+                </a:solidFill>
+                <a:latin typeface="Courier" charset="0"/>
+                <a:ea typeface="Courier" charset="0"/>
+                <a:cs typeface="Courier" charset="0"/>
+              </a:rPr>
+              <a:t>list</a:t>
+            </a:r>
+            <a:r>
+              <a:rPr lang="mr-IN" sz="1400" dirty="0">
+                <a:solidFill>
+                  <a:srgbClr val="B42419"/>
+                </a:solidFill>
+                <a:latin typeface="Courier" charset="0"/>
+                <a:ea typeface="Courier" charset="0"/>
+                <a:cs typeface="Courier" charset="0"/>
+              </a:rPr>
+              <a:t>'</a:t>
+            </a:r>
+            <a:r>
+              <a:rPr lang="mr-IN" sz="1400" dirty="0">
+                <a:solidFill>
+                  <a:srgbClr val="000000"/>
+                </a:solidFill>
+                <a:latin typeface="Courier" charset="0"/>
+                <a:ea typeface="Courier" charset="0"/>
+                <a:cs typeface="Courier" charset="0"/>
+              </a:rPr>
+              <a:t>: </a:t>
+            </a:r>
+            <a:r>
+              <a:rPr lang="mr-IN" sz="1400" dirty="0" err="1">
+                <a:solidFill>
+                  <a:srgbClr val="000000"/>
+                </a:solidFill>
+                <a:latin typeface="Courier" charset="0"/>
+                <a:ea typeface="Courier" charset="0"/>
+                <a:cs typeface="Courier" charset="0"/>
+              </a:rPr>
+              <a:t>stuff</a:t>
+            </a:r>
+            <a:r>
+              <a:rPr lang="mr-IN" sz="1400" dirty="0">
+                <a:solidFill>
+                  <a:srgbClr val="000000"/>
+                </a:solidFill>
+                <a:latin typeface="Courier" charset="0"/>
+                <a:ea typeface="Courier" charset="0"/>
+                <a:cs typeface="Courier" charset="0"/>
+              </a:rPr>
+              <a:t> }</a:t>
+            </a:r>
+          </a:p>
+          <a:p>
+            <a:r>
+              <a:rPr lang="en-US" sz="1400" dirty="0">
+                <a:solidFill>
+                  <a:srgbClr val="000000"/>
+                </a:solidFill>
+                <a:latin typeface="Courier" charset="0"/>
+                <a:ea typeface="Courier" charset="0"/>
+                <a:cs typeface="Courier" charset="0"/>
+              </a:rPr>
+              <a:t>        </a:t>
+            </a:r>
+            <a:r>
+              <a:rPr lang="en-US" sz="1400" dirty="0">
+                <a:solidFill>
+                  <a:srgbClr val="C1651C"/>
+                </a:solidFill>
+                <a:latin typeface="Courier" charset="0"/>
+                <a:ea typeface="Courier" charset="0"/>
+                <a:cs typeface="Courier" charset="0"/>
+              </a:rPr>
+              <a:t>return</a:t>
+            </a:r>
+            <a:r>
+              <a:rPr lang="en-US" sz="1400" dirty="0">
+                <a:solidFill>
+                  <a:srgbClr val="000000"/>
+                </a:solidFill>
+                <a:latin typeface="Courier" charset="0"/>
+                <a:ea typeface="Courier" charset="0"/>
+                <a:cs typeface="Courier" charset="0"/>
+              </a:rPr>
+              <a:t> render(request, </a:t>
+            </a:r>
+            <a:r>
+              <a:rPr lang="en-US" sz="1400" dirty="0">
+                <a:solidFill>
+                  <a:srgbClr val="B42419"/>
+                </a:solidFill>
+                <a:latin typeface="Courier" charset="0"/>
+                <a:ea typeface="Courier" charset="0"/>
+                <a:cs typeface="Courier" charset="0"/>
+              </a:rPr>
+              <a:t>'</a:t>
+            </a:r>
+            <a:r>
+              <a:rPr lang="en-US" sz="1400" dirty="0" err="1">
+                <a:solidFill>
+                  <a:srgbClr val="B42419"/>
+                </a:solidFill>
+                <a:latin typeface="Courier" charset="0"/>
+                <a:ea typeface="Courier" charset="0"/>
+                <a:cs typeface="Courier" charset="0"/>
+              </a:rPr>
+              <a:t>gview</a:t>
+            </a:r>
+            <a:r>
+              <a:rPr lang="en-US" sz="1400" dirty="0">
+                <a:solidFill>
+                  <a:srgbClr val="B42419"/>
+                </a:solidFill>
+                <a:latin typeface="Courier" charset="0"/>
+                <a:ea typeface="Courier" charset="0"/>
+                <a:cs typeface="Courier" charset="0"/>
+              </a:rPr>
+              <a:t>/'</a:t>
+            </a:r>
+            <a:r>
+              <a:rPr lang="en-US" sz="1400" dirty="0">
+                <a:solidFill>
+                  <a:srgbClr val="000000"/>
+                </a:solidFill>
+                <a:latin typeface="Courier" charset="0"/>
+                <a:ea typeface="Courier" charset="0"/>
+                <a:cs typeface="Courier" charset="0"/>
+              </a:rPr>
+              <a:t>+</a:t>
+            </a:r>
+            <a:r>
+              <a:rPr lang="en-US" sz="1400" dirty="0" err="1">
+                <a:solidFill>
+                  <a:srgbClr val="000000"/>
+                </a:solidFill>
+                <a:latin typeface="Courier" charset="0"/>
+                <a:ea typeface="Courier" charset="0"/>
+                <a:cs typeface="Courier" charset="0"/>
+              </a:rPr>
+              <a:t>modelname</a:t>
+            </a:r>
+            <a:r>
+              <a:rPr lang="en-US" sz="1400" dirty="0">
+                <a:solidFill>
+                  <a:srgbClr val="000000"/>
+                </a:solidFill>
+                <a:latin typeface="Courier" charset="0"/>
+                <a:ea typeface="Courier" charset="0"/>
+                <a:cs typeface="Courier" charset="0"/>
+              </a:rPr>
+              <a:t>+</a:t>
+            </a:r>
+            <a:r>
+              <a:rPr lang="en-US" sz="1400" dirty="0">
+                <a:solidFill>
+                  <a:srgbClr val="B42419"/>
+                </a:solidFill>
+                <a:latin typeface="Courier" charset="0"/>
+                <a:ea typeface="Courier" charset="0"/>
+                <a:cs typeface="Courier" charset="0"/>
+              </a:rPr>
+              <a:t>'_</a:t>
+            </a:r>
+            <a:r>
+              <a:rPr lang="en-US" sz="1400" dirty="0" err="1">
+                <a:solidFill>
+                  <a:srgbClr val="B42419"/>
+                </a:solidFill>
+                <a:latin typeface="Courier" charset="0"/>
+                <a:ea typeface="Courier" charset="0"/>
+                <a:cs typeface="Courier" charset="0"/>
+              </a:rPr>
+              <a:t>list.html</a:t>
+            </a:r>
+            <a:r>
+              <a:rPr lang="en-US" sz="1400" dirty="0">
+                <a:solidFill>
+                  <a:srgbClr val="B42419"/>
+                </a:solidFill>
+                <a:latin typeface="Courier" charset="0"/>
+                <a:ea typeface="Courier" charset="0"/>
+                <a:cs typeface="Courier" charset="0"/>
+              </a:rPr>
+              <a:t>'</a:t>
+            </a:r>
+            <a:r>
+              <a:rPr lang="en-US" sz="1400" dirty="0">
+                <a:solidFill>
+                  <a:srgbClr val="000000"/>
+                </a:solidFill>
+                <a:latin typeface="Courier" charset="0"/>
+                <a:ea typeface="Courier" charset="0"/>
+                <a:cs typeface="Courier" charset="0"/>
+              </a:rPr>
+              <a:t>, </a:t>
+            </a:r>
+            <a:r>
+              <a:rPr lang="en-US" sz="1400" dirty="0" err="1">
+                <a:solidFill>
+                  <a:srgbClr val="000000"/>
+                </a:solidFill>
+                <a:latin typeface="Courier" charset="0"/>
+                <a:ea typeface="Courier" charset="0"/>
+                <a:cs typeface="Courier" charset="0"/>
+              </a:rPr>
+              <a:t>cntx</a:t>
+            </a:r>
+            <a:r>
+              <a:rPr lang="en-US" sz="1400" dirty="0">
+                <a:solidFill>
+                  <a:srgbClr val="000000"/>
+                </a:solidFill>
+                <a:latin typeface="Courier" charset="0"/>
+                <a:ea typeface="Courier" charset="0"/>
+                <a:cs typeface="Courier" charset="0"/>
+              </a:rPr>
+              <a:t>)</a:t>
+            </a:r>
+          </a:p>
+          <a:p>
+            <a:endParaRPr lang="en-US" sz="1400" dirty="0" smtClean="0">
+              <a:solidFill>
+                <a:srgbClr val="000000"/>
+              </a:solidFill>
+              <a:latin typeface="Courier" charset="0"/>
+              <a:ea typeface="Courier" charset="0"/>
+              <a:cs typeface="Courier" charset="0"/>
+            </a:endParaRPr>
+          </a:p>
+          <a:p>
+            <a:r>
+              <a:rPr lang="en-US" sz="1400" dirty="0">
+                <a:solidFill>
+                  <a:srgbClr val="400BD9"/>
+                </a:solidFill>
+                <a:latin typeface="Courier" charset="0"/>
+                <a:ea typeface="Courier" charset="0"/>
+                <a:cs typeface="Courier" charset="0"/>
+              </a:rPr>
+              <a:t># Lets reuse those "generic" classes</a:t>
+            </a:r>
+            <a:endParaRPr lang="en-US" sz="1400" dirty="0">
+              <a:solidFill>
+                <a:srgbClr val="000000"/>
+              </a:solidFill>
+              <a:latin typeface="Courier" charset="0"/>
+              <a:ea typeface="Courier" charset="0"/>
+              <a:cs typeface="Courier" charset="0"/>
+            </a:endParaRPr>
+          </a:p>
+          <a:p>
+            <a:r>
+              <a:rPr lang="en-US" sz="1400" dirty="0">
+                <a:solidFill>
+                  <a:srgbClr val="C1651C"/>
+                </a:solidFill>
+                <a:latin typeface="Courier" charset="0"/>
+                <a:ea typeface="Courier" charset="0"/>
+                <a:cs typeface="Courier" charset="0"/>
+              </a:rPr>
+              <a:t>class</a:t>
+            </a:r>
+            <a:r>
+              <a:rPr lang="en-US" sz="1400" dirty="0">
+                <a:solidFill>
+                  <a:srgbClr val="000000"/>
+                </a:solidFill>
+                <a:latin typeface="Courier" charset="0"/>
+                <a:ea typeface="Courier" charset="0"/>
+                <a:cs typeface="Courier" charset="0"/>
+              </a:rPr>
+              <a:t> </a:t>
+            </a:r>
+            <a:r>
+              <a:rPr lang="en-US" sz="1400" dirty="0" err="1">
+                <a:solidFill>
+                  <a:srgbClr val="2EAEBB"/>
+                </a:solidFill>
+                <a:latin typeface="Courier" charset="0"/>
+                <a:ea typeface="Courier" charset="0"/>
+                <a:cs typeface="Courier" charset="0"/>
+              </a:rPr>
+              <a:t>CarListView</a:t>
+            </a:r>
+            <a:r>
+              <a:rPr lang="en-US" sz="1400" dirty="0">
+                <a:solidFill>
+                  <a:srgbClr val="000000"/>
+                </a:solidFill>
+                <a:latin typeface="Courier" charset="0"/>
+                <a:ea typeface="Courier" charset="0"/>
+                <a:cs typeface="Courier" charset="0"/>
+              </a:rPr>
+              <a:t>(DJ4EListView):</a:t>
+            </a:r>
+          </a:p>
+          <a:p>
+            <a:r>
+              <a:rPr lang="mr-IN" sz="1400" dirty="0">
+                <a:solidFill>
+                  <a:srgbClr val="000000"/>
+                </a:solidFill>
+                <a:latin typeface="Courier" charset="0"/>
+                <a:ea typeface="Courier" charset="0"/>
+                <a:cs typeface="Courier" charset="0"/>
+              </a:rPr>
+              <a:t>    </a:t>
+            </a:r>
+            <a:r>
+              <a:rPr lang="mr-IN" sz="1400" dirty="0" err="1">
+                <a:solidFill>
+                  <a:srgbClr val="000000"/>
+                </a:solidFill>
+                <a:latin typeface="Courier" charset="0"/>
+                <a:ea typeface="Courier" charset="0"/>
+                <a:cs typeface="Courier" charset="0"/>
+              </a:rPr>
+              <a:t>model</a:t>
+            </a:r>
+            <a:r>
+              <a:rPr lang="mr-IN" sz="1400" dirty="0">
+                <a:solidFill>
+                  <a:srgbClr val="000000"/>
+                </a:solidFill>
+                <a:latin typeface="Courier" charset="0"/>
+                <a:ea typeface="Courier" charset="0"/>
+                <a:cs typeface="Courier" charset="0"/>
+              </a:rPr>
+              <a:t> = </a:t>
+            </a:r>
+            <a:r>
+              <a:rPr lang="mr-IN" sz="1400" dirty="0" err="1" smtClean="0">
+                <a:solidFill>
+                  <a:srgbClr val="000000"/>
+                </a:solidFill>
+                <a:latin typeface="Courier" charset="0"/>
+                <a:ea typeface="Courier" charset="0"/>
+                <a:cs typeface="Courier" charset="0"/>
+              </a:rPr>
+              <a:t>Car</a:t>
+            </a:r>
+            <a:endParaRPr lang="en-US" sz="1400" dirty="0" smtClean="0">
+              <a:solidFill>
+                <a:srgbClr val="000000"/>
+              </a:solidFill>
+              <a:latin typeface="Courier" charset="0"/>
+              <a:ea typeface="Courier" charset="0"/>
+              <a:cs typeface="Courier" charset="0"/>
+            </a:endParaRPr>
+          </a:p>
+          <a:p>
+            <a:endParaRPr lang="en-US" sz="1400" dirty="0">
+              <a:solidFill>
+                <a:srgbClr val="000000"/>
+              </a:solidFill>
+              <a:latin typeface="Courier" charset="0"/>
+              <a:ea typeface="Courier" charset="0"/>
+              <a:cs typeface="Courier" charset="0"/>
+            </a:endParaRPr>
+          </a:p>
+        </p:txBody>
+      </p:sp>
+      <p:sp>
+        <p:nvSpPr>
+          <p:cNvPr id="6" name="Rectangle 5"/>
+          <p:cNvSpPr/>
+          <p:nvPr/>
+        </p:nvSpPr>
+        <p:spPr>
+          <a:xfrm>
+            <a:off x="590537" y="783229"/>
+            <a:ext cx="2957413" cy="369332"/>
+          </a:xfrm>
+          <a:prstGeom prst="rect">
+            <a:avLst/>
+          </a:prstGeom>
+        </p:spPr>
+        <p:txBody>
+          <a:bodyPr wrap="none">
+            <a:spAutoFit/>
+          </a:bodyPr>
+          <a:lstStyle/>
+          <a:p>
+            <a:r>
+              <a:rPr lang="en-US" dirty="0" smtClean="0">
+                <a:solidFill>
+                  <a:srgbClr val="FFFF00"/>
+                </a:solidFill>
+              </a:rPr>
+              <a:t>dj4e-samples/</a:t>
+            </a:r>
+            <a:r>
+              <a:rPr lang="en-US" dirty="0" err="1" smtClean="0">
+                <a:solidFill>
+                  <a:srgbClr val="FFFF00"/>
+                </a:solidFill>
+              </a:rPr>
+              <a:t>gview</a:t>
+            </a:r>
+            <a:r>
+              <a:rPr lang="en-US" dirty="0" smtClean="0">
+                <a:solidFill>
+                  <a:srgbClr val="FFFF00"/>
+                </a:solidFill>
+              </a:rPr>
+              <a:t>/</a:t>
+            </a:r>
+            <a:r>
+              <a:rPr lang="en-US" dirty="0" err="1" smtClean="0">
+                <a:solidFill>
+                  <a:srgbClr val="FFFF00"/>
+                </a:solidFill>
+              </a:rPr>
+              <a:t>views.py</a:t>
+            </a:r>
+            <a:endParaRPr lang="en-US" dirty="0">
+              <a:solidFill>
+                <a:srgbClr val="FFFF00"/>
+              </a:solidFill>
+              <a:effectLst/>
+            </a:endParaRPr>
+          </a:p>
+        </p:txBody>
+      </p:sp>
+      <p:sp>
+        <p:nvSpPr>
+          <p:cNvPr id="9" name="Rectangle 8"/>
+          <p:cNvSpPr/>
+          <p:nvPr/>
+        </p:nvSpPr>
+        <p:spPr>
+          <a:xfrm>
+            <a:off x="8378670" y="781692"/>
+            <a:ext cx="3773918" cy="369332"/>
+          </a:xfrm>
+          <a:prstGeom prst="rect">
+            <a:avLst/>
+          </a:prstGeom>
+        </p:spPr>
+        <p:txBody>
+          <a:bodyPr wrap="none">
+            <a:spAutoFit/>
+          </a:bodyPr>
+          <a:lstStyle/>
+          <a:p>
+            <a:r>
+              <a:rPr lang="en-US" dirty="0">
+                <a:solidFill>
+                  <a:srgbClr val="FFFF00"/>
+                </a:solidFill>
+              </a:rPr>
+              <a:t>https://</a:t>
+            </a:r>
+            <a:r>
+              <a:rPr lang="en-US" dirty="0" smtClean="0">
+                <a:solidFill>
+                  <a:srgbClr val="FFFF00"/>
+                </a:solidFill>
+              </a:rPr>
+              <a:t>samples.dj4e.com/</a:t>
+            </a:r>
+            <a:r>
+              <a:rPr lang="en-US" dirty="0" err="1" smtClean="0">
+                <a:solidFill>
+                  <a:srgbClr val="FFFF00"/>
+                </a:solidFill>
+              </a:rPr>
+              <a:t>gview</a:t>
+            </a:r>
+            <a:r>
+              <a:rPr lang="en-US" dirty="0" smtClean="0">
+                <a:solidFill>
+                  <a:srgbClr val="FFFF00"/>
+                </a:solidFill>
+              </a:rPr>
+              <a:t>/cars</a:t>
+            </a:r>
+            <a:endParaRPr lang="en-US" dirty="0">
+              <a:solidFill>
+                <a:srgbClr val="FFFF00"/>
+              </a:solidFill>
+            </a:endParaRPr>
+          </a:p>
+        </p:txBody>
+      </p:sp>
+      <p:pic>
+        <p:nvPicPr>
+          <p:cNvPr id="7" name="Picture 6" descr="Car List&#10;&#10;    SakaiCar&#10;    Subaru&#10;" title="Screen shot of https://samples.dj4e.com/gview/cars"/>
+          <p:cNvPicPr>
+            <a:picLocks noChangeAspect="1"/>
+          </p:cNvPicPr>
+          <p:nvPr/>
+        </p:nvPicPr>
+        <p:blipFill>
+          <a:blip r:embed="rId2">
+            <a:extLst>
+              <a:ext uri="{28A0092B-C50C-407E-A947-70E740481C1C}">
+                <a14:useLocalDpi xmlns:a14="http://schemas.microsoft.com/office/drawing/2010/main" val="0"/>
+              </a:ext>
+            </a:extLst>
+          </a:blip>
+          <a:stretch>
+            <a:fillRect/>
+          </a:stretch>
+        </p:blipFill>
+        <p:spPr>
+          <a:xfrm>
+            <a:off x="8392958" y="1151024"/>
+            <a:ext cx="3656162" cy="3792248"/>
+          </a:xfrm>
+          <a:prstGeom prst="rect">
+            <a:avLst/>
+          </a:prstGeom>
+        </p:spPr>
+      </p:pic>
+      <p:sp>
+        <p:nvSpPr>
+          <p:cNvPr id="11" name="Rectangle 10"/>
+          <p:cNvSpPr/>
+          <p:nvPr/>
+        </p:nvSpPr>
+        <p:spPr>
+          <a:xfrm>
+            <a:off x="1876424" y="5427975"/>
+            <a:ext cx="8882063" cy="369332"/>
+          </a:xfrm>
+          <a:prstGeom prst="rect">
+            <a:avLst/>
+          </a:prstGeom>
+        </p:spPr>
+        <p:txBody>
+          <a:bodyPr wrap="square">
+            <a:spAutoFit/>
+          </a:bodyPr>
+          <a:lstStyle/>
+          <a:p>
+            <a:r>
+              <a:rPr lang="en-US" dirty="0"/>
+              <a:t>https://</a:t>
+            </a:r>
+            <a:r>
+              <a:rPr lang="en-US" dirty="0" err="1"/>
+              <a:t>docs.djangoproject.com</a:t>
+            </a:r>
+            <a:r>
+              <a:rPr lang="en-US" dirty="0"/>
+              <a:t>/</a:t>
+            </a:r>
+            <a:r>
+              <a:rPr lang="en-US" dirty="0" err="1"/>
+              <a:t>en</a:t>
+            </a:r>
+            <a:r>
+              <a:rPr lang="en-US" dirty="0"/>
+              <a:t>/2.2/topics/class-based-views/generic-display/</a:t>
+            </a:r>
+          </a:p>
+        </p:txBody>
+      </p:sp>
+    </p:spTree>
+    <p:extLst>
+      <p:ext uri="{BB962C8B-B14F-4D97-AF65-F5344CB8AC3E}">
+        <p14:creationId xmlns:p14="http://schemas.microsoft.com/office/powerpoint/2010/main" val="53801313"/>
+      </p:ext>
+    </p:extLst>
+  </p:cSld>
+  <p:clrMapOvr>
+    <a:masterClrMapping/>
+  </p:clrMapOvr>
+</p:sld>
+</file>
+
+<file path=ppt/slides/slide16.xml><?xml version="1.0" encoding="utf-8"?>
+<p:sld xmlns:a="http://schemas.openxmlformats.org/drawingml/2006/main" xmlns:r="http://schemas.openxmlformats.org/officeDocument/2006/relationships" xmlns:p="http://schemas.openxmlformats.org/presentationml/2006/main">
+  <p:cSld>
+    <p:spTree>
+      <p:nvGrpSpPr>
+        <p:cNvPr id="1" name=""/>
+        <p:cNvGrpSpPr/>
+        <p:nvPr/>
+      </p:nvGrpSpPr>
+      <p:grpSpPr>
+        <a:xfrm>
+          <a:off x="0" y="0"/>
+          <a:ext cx="0" cy="0"/>
+          <a:chOff x="0" y="0"/>
+          <a:chExt cx="0" cy="0"/>
+        </a:xfrm>
+      </p:grpSpPr>
+      <p:sp>
+        <p:nvSpPr>
+          <p:cNvPr id="11" name="Rectangle 10"/>
+          <p:cNvSpPr/>
+          <p:nvPr/>
+        </p:nvSpPr>
+        <p:spPr>
+          <a:xfrm>
+            <a:off x="7343774" y="958104"/>
+            <a:ext cx="4114801" cy="2842371"/>
+          </a:xfrm>
+          <a:prstGeom prst="rect">
+            <a:avLst/>
+          </a:prstGeom>
+          <a:solidFill>
+            <a:srgbClr val="002060"/>
+          </a:solidFill>
+        </p:spPr>
+        <p:style>
+          <a:lnRef idx="2">
+            <a:schemeClr val="accent1">
+              <a:shade val="50000"/>
+            </a:schemeClr>
+          </a:lnRef>
+          <a:fillRef idx="1">
+            <a:schemeClr val="accent1"/>
+          </a:fillRef>
+          <a:effectRef idx="0">
+            <a:schemeClr val="accent1"/>
+          </a:effectRef>
+          <a:fontRef idx="minor">
+            <a:schemeClr val="lt1"/>
+          </a:fontRef>
+        </p:style>
+        <p:txBody>
+          <a:bodyPr rtlCol="0" anchor="t"/>
+          <a:lstStyle/>
+          <a:p>
+            <a:pPr algn="ctr"/>
+            <a:r>
+              <a:rPr lang="en-US" dirty="0" err="1" smtClean="0"/>
+              <a:t>gview.views.HorseListView</a:t>
+            </a:r>
+            <a:endParaRPr lang="en-US" dirty="0" smtClean="0"/>
+          </a:p>
+          <a:p>
+            <a:pPr algn="ctr"/>
+            <a:endParaRPr lang="en-US" dirty="0" smtClean="0"/>
+          </a:p>
+          <a:p>
+            <a:pPr algn="ctr"/>
+            <a:r>
+              <a:rPr lang="en-US" dirty="0" smtClean="0"/>
+              <a:t>model = </a:t>
+            </a:r>
+            <a:r>
+              <a:rPr lang="en-US" dirty="0" err="1" smtClean="0"/>
+              <a:t>gviews.models.Horse</a:t>
+            </a:r>
+            <a:endParaRPr lang="en-US" dirty="0"/>
+          </a:p>
+        </p:txBody>
+      </p:sp>
+      <p:sp>
+        <p:nvSpPr>
+          <p:cNvPr id="2" name="Rectangle 1"/>
+          <p:cNvSpPr/>
+          <p:nvPr/>
+        </p:nvSpPr>
+        <p:spPr>
+          <a:xfrm>
+            <a:off x="604824" y="1238289"/>
+            <a:ext cx="5853126" cy="1323439"/>
+          </a:xfrm>
+          <a:prstGeom prst="rect">
+            <a:avLst/>
+          </a:prstGeom>
+          <a:solidFill>
+            <a:schemeClr val="tx1"/>
+          </a:solidFill>
+        </p:spPr>
+        <p:txBody>
+          <a:bodyPr wrap="square">
+            <a:spAutoFit/>
+          </a:bodyPr>
+          <a:lstStyle/>
+          <a:p>
+            <a:r>
+              <a:rPr lang="en-US" sz="1600" dirty="0" smtClean="0">
+                <a:solidFill>
+                  <a:srgbClr val="C814C9"/>
+                </a:solidFill>
+                <a:latin typeface="Courier" charset="0"/>
+                <a:ea typeface="Courier" charset="0"/>
+                <a:cs typeface="Courier" charset="0"/>
+              </a:rPr>
+              <a:t>from</a:t>
+            </a:r>
+            <a:r>
+              <a:rPr lang="en-US" sz="1600" dirty="0" smtClean="0">
+                <a:solidFill>
+                  <a:srgbClr val="000000"/>
+                </a:solidFill>
+                <a:latin typeface="Courier" charset="0"/>
+                <a:ea typeface="Courier" charset="0"/>
+                <a:cs typeface="Courier" charset="0"/>
+              </a:rPr>
+              <a:t> </a:t>
+            </a:r>
+            <a:r>
+              <a:rPr lang="en-US" sz="1600" dirty="0" err="1">
+                <a:solidFill>
+                  <a:srgbClr val="000000"/>
+                </a:solidFill>
+                <a:latin typeface="Courier" charset="0"/>
+                <a:ea typeface="Courier" charset="0"/>
+                <a:cs typeface="Courier" charset="0"/>
+              </a:rPr>
+              <a:t>django.views</a:t>
+            </a:r>
+            <a:r>
+              <a:rPr lang="en-US" sz="1600" dirty="0">
+                <a:solidFill>
+                  <a:srgbClr val="000000"/>
+                </a:solidFill>
+                <a:latin typeface="Courier" charset="0"/>
+                <a:ea typeface="Courier" charset="0"/>
+                <a:cs typeface="Courier" charset="0"/>
+              </a:rPr>
+              <a:t> </a:t>
+            </a:r>
+            <a:r>
+              <a:rPr lang="en-US" sz="1600" dirty="0">
+                <a:solidFill>
+                  <a:srgbClr val="C814C9"/>
+                </a:solidFill>
+                <a:latin typeface="Courier" charset="0"/>
+                <a:ea typeface="Courier" charset="0"/>
+                <a:cs typeface="Courier" charset="0"/>
+              </a:rPr>
+              <a:t>import</a:t>
+            </a:r>
+            <a:r>
+              <a:rPr lang="en-US" sz="1600" dirty="0">
+                <a:solidFill>
+                  <a:srgbClr val="000000"/>
+                </a:solidFill>
+                <a:latin typeface="Courier" charset="0"/>
+                <a:ea typeface="Courier" charset="0"/>
+                <a:cs typeface="Courier" charset="0"/>
+              </a:rPr>
+              <a:t> </a:t>
+            </a:r>
+            <a:r>
+              <a:rPr lang="en-US" sz="1600" dirty="0" smtClean="0">
+                <a:solidFill>
+                  <a:srgbClr val="000000"/>
+                </a:solidFill>
+                <a:latin typeface="Courier" charset="0"/>
+                <a:ea typeface="Courier" charset="0"/>
+                <a:cs typeface="Courier" charset="0"/>
+              </a:rPr>
+              <a:t>generic</a:t>
+            </a:r>
+          </a:p>
+          <a:p>
+            <a:r>
+              <a:rPr lang="en-US" sz="1600" dirty="0">
+                <a:solidFill>
+                  <a:srgbClr val="C814C9"/>
+                </a:solidFill>
+                <a:latin typeface="Courier" charset="0"/>
+                <a:ea typeface="Courier" charset="0"/>
+                <a:cs typeface="Courier" charset="0"/>
+              </a:rPr>
+              <a:t>from</a:t>
+            </a:r>
+            <a:r>
+              <a:rPr lang="en-US" sz="1600" dirty="0">
+                <a:solidFill>
+                  <a:srgbClr val="000000"/>
+                </a:solidFill>
+                <a:latin typeface="Courier" charset="0"/>
+                <a:ea typeface="Courier" charset="0"/>
+                <a:cs typeface="Courier" charset="0"/>
+              </a:rPr>
+              <a:t> </a:t>
+            </a:r>
+            <a:r>
+              <a:rPr lang="en-US" sz="1600" dirty="0" err="1">
+                <a:solidFill>
+                  <a:srgbClr val="000000"/>
+                </a:solidFill>
+                <a:latin typeface="Courier" charset="0"/>
+                <a:ea typeface="Courier" charset="0"/>
+                <a:cs typeface="Courier" charset="0"/>
+              </a:rPr>
+              <a:t>gview.models</a:t>
+            </a:r>
+            <a:r>
+              <a:rPr lang="en-US" sz="1600" dirty="0">
+                <a:solidFill>
+                  <a:srgbClr val="000000"/>
+                </a:solidFill>
+                <a:latin typeface="Courier" charset="0"/>
+                <a:ea typeface="Courier" charset="0"/>
+                <a:cs typeface="Courier" charset="0"/>
+              </a:rPr>
+              <a:t> </a:t>
+            </a:r>
+            <a:r>
+              <a:rPr lang="en-US" sz="1600" dirty="0">
+                <a:solidFill>
+                  <a:srgbClr val="C814C9"/>
+                </a:solidFill>
+                <a:latin typeface="Courier" charset="0"/>
+                <a:ea typeface="Courier" charset="0"/>
+                <a:cs typeface="Courier" charset="0"/>
+              </a:rPr>
+              <a:t>import</a:t>
+            </a:r>
+            <a:r>
+              <a:rPr lang="en-US" sz="1600" dirty="0">
+                <a:solidFill>
+                  <a:srgbClr val="000000"/>
+                </a:solidFill>
+                <a:latin typeface="Courier" charset="0"/>
+                <a:ea typeface="Courier" charset="0"/>
+                <a:cs typeface="Courier" charset="0"/>
+              </a:rPr>
+              <a:t> Cat, Dog, Horse, </a:t>
+            </a:r>
+            <a:r>
+              <a:rPr lang="en-US" sz="1600" dirty="0" smtClean="0">
+                <a:solidFill>
+                  <a:srgbClr val="000000"/>
+                </a:solidFill>
+                <a:latin typeface="Courier" charset="0"/>
+                <a:ea typeface="Courier" charset="0"/>
+                <a:cs typeface="Courier" charset="0"/>
+              </a:rPr>
+              <a:t>Car</a:t>
+            </a:r>
+            <a:endParaRPr lang="en-US" sz="1600" dirty="0">
+              <a:solidFill>
+                <a:srgbClr val="000000"/>
+              </a:solidFill>
+              <a:latin typeface="Courier" charset="0"/>
+              <a:ea typeface="Courier" charset="0"/>
+              <a:cs typeface="Courier" charset="0"/>
+            </a:endParaRPr>
+          </a:p>
+          <a:p>
+            <a:endParaRPr lang="en-US" sz="1600" dirty="0">
+              <a:solidFill>
+                <a:srgbClr val="000000"/>
+              </a:solidFill>
+              <a:latin typeface="Courier" charset="0"/>
+              <a:ea typeface="Courier" charset="0"/>
+              <a:cs typeface="Courier" charset="0"/>
+            </a:endParaRPr>
+          </a:p>
+          <a:p>
+            <a:r>
+              <a:rPr lang="en-US" sz="1600" dirty="0">
+                <a:solidFill>
+                  <a:srgbClr val="C1651C"/>
+                </a:solidFill>
+                <a:latin typeface="Courier" charset="0"/>
+                <a:ea typeface="Courier" charset="0"/>
+                <a:cs typeface="Courier" charset="0"/>
+              </a:rPr>
+              <a:t>class</a:t>
+            </a:r>
+            <a:r>
+              <a:rPr lang="en-US" sz="1600" dirty="0">
+                <a:solidFill>
+                  <a:srgbClr val="000000"/>
+                </a:solidFill>
+                <a:latin typeface="Courier" charset="0"/>
+                <a:ea typeface="Courier" charset="0"/>
+                <a:cs typeface="Courier" charset="0"/>
+              </a:rPr>
+              <a:t> </a:t>
+            </a:r>
+            <a:r>
+              <a:rPr lang="en-US" sz="1600" dirty="0" err="1">
+                <a:solidFill>
+                  <a:srgbClr val="2EAEBB"/>
+                </a:solidFill>
+                <a:latin typeface="Courier" charset="0"/>
+                <a:ea typeface="Courier" charset="0"/>
+                <a:cs typeface="Courier" charset="0"/>
+              </a:rPr>
+              <a:t>HorseListView</a:t>
+            </a:r>
+            <a:r>
+              <a:rPr lang="en-US" sz="1600" dirty="0">
+                <a:solidFill>
+                  <a:srgbClr val="000000"/>
+                </a:solidFill>
+                <a:latin typeface="Courier" charset="0"/>
+                <a:ea typeface="Courier" charset="0"/>
+                <a:cs typeface="Courier" charset="0"/>
+              </a:rPr>
+              <a:t>(</a:t>
+            </a:r>
+            <a:r>
+              <a:rPr lang="en-US" sz="1600" dirty="0" err="1">
+                <a:solidFill>
+                  <a:srgbClr val="000000"/>
+                </a:solidFill>
+                <a:latin typeface="Courier" charset="0"/>
+                <a:ea typeface="Courier" charset="0"/>
+                <a:cs typeface="Courier" charset="0"/>
+              </a:rPr>
+              <a:t>generic.ListView</a:t>
+            </a:r>
+            <a:r>
+              <a:rPr lang="en-US" sz="1600" dirty="0">
+                <a:solidFill>
+                  <a:srgbClr val="000000"/>
+                </a:solidFill>
+                <a:latin typeface="Courier" charset="0"/>
+                <a:ea typeface="Courier" charset="0"/>
+                <a:cs typeface="Courier" charset="0"/>
+              </a:rPr>
+              <a:t>):</a:t>
+            </a:r>
+          </a:p>
+          <a:p>
+            <a:r>
+              <a:rPr lang="en-US" sz="1600" dirty="0">
+                <a:solidFill>
+                  <a:srgbClr val="000000"/>
+                </a:solidFill>
+                <a:latin typeface="Courier" charset="0"/>
+                <a:ea typeface="Courier" charset="0"/>
+                <a:cs typeface="Courier" charset="0"/>
+              </a:rPr>
+              <a:t>    model = </a:t>
+            </a:r>
+            <a:r>
+              <a:rPr lang="en-US" sz="1600" dirty="0" smtClean="0">
+                <a:solidFill>
+                  <a:srgbClr val="000000"/>
+                </a:solidFill>
+                <a:latin typeface="Courier" charset="0"/>
+                <a:ea typeface="Courier" charset="0"/>
+                <a:cs typeface="Courier" charset="0"/>
+              </a:rPr>
+              <a:t>Horse</a:t>
+            </a:r>
+            <a:endParaRPr lang="en-US" sz="1600" dirty="0" smtClean="0">
+              <a:solidFill>
+                <a:srgbClr val="000000"/>
+              </a:solidFill>
+              <a:latin typeface="Courier" charset="0"/>
+              <a:ea typeface="Courier" charset="0"/>
+              <a:cs typeface="Courier" charset="0"/>
+            </a:endParaRPr>
+          </a:p>
+        </p:txBody>
+      </p:sp>
+      <p:sp>
+        <p:nvSpPr>
+          <p:cNvPr id="6" name="Rectangle 5"/>
+          <p:cNvSpPr/>
+          <p:nvPr/>
+        </p:nvSpPr>
+        <p:spPr>
+          <a:xfrm>
+            <a:off x="604825" y="783229"/>
+            <a:ext cx="2957413" cy="369332"/>
+          </a:xfrm>
+          <a:prstGeom prst="rect">
+            <a:avLst/>
+          </a:prstGeom>
+        </p:spPr>
+        <p:txBody>
+          <a:bodyPr wrap="none">
+            <a:spAutoFit/>
+          </a:bodyPr>
+          <a:lstStyle/>
+          <a:p>
+            <a:r>
+              <a:rPr lang="en-US" dirty="0" smtClean="0">
+                <a:solidFill>
+                  <a:srgbClr val="FFFF00"/>
+                </a:solidFill>
+              </a:rPr>
+              <a:t>dj4e-samples/</a:t>
+            </a:r>
+            <a:r>
+              <a:rPr lang="en-US" dirty="0" err="1" smtClean="0">
+                <a:solidFill>
+                  <a:srgbClr val="FFFF00"/>
+                </a:solidFill>
+              </a:rPr>
+              <a:t>gview</a:t>
+            </a:r>
+            <a:r>
+              <a:rPr lang="en-US" dirty="0" smtClean="0">
+                <a:solidFill>
+                  <a:srgbClr val="FFFF00"/>
+                </a:solidFill>
+              </a:rPr>
+              <a:t>/</a:t>
+            </a:r>
+            <a:r>
+              <a:rPr lang="en-US" dirty="0" err="1" smtClean="0">
+                <a:solidFill>
+                  <a:srgbClr val="FFFF00"/>
+                </a:solidFill>
+              </a:rPr>
+              <a:t>views.py</a:t>
+            </a:r>
+            <a:endParaRPr lang="en-US" dirty="0">
+              <a:solidFill>
+                <a:srgbClr val="FFFF00"/>
+              </a:solidFill>
+              <a:effectLst/>
+            </a:endParaRPr>
+          </a:p>
+        </p:txBody>
+      </p:sp>
+      <p:sp>
+        <p:nvSpPr>
+          <p:cNvPr id="10" name="Rectangle 9"/>
+          <p:cNvSpPr/>
+          <p:nvPr/>
+        </p:nvSpPr>
+        <p:spPr>
+          <a:xfrm>
+            <a:off x="1876424" y="5427975"/>
+            <a:ext cx="8882063" cy="369332"/>
+          </a:xfrm>
+          <a:prstGeom prst="rect">
+            <a:avLst/>
+          </a:prstGeom>
+        </p:spPr>
+        <p:txBody>
+          <a:bodyPr wrap="square">
+            <a:spAutoFit/>
+          </a:bodyPr>
+          <a:lstStyle/>
+          <a:p>
+            <a:r>
+              <a:rPr lang="en-US" dirty="0"/>
+              <a:t>https://</a:t>
+            </a:r>
+            <a:r>
+              <a:rPr lang="en-US" dirty="0" err="1"/>
+              <a:t>docs.djangoproject.com</a:t>
+            </a:r>
+            <a:r>
+              <a:rPr lang="en-US" dirty="0"/>
+              <a:t>/</a:t>
+            </a:r>
+            <a:r>
+              <a:rPr lang="en-US" dirty="0" err="1"/>
+              <a:t>en</a:t>
+            </a:r>
+            <a:r>
+              <a:rPr lang="en-US" dirty="0"/>
+              <a:t>/2.2/topics/class-based-views/generic-display/</a:t>
+            </a:r>
+          </a:p>
+        </p:txBody>
+      </p:sp>
+      <p:sp>
+        <p:nvSpPr>
+          <p:cNvPr id="3" name="Rectangle 2"/>
+          <p:cNvSpPr/>
+          <p:nvPr/>
+        </p:nvSpPr>
+        <p:spPr>
+          <a:xfrm>
+            <a:off x="7815262" y="2414594"/>
+            <a:ext cx="3343275" cy="1000125"/>
+          </a:xfrm>
+          <a:prstGeom prst="rect">
+            <a:avLst/>
+          </a:prstGeom>
+        </p:spPr>
+        <p:style>
+          <a:lnRef idx="2">
+            <a:schemeClr val="accent1">
+              <a:shade val="50000"/>
+            </a:schemeClr>
+          </a:lnRef>
+          <a:fillRef idx="1">
+            <a:schemeClr val="accent1"/>
+          </a:fillRef>
+          <a:effectRef idx="0">
+            <a:schemeClr val="accent1"/>
+          </a:effectRef>
+          <a:fontRef idx="minor">
+            <a:schemeClr val="lt1"/>
+          </a:fontRef>
+        </p:style>
+        <p:txBody>
+          <a:bodyPr rtlCol="0" anchor="t"/>
+          <a:lstStyle/>
+          <a:p>
+            <a:pPr algn="ctr"/>
+            <a:r>
+              <a:rPr lang="en-US" dirty="0" err="1" smtClean="0"/>
+              <a:t>django.views.generic.ListView</a:t>
+            </a:r>
+            <a:endParaRPr lang="en-US" dirty="0"/>
+          </a:p>
+        </p:txBody>
+      </p:sp>
+      <p:cxnSp>
+        <p:nvCxnSpPr>
+          <p:cNvPr id="13" name="Straight Arrow Connector 12"/>
+          <p:cNvCxnSpPr>
+            <a:endCxn id="3" idx="0"/>
+          </p:cNvCxnSpPr>
+          <p:nvPr/>
+        </p:nvCxnSpPr>
+        <p:spPr>
+          <a:xfrm>
+            <a:off x="9472613" y="1857375"/>
+            <a:ext cx="14287" cy="557219"/>
+          </a:xfrm>
+          <a:prstGeom prst="straightConnector1">
+            <a:avLst/>
+          </a:prstGeom>
+          <a:ln w="38100">
+            <a:solidFill>
+              <a:schemeClr val="tx1"/>
+            </a:solidFill>
+            <a:tailEnd type="triangle"/>
+          </a:ln>
+        </p:spPr>
+        <p:style>
+          <a:lnRef idx="1">
+            <a:schemeClr val="accent1"/>
+          </a:lnRef>
+          <a:fillRef idx="0">
+            <a:schemeClr val="accent1"/>
+          </a:fillRef>
+          <a:effectRef idx="0">
+            <a:schemeClr val="accent1"/>
+          </a:effectRef>
+          <a:fontRef idx="minor">
+            <a:schemeClr val="tx1"/>
+          </a:fontRef>
+        </p:style>
+      </p:cxnSp>
+    </p:spTree>
+    <p:extLst>
+      <p:ext uri="{BB962C8B-B14F-4D97-AF65-F5344CB8AC3E}">
+        <p14:creationId xmlns:p14="http://schemas.microsoft.com/office/powerpoint/2010/main" val="1942216793"/>
+      </p:ext>
+    </p:extLst>
+  </p:cSld>
+  <p:clrMapOvr>
+    <a:masterClrMapping/>
+  </p:clrMapOvr>
+</p:sld>
+</file>
+
+<file path=ppt/slides/slide17.xml><?xml version="1.0" encoding="utf-8"?>
+<p:sld xmlns:a="http://schemas.openxmlformats.org/drawingml/2006/main" xmlns:r="http://schemas.openxmlformats.org/officeDocument/2006/relationships" xmlns:p="http://schemas.openxmlformats.org/presentationml/2006/main">
+  <p:cSld>
+    <p:spTree>
+      <p:nvGrpSpPr>
+        <p:cNvPr id="1" name=""/>
+        <p:cNvGrpSpPr/>
+        <p:nvPr/>
+      </p:nvGrpSpPr>
+      <p:grpSpPr>
+        <a:xfrm>
+          <a:off x="0" y="0"/>
+          <a:ext cx="0" cy="0"/>
+          <a:chOff x="0" y="0"/>
+          <a:chExt cx="0" cy="0"/>
+        </a:xfrm>
+      </p:grpSpPr>
+      <p:pic>
+        <p:nvPicPr>
+          <p:cNvPr id="2" name="Picture 1"/>
+          <p:cNvPicPr>
+            <a:picLocks noChangeAspect="1"/>
+          </p:cNvPicPr>
+          <p:nvPr/>
+        </p:nvPicPr>
+        <p:blipFill>
+          <a:blip r:embed="rId2">
+            <a:extLst>
+              <a:ext uri="{28A0092B-C50C-407E-A947-70E740481C1C}">
+                <a14:useLocalDpi xmlns:a14="http://schemas.microsoft.com/office/drawing/2010/main" val="0"/>
+              </a:ext>
+            </a:extLst>
+          </a:blip>
+          <a:stretch>
+            <a:fillRect/>
+          </a:stretch>
+        </p:blipFill>
+        <p:spPr>
+          <a:xfrm>
+            <a:off x="7177878" y="967895"/>
+            <a:ext cx="4701648" cy="4876647"/>
+          </a:xfrm>
+          <a:prstGeom prst="rect">
+            <a:avLst/>
+          </a:prstGeom>
+        </p:spPr>
+      </p:pic>
+      <p:sp>
+        <p:nvSpPr>
+          <p:cNvPr id="5" name="Rectangle 4"/>
+          <p:cNvSpPr/>
+          <p:nvPr/>
+        </p:nvSpPr>
+        <p:spPr>
+          <a:xfrm>
+            <a:off x="647688" y="3327919"/>
+            <a:ext cx="5938844" cy="1815882"/>
+          </a:xfrm>
+          <a:prstGeom prst="rect">
+            <a:avLst/>
+          </a:prstGeom>
+          <a:solidFill>
+            <a:schemeClr val="tx1"/>
+          </a:solidFill>
+        </p:spPr>
+        <p:txBody>
+          <a:bodyPr wrap="square">
+            <a:spAutoFit/>
+          </a:bodyPr>
+          <a:lstStyle/>
+          <a:p>
+            <a:r>
+              <a:rPr lang="mr-IN" sz="1400" dirty="0">
+                <a:solidFill>
+                  <a:srgbClr val="1396A3"/>
+                </a:solidFill>
+                <a:latin typeface="Courier" charset="0"/>
+                <a:ea typeface="Courier" charset="0"/>
+                <a:cs typeface="Courier" charset="0"/>
+              </a:rPr>
+              <a:t>&lt;</a:t>
+            </a:r>
+            <a:r>
+              <a:rPr lang="mr-IN" sz="1400" dirty="0">
+                <a:solidFill>
+                  <a:srgbClr val="C1651C"/>
+                </a:solidFill>
+                <a:latin typeface="Courier" charset="0"/>
+                <a:ea typeface="Courier" charset="0"/>
+                <a:cs typeface="Courier" charset="0"/>
+              </a:rPr>
+              <a:t>h1</a:t>
+            </a:r>
+            <a:r>
+              <a:rPr lang="mr-IN" sz="1400" dirty="0">
+                <a:solidFill>
+                  <a:srgbClr val="1396A3"/>
+                </a:solidFill>
+                <a:latin typeface="Courier" charset="0"/>
+                <a:ea typeface="Courier" charset="0"/>
+                <a:cs typeface="Courier" charset="0"/>
+              </a:rPr>
+              <a:t>&gt;</a:t>
+            </a:r>
+            <a:r>
+              <a:rPr lang="mr-IN" sz="1400" dirty="0" err="1">
+                <a:solidFill>
+                  <a:srgbClr val="C814C9"/>
+                </a:solidFill>
+                <a:latin typeface="Courier" charset="0"/>
+                <a:ea typeface="Courier" charset="0"/>
+                <a:cs typeface="Courier" charset="0"/>
+              </a:rPr>
+              <a:t>Horse</a:t>
+            </a:r>
+            <a:r>
+              <a:rPr lang="mr-IN" sz="1400" dirty="0">
+                <a:solidFill>
+                  <a:srgbClr val="C814C9"/>
+                </a:solidFill>
+                <a:latin typeface="Courier" charset="0"/>
+                <a:ea typeface="Courier" charset="0"/>
+                <a:cs typeface="Courier" charset="0"/>
+              </a:rPr>
+              <a:t> {{ </a:t>
+            </a:r>
+            <a:r>
+              <a:rPr lang="mr-IN" sz="1400" dirty="0" err="1">
+                <a:solidFill>
+                  <a:srgbClr val="C814C9"/>
+                </a:solidFill>
+                <a:latin typeface="Courier" charset="0"/>
+                <a:ea typeface="Courier" charset="0"/>
+                <a:cs typeface="Courier" charset="0"/>
+              </a:rPr>
+              <a:t>horse.name</a:t>
+            </a:r>
+            <a:r>
+              <a:rPr lang="mr-IN" sz="1400" dirty="0">
+                <a:solidFill>
+                  <a:srgbClr val="C814C9"/>
+                </a:solidFill>
+                <a:latin typeface="Courier" charset="0"/>
+                <a:ea typeface="Courier" charset="0"/>
+                <a:cs typeface="Courier" charset="0"/>
+              </a:rPr>
+              <a:t> }}</a:t>
+            </a:r>
+            <a:r>
+              <a:rPr lang="mr-IN" sz="1400" dirty="0">
+                <a:solidFill>
+                  <a:srgbClr val="2EAEBB"/>
+                </a:solidFill>
+                <a:latin typeface="Courier" charset="0"/>
+                <a:ea typeface="Courier" charset="0"/>
+                <a:cs typeface="Courier" charset="0"/>
+              </a:rPr>
+              <a:t>&lt;/</a:t>
+            </a:r>
+            <a:r>
+              <a:rPr lang="mr-IN" sz="1400" dirty="0">
+                <a:solidFill>
+                  <a:srgbClr val="C1651C"/>
+                </a:solidFill>
+                <a:latin typeface="Courier" charset="0"/>
+                <a:ea typeface="Courier" charset="0"/>
+                <a:cs typeface="Courier" charset="0"/>
+              </a:rPr>
+              <a:t>h1</a:t>
+            </a:r>
+            <a:r>
+              <a:rPr lang="mr-IN" sz="1400" dirty="0">
+                <a:solidFill>
+                  <a:srgbClr val="2EAEBB"/>
+                </a:solidFill>
+                <a:latin typeface="Courier" charset="0"/>
+                <a:ea typeface="Courier" charset="0"/>
+                <a:cs typeface="Courier" charset="0"/>
+              </a:rPr>
+              <a:t>&gt;</a:t>
+            </a:r>
+            <a:endParaRPr lang="mr-IN" sz="1400" dirty="0">
+              <a:solidFill>
+                <a:srgbClr val="000000"/>
+              </a:solidFill>
+              <a:latin typeface="Courier" charset="0"/>
+              <a:ea typeface="Courier" charset="0"/>
+              <a:cs typeface="Courier" charset="0"/>
+            </a:endParaRPr>
+          </a:p>
+          <a:p>
+            <a:r>
+              <a:rPr lang="mr-IN" sz="1400" dirty="0">
+                <a:solidFill>
+                  <a:srgbClr val="2EAEBB"/>
+                </a:solidFill>
+                <a:latin typeface="Courier" charset="0"/>
+                <a:ea typeface="Courier" charset="0"/>
+                <a:cs typeface="Courier" charset="0"/>
+              </a:rPr>
+              <a:t>&lt;</a:t>
+            </a:r>
+            <a:r>
+              <a:rPr lang="mr-IN" sz="1400" dirty="0" err="1">
+                <a:solidFill>
+                  <a:srgbClr val="C1651C"/>
+                </a:solidFill>
+                <a:latin typeface="Courier" charset="0"/>
+                <a:ea typeface="Courier" charset="0"/>
+                <a:cs typeface="Courier" charset="0"/>
+              </a:rPr>
+              <a:t>p</a:t>
+            </a:r>
+            <a:r>
+              <a:rPr lang="mr-IN" sz="1400" dirty="0">
+                <a:solidFill>
+                  <a:srgbClr val="2EAEBB"/>
+                </a:solidFill>
+                <a:latin typeface="Courier" charset="0"/>
+                <a:ea typeface="Courier" charset="0"/>
+                <a:cs typeface="Courier" charset="0"/>
+              </a:rPr>
+              <a:t>&gt;</a:t>
+            </a:r>
+            <a:endParaRPr lang="mr-IN" sz="1400" dirty="0">
+              <a:solidFill>
+                <a:srgbClr val="000000"/>
+              </a:solidFill>
+              <a:latin typeface="Courier" charset="0"/>
+              <a:ea typeface="Courier" charset="0"/>
+              <a:cs typeface="Courier" charset="0"/>
+            </a:endParaRPr>
+          </a:p>
+          <a:p>
+            <a:r>
+              <a:rPr lang="en-US" sz="1400" dirty="0">
+                <a:solidFill>
+                  <a:srgbClr val="2EAEBB"/>
+                </a:solidFill>
+                <a:latin typeface="Courier" charset="0"/>
+                <a:ea typeface="Courier" charset="0"/>
+                <a:cs typeface="Courier" charset="0"/>
+              </a:rPr>
+              <a:t>&lt;</a:t>
+            </a:r>
+            <a:r>
+              <a:rPr lang="en-US" sz="1400" dirty="0" err="1">
+                <a:solidFill>
+                  <a:srgbClr val="C1651C"/>
+                </a:solidFill>
+                <a:latin typeface="Courier" charset="0"/>
+                <a:ea typeface="Courier" charset="0"/>
+                <a:cs typeface="Courier" charset="0"/>
+              </a:rPr>
+              <a:t>img</a:t>
+            </a:r>
+            <a:r>
+              <a:rPr lang="en-US" sz="1400" dirty="0">
+                <a:solidFill>
+                  <a:srgbClr val="2EAEBB"/>
+                </a:solidFill>
+                <a:latin typeface="Courier" charset="0"/>
+                <a:ea typeface="Courier" charset="0"/>
+                <a:cs typeface="Courier" charset="0"/>
+              </a:rPr>
+              <a:t> </a:t>
+            </a:r>
+            <a:r>
+              <a:rPr lang="en-US" sz="1400" dirty="0" err="1">
+                <a:solidFill>
+                  <a:srgbClr val="2FB41D"/>
+                </a:solidFill>
+                <a:latin typeface="Courier" charset="0"/>
+                <a:ea typeface="Courier" charset="0"/>
+                <a:cs typeface="Courier" charset="0"/>
+              </a:rPr>
+              <a:t>src</a:t>
+            </a:r>
+            <a:r>
+              <a:rPr lang="en-US" sz="1400" dirty="0">
+                <a:solidFill>
+                  <a:srgbClr val="2EAEBB"/>
+                </a:solidFill>
+                <a:latin typeface="Courier" charset="0"/>
+                <a:ea typeface="Courier" charset="0"/>
+                <a:cs typeface="Courier" charset="0"/>
+              </a:rPr>
+              <a:t>=</a:t>
+            </a:r>
+            <a:r>
+              <a:rPr lang="en-US" sz="1400" dirty="0">
+                <a:solidFill>
+                  <a:srgbClr val="B42419"/>
+                </a:solidFill>
+                <a:latin typeface="Courier" charset="0"/>
+                <a:ea typeface="Courier" charset="0"/>
+                <a:cs typeface="Courier" charset="0"/>
+              </a:rPr>
+              <a:t>"https://</a:t>
+            </a:r>
+            <a:r>
+              <a:rPr lang="en-US" sz="1400" dirty="0" err="1">
+                <a:solidFill>
+                  <a:srgbClr val="B42419"/>
+                </a:solidFill>
+                <a:latin typeface="Courier" charset="0"/>
+                <a:ea typeface="Courier" charset="0"/>
+                <a:cs typeface="Courier" charset="0"/>
+              </a:rPr>
+              <a:t>loremflickr.com</a:t>
+            </a:r>
+            <a:r>
+              <a:rPr lang="en-US" sz="1400" dirty="0">
+                <a:solidFill>
+                  <a:srgbClr val="B42419"/>
+                </a:solidFill>
+                <a:latin typeface="Courier" charset="0"/>
+                <a:ea typeface="Courier" charset="0"/>
+                <a:cs typeface="Courier" charset="0"/>
+              </a:rPr>
+              <a:t>/160/120/horse"</a:t>
+            </a:r>
+            <a:r>
+              <a:rPr lang="en-US" sz="1400" dirty="0">
+                <a:solidFill>
+                  <a:srgbClr val="2EAEBB"/>
+                </a:solidFill>
+                <a:latin typeface="Courier" charset="0"/>
+                <a:ea typeface="Courier" charset="0"/>
+                <a:cs typeface="Courier" charset="0"/>
+              </a:rPr>
+              <a:t> </a:t>
+            </a:r>
+            <a:endParaRPr lang="en-US" sz="1400" dirty="0">
+              <a:solidFill>
+                <a:srgbClr val="000000"/>
+              </a:solidFill>
+              <a:latin typeface="Courier" charset="0"/>
+              <a:ea typeface="Courier" charset="0"/>
+              <a:cs typeface="Courier" charset="0"/>
+            </a:endParaRPr>
+          </a:p>
+          <a:p>
+            <a:r>
+              <a:rPr lang="en-US" sz="1400" dirty="0">
+                <a:solidFill>
+                  <a:srgbClr val="2EAEBB"/>
+                </a:solidFill>
+                <a:latin typeface="Courier" charset="0"/>
+                <a:ea typeface="Courier" charset="0"/>
+                <a:cs typeface="Courier" charset="0"/>
+              </a:rPr>
+              <a:t>    </a:t>
+            </a:r>
+            <a:r>
+              <a:rPr lang="en-US" sz="1400" dirty="0">
+                <a:solidFill>
+                  <a:srgbClr val="2FB41D"/>
+                </a:solidFill>
+                <a:latin typeface="Courier" charset="0"/>
+                <a:ea typeface="Courier" charset="0"/>
+                <a:cs typeface="Courier" charset="0"/>
+              </a:rPr>
+              <a:t>alt</a:t>
+            </a:r>
+            <a:r>
+              <a:rPr lang="en-US" sz="1400" dirty="0">
+                <a:solidFill>
+                  <a:srgbClr val="2EAEBB"/>
+                </a:solidFill>
+                <a:latin typeface="Courier" charset="0"/>
+                <a:ea typeface="Courier" charset="0"/>
+                <a:cs typeface="Courier" charset="0"/>
+              </a:rPr>
+              <a:t>=</a:t>
+            </a:r>
+            <a:r>
+              <a:rPr lang="en-US" sz="1400" dirty="0">
+                <a:solidFill>
+                  <a:srgbClr val="B42419"/>
+                </a:solidFill>
+                <a:latin typeface="Courier" charset="0"/>
+                <a:ea typeface="Courier" charset="0"/>
+                <a:cs typeface="Courier" charset="0"/>
+              </a:rPr>
+              <a:t>"A random picture of a horse"</a:t>
+            </a:r>
+            <a:r>
+              <a:rPr lang="en-US" sz="1400" dirty="0">
+                <a:solidFill>
+                  <a:srgbClr val="2EAEBB"/>
+                </a:solidFill>
+                <a:latin typeface="Courier" charset="0"/>
+                <a:ea typeface="Courier" charset="0"/>
+                <a:cs typeface="Courier" charset="0"/>
+              </a:rPr>
+              <a:t>&gt;</a:t>
+            </a:r>
+            <a:endParaRPr lang="en-US" sz="1400" dirty="0">
+              <a:solidFill>
+                <a:srgbClr val="000000"/>
+              </a:solidFill>
+              <a:latin typeface="Courier" charset="0"/>
+              <a:ea typeface="Courier" charset="0"/>
+              <a:cs typeface="Courier" charset="0"/>
+            </a:endParaRPr>
+          </a:p>
+          <a:p>
+            <a:r>
+              <a:rPr lang="mr-IN" sz="1400" dirty="0">
+                <a:solidFill>
+                  <a:srgbClr val="2EAEBB"/>
+                </a:solidFill>
+                <a:latin typeface="Courier" charset="0"/>
+                <a:ea typeface="Courier" charset="0"/>
+                <a:cs typeface="Courier" charset="0"/>
+              </a:rPr>
+              <a:t>&lt;/</a:t>
+            </a:r>
+            <a:r>
+              <a:rPr lang="mr-IN" sz="1400" dirty="0" err="1">
+                <a:solidFill>
+                  <a:srgbClr val="C1651C"/>
+                </a:solidFill>
+                <a:latin typeface="Courier" charset="0"/>
+                <a:ea typeface="Courier" charset="0"/>
+                <a:cs typeface="Courier" charset="0"/>
+              </a:rPr>
+              <a:t>p</a:t>
+            </a:r>
+            <a:r>
+              <a:rPr lang="mr-IN" sz="1400" dirty="0">
+                <a:solidFill>
+                  <a:srgbClr val="2EAEBB"/>
+                </a:solidFill>
+                <a:latin typeface="Courier" charset="0"/>
+                <a:ea typeface="Courier" charset="0"/>
+                <a:cs typeface="Courier" charset="0"/>
+              </a:rPr>
+              <a:t>&gt;</a:t>
+            </a:r>
+            <a:endParaRPr lang="mr-IN" sz="1400" dirty="0">
+              <a:solidFill>
+                <a:srgbClr val="000000"/>
+              </a:solidFill>
+              <a:latin typeface="Courier" charset="0"/>
+              <a:ea typeface="Courier" charset="0"/>
+              <a:cs typeface="Courier" charset="0"/>
+            </a:endParaRPr>
+          </a:p>
+          <a:p>
+            <a:r>
+              <a:rPr lang="mr-IN" sz="1400" dirty="0">
+                <a:solidFill>
+                  <a:srgbClr val="2EAEBB"/>
+                </a:solidFill>
+                <a:latin typeface="Courier" charset="0"/>
+                <a:ea typeface="Courier" charset="0"/>
+                <a:cs typeface="Courier" charset="0"/>
+              </a:rPr>
+              <a:t>&lt;</a:t>
+            </a:r>
+            <a:r>
+              <a:rPr lang="mr-IN" sz="1400" dirty="0" err="1">
+                <a:solidFill>
+                  <a:srgbClr val="C1651C"/>
+                </a:solidFill>
+                <a:latin typeface="Courier" charset="0"/>
+                <a:ea typeface="Courier" charset="0"/>
+                <a:cs typeface="Courier" charset="0"/>
+              </a:rPr>
+              <a:t>p</a:t>
+            </a:r>
+            <a:r>
+              <a:rPr lang="mr-IN" sz="1400" dirty="0">
+                <a:solidFill>
+                  <a:srgbClr val="2EAEBB"/>
+                </a:solidFill>
+                <a:latin typeface="Courier" charset="0"/>
+                <a:ea typeface="Courier" charset="0"/>
+                <a:cs typeface="Courier" charset="0"/>
+              </a:rPr>
+              <a:t>&gt;</a:t>
+            </a:r>
+            <a:endParaRPr lang="mr-IN" sz="1400" dirty="0">
+              <a:solidFill>
+                <a:srgbClr val="000000"/>
+              </a:solidFill>
+              <a:latin typeface="Courier" charset="0"/>
+              <a:ea typeface="Courier" charset="0"/>
+              <a:cs typeface="Courier" charset="0"/>
+            </a:endParaRPr>
+          </a:p>
+          <a:p>
+            <a:r>
+              <a:rPr lang="en-US" sz="1400" dirty="0">
+                <a:solidFill>
+                  <a:srgbClr val="2EAEBB"/>
+                </a:solidFill>
+                <a:latin typeface="Courier" charset="0"/>
+                <a:ea typeface="Courier" charset="0"/>
+                <a:cs typeface="Courier" charset="0"/>
+              </a:rPr>
+              <a:t>&lt;</a:t>
+            </a:r>
+            <a:r>
+              <a:rPr lang="en-US" sz="1400" dirty="0">
+                <a:solidFill>
+                  <a:srgbClr val="C1651C"/>
+                </a:solidFill>
+                <a:latin typeface="Courier" charset="0"/>
+                <a:ea typeface="Courier" charset="0"/>
+                <a:cs typeface="Courier" charset="0"/>
+              </a:rPr>
+              <a:t>a</a:t>
+            </a:r>
+            <a:r>
+              <a:rPr lang="en-US" sz="1400" dirty="0">
+                <a:solidFill>
+                  <a:srgbClr val="2EAEBB"/>
+                </a:solidFill>
+                <a:latin typeface="Courier" charset="0"/>
+                <a:ea typeface="Courier" charset="0"/>
+                <a:cs typeface="Courier" charset="0"/>
+              </a:rPr>
+              <a:t> </a:t>
+            </a:r>
+            <a:r>
+              <a:rPr lang="en-US" sz="1400" dirty="0" err="1">
+                <a:solidFill>
+                  <a:srgbClr val="2FB41D"/>
+                </a:solidFill>
+                <a:latin typeface="Courier" charset="0"/>
+                <a:ea typeface="Courier" charset="0"/>
+                <a:cs typeface="Courier" charset="0"/>
+              </a:rPr>
+              <a:t>href</a:t>
+            </a:r>
+            <a:r>
+              <a:rPr lang="en-US" sz="1400" dirty="0">
+                <a:solidFill>
+                  <a:srgbClr val="2EAEBB"/>
+                </a:solidFill>
+                <a:latin typeface="Courier" charset="0"/>
+                <a:ea typeface="Courier" charset="0"/>
+                <a:cs typeface="Courier" charset="0"/>
+              </a:rPr>
+              <a:t>=</a:t>
+            </a:r>
+            <a:r>
+              <a:rPr lang="en-US" sz="1400" dirty="0">
+                <a:solidFill>
+                  <a:srgbClr val="B42419"/>
+                </a:solidFill>
+                <a:latin typeface="Courier" charset="0"/>
+                <a:ea typeface="Courier" charset="0"/>
+                <a:cs typeface="Courier" charset="0"/>
+              </a:rPr>
+              <a:t>"{% </a:t>
+            </a:r>
+            <a:r>
+              <a:rPr lang="en-US" sz="1400" dirty="0" err="1">
+                <a:solidFill>
+                  <a:srgbClr val="B42419"/>
+                </a:solidFill>
+                <a:latin typeface="Courier" charset="0"/>
+                <a:ea typeface="Courier" charset="0"/>
+                <a:cs typeface="Courier" charset="0"/>
+              </a:rPr>
+              <a:t>url</a:t>
+            </a:r>
+            <a:r>
+              <a:rPr lang="en-US" sz="1400" dirty="0">
+                <a:solidFill>
+                  <a:srgbClr val="B42419"/>
+                </a:solidFill>
+                <a:latin typeface="Courier" charset="0"/>
+                <a:ea typeface="Courier" charset="0"/>
+                <a:cs typeface="Courier" charset="0"/>
+              </a:rPr>
+              <a:t> '</a:t>
+            </a:r>
+            <a:r>
+              <a:rPr lang="en-US" sz="1400" dirty="0" err="1">
+                <a:solidFill>
+                  <a:srgbClr val="B42419"/>
+                </a:solidFill>
+                <a:latin typeface="Courier" charset="0"/>
+                <a:ea typeface="Courier" charset="0"/>
+                <a:cs typeface="Courier" charset="0"/>
+              </a:rPr>
+              <a:t>gview:horses</a:t>
+            </a:r>
+            <a:r>
+              <a:rPr lang="en-US" sz="1400" dirty="0">
+                <a:solidFill>
+                  <a:srgbClr val="B42419"/>
+                </a:solidFill>
+                <a:latin typeface="Courier" charset="0"/>
+                <a:ea typeface="Courier" charset="0"/>
+                <a:cs typeface="Courier" charset="0"/>
+              </a:rPr>
+              <a:t>' %}"</a:t>
+            </a:r>
+            <a:r>
+              <a:rPr lang="en-US" sz="1400" dirty="0">
+                <a:solidFill>
+                  <a:srgbClr val="2EAEBB"/>
+                </a:solidFill>
+                <a:latin typeface="Courier" charset="0"/>
+                <a:ea typeface="Courier" charset="0"/>
+                <a:cs typeface="Courier" charset="0"/>
+              </a:rPr>
+              <a:t>&gt;</a:t>
+            </a:r>
+            <a:r>
+              <a:rPr lang="en-US" sz="1400" u="sng" dirty="0">
+                <a:solidFill>
+                  <a:srgbClr val="C814C9"/>
+                </a:solidFill>
+                <a:latin typeface="Courier" charset="0"/>
+                <a:ea typeface="Courier" charset="0"/>
+                <a:cs typeface="Courier" charset="0"/>
+              </a:rPr>
+              <a:t>Go back to list</a:t>
+            </a:r>
+            <a:r>
+              <a:rPr lang="en-US" sz="1400" u="sng" dirty="0">
+                <a:solidFill>
+                  <a:srgbClr val="2EAEBB"/>
+                </a:solidFill>
+                <a:latin typeface="Courier" charset="0"/>
+                <a:ea typeface="Courier" charset="0"/>
+                <a:cs typeface="Courier" charset="0"/>
+              </a:rPr>
+              <a:t>&lt;/</a:t>
+            </a:r>
+            <a:r>
+              <a:rPr lang="en-US" sz="1400" u="sng" dirty="0">
+                <a:solidFill>
+                  <a:srgbClr val="C1651C"/>
+                </a:solidFill>
+                <a:latin typeface="Courier" charset="0"/>
+                <a:ea typeface="Courier" charset="0"/>
+                <a:cs typeface="Courier" charset="0"/>
+              </a:rPr>
+              <a:t>a</a:t>
+            </a:r>
+            <a:r>
+              <a:rPr lang="en-US" sz="1400" u="sng" dirty="0">
+                <a:solidFill>
+                  <a:srgbClr val="2EAEBB"/>
+                </a:solidFill>
+                <a:latin typeface="Courier" charset="0"/>
+                <a:ea typeface="Courier" charset="0"/>
+                <a:cs typeface="Courier" charset="0"/>
+              </a:rPr>
+              <a:t>&gt;</a:t>
+            </a:r>
+            <a:endParaRPr lang="en-US" sz="1400" u="sng" dirty="0">
+              <a:solidFill>
+                <a:srgbClr val="000000"/>
+              </a:solidFill>
+              <a:latin typeface="Courier" charset="0"/>
+              <a:ea typeface="Courier" charset="0"/>
+              <a:cs typeface="Courier" charset="0"/>
+            </a:endParaRPr>
+          </a:p>
+          <a:p>
+            <a:r>
+              <a:rPr lang="mr-IN" sz="1400" u="sng" dirty="0">
+                <a:solidFill>
+                  <a:srgbClr val="2EAEBB"/>
+                </a:solidFill>
+                <a:latin typeface="Courier" charset="0"/>
+                <a:ea typeface="Courier" charset="0"/>
+                <a:cs typeface="Courier" charset="0"/>
+              </a:rPr>
+              <a:t>&lt;/</a:t>
+            </a:r>
+            <a:r>
+              <a:rPr lang="mr-IN" sz="1400" u="sng" dirty="0" err="1">
+                <a:solidFill>
+                  <a:srgbClr val="C1651C"/>
+                </a:solidFill>
+                <a:latin typeface="Courier" charset="0"/>
+                <a:ea typeface="Courier" charset="0"/>
+                <a:cs typeface="Courier" charset="0"/>
+              </a:rPr>
+              <a:t>p</a:t>
+            </a:r>
+            <a:r>
+              <a:rPr lang="mr-IN" sz="1400" u="sng" dirty="0">
+                <a:solidFill>
+                  <a:srgbClr val="2EAEBB"/>
+                </a:solidFill>
+                <a:latin typeface="Courier" charset="0"/>
+                <a:ea typeface="Courier" charset="0"/>
+                <a:cs typeface="Courier" charset="0"/>
+              </a:rPr>
+              <a:t>&gt;</a:t>
+            </a:r>
+            <a:endParaRPr lang="en-US" sz="1400" dirty="0">
+              <a:latin typeface="Courier" charset="0"/>
+              <a:ea typeface="Courier" charset="0"/>
+              <a:cs typeface="Courier" charset="0"/>
+            </a:endParaRPr>
+          </a:p>
+        </p:txBody>
+      </p:sp>
+      <p:sp>
+        <p:nvSpPr>
+          <p:cNvPr id="7" name="Rectangle 6"/>
+          <p:cNvSpPr/>
+          <p:nvPr/>
+        </p:nvSpPr>
+        <p:spPr>
+          <a:xfrm>
+            <a:off x="635781" y="2869201"/>
+            <a:ext cx="5722144" cy="369332"/>
+          </a:xfrm>
+          <a:prstGeom prst="rect">
+            <a:avLst/>
+          </a:prstGeom>
+        </p:spPr>
+        <p:txBody>
+          <a:bodyPr wrap="square">
+            <a:spAutoFit/>
+          </a:bodyPr>
+          <a:lstStyle/>
+          <a:p>
+            <a:r>
+              <a:rPr lang="en-US" dirty="0" smtClean="0">
+                <a:solidFill>
+                  <a:srgbClr val="FFFF00"/>
+                </a:solidFill>
+              </a:rPr>
+              <a:t>dj4e-samples/</a:t>
+            </a:r>
+            <a:r>
+              <a:rPr lang="en-US" dirty="0" err="1" smtClean="0">
+                <a:solidFill>
+                  <a:srgbClr val="FFFF00"/>
+                </a:solidFill>
+              </a:rPr>
+              <a:t>gview</a:t>
+            </a:r>
+            <a:r>
+              <a:rPr lang="en-US" dirty="0" smtClean="0">
+                <a:solidFill>
+                  <a:srgbClr val="FFFF00"/>
+                </a:solidFill>
+              </a:rPr>
+              <a:t>/templates/</a:t>
+            </a:r>
+            <a:r>
+              <a:rPr lang="en-US" dirty="0" err="1" smtClean="0">
+                <a:solidFill>
+                  <a:srgbClr val="FFFF00"/>
+                </a:solidFill>
+              </a:rPr>
+              <a:t>gview</a:t>
+            </a:r>
+            <a:r>
+              <a:rPr lang="en-US" dirty="0" smtClean="0">
+                <a:solidFill>
+                  <a:srgbClr val="FFFF00"/>
+                </a:solidFill>
+              </a:rPr>
+              <a:t>/</a:t>
+            </a:r>
+            <a:r>
+              <a:rPr lang="en-US" dirty="0" err="1" smtClean="0">
+                <a:solidFill>
+                  <a:srgbClr val="FFFF00"/>
+                </a:solidFill>
+              </a:rPr>
+              <a:t>horse_detail.html</a:t>
+            </a:r>
+            <a:endParaRPr lang="en-US" dirty="0">
+              <a:solidFill>
+                <a:srgbClr val="FFFF00"/>
+              </a:solidFill>
+              <a:effectLst/>
+            </a:endParaRPr>
+          </a:p>
+        </p:txBody>
+      </p:sp>
+      <p:sp>
+        <p:nvSpPr>
+          <p:cNvPr id="9" name="Rectangle 8"/>
+          <p:cNvSpPr/>
+          <p:nvPr/>
+        </p:nvSpPr>
+        <p:spPr>
+          <a:xfrm>
+            <a:off x="7514491" y="783229"/>
+            <a:ext cx="4047647" cy="369332"/>
+          </a:xfrm>
+          <a:prstGeom prst="rect">
+            <a:avLst/>
+          </a:prstGeom>
+        </p:spPr>
+        <p:txBody>
+          <a:bodyPr wrap="none">
+            <a:spAutoFit/>
+          </a:bodyPr>
+          <a:lstStyle/>
+          <a:p>
+            <a:r>
+              <a:rPr lang="en-US" dirty="0">
+                <a:solidFill>
+                  <a:srgbClr val="FFFF00"/>
+                </a:solidFill>
+              </a:rPr>
+              <a:t>https://</a:t>
+            </a:r>
+            <a:r>
+              <a:rPr lang="en-US" dirty="0" smtClean="0">
+                <a:solidFill>
+                  <a:srgbClr val="FFFF00"/>
+                </a:solidFill>
+              </a:rPr>
+              <a:t>samples.dj4e.com/</a:t>
+            </a:r>
+            <a:r>
+              <a:rPr lang="en-US" dirty="0" err="1" smtClean="0">
+                <a:solidFill>
+                  <a:srgbClr val="FFFF00"/>
+                </a:solidFill>
+              </a:rPr>
+              <a:t>gview</a:t>
+            </a:r>
+            <a:r>
+              <a:rPr lang="en-US" dirty="0" smtClean="0">
+                <a:solidFill>
+                  <a:srgbClr val="FFFF00"/>
+                </a:solidFill>
+              </a:rPr>
+              <a:t>/horse/1</a:t>
+            </a:r>
+            <a:endParaRPr lang="en-US" dirty="0">
+              <a:solidFill>
+                <a:srgbClr val="FFFF00"/>
+              </a:solidFill>
+            </a:endParaRPr>
+          </a:p>
+        </p:txBody>
+      </p:sp>
+      <p:sp>
+        <p:nvSpPr>
+          <p:cNvPr id="6" name="Rectangle 5"/>
+          <p:cNvSpPr/>
+          <p:nvPr/>
+        </p:nvSpPr>
+        <p:spPr>
+          <a:xfrm>
+            <a:off x="604824" y="1238289"/>
+            <a:ext cx="5981708" cy="1323439"/>
+          </a:xfrm>
+          <a:prstGeom prst="rect">
+            <a:avLst/>
+          </a:prstGeom>
+          <a:solidFill>
+            <a:schemeClr val="tx1"/>
+          </a:solidFill>
+        </p:spPr>
+        <p:txBody>
+          <a:bodyPr wrap="square">
+            <a:spAutoFit/>
+          </a:bodyPr>
+          <a:lstStyle/>
+          <a:p>
+            <a:r>
+              <a:rPr lang="en-US" sz="1600" dirty="0" smtClean="0">
+                <a:solidFill>
+                  <a:srgbClr val="C814C9"/>
+                </a:solidFill>
+                <a:latin typeface="Courier" charset="0"/>
+                <a:ea typeface="Courier" charset="0"/>
+                <a:cs typeface="Courier" charset="0"/>
+              </a:rPr>
+              <a:t>from</a:t>
+            </a:r>
+            <a:r>
+              <a:rPr lang="en-US" sz="1600" dirty="0" smtClean="0">
+                <a:solidFill>
+                  <a:srgbClr val="000000"/>
+                </a:solidFill>
+                <a:latin typeface="Courier" charset="0"/>
+                <a:ea typeface="Courier" charset="0"/>
+                <a:cs typeface="Courier" charset="0"/>
+              </a:rPr>
+              <a:t> </a:t>
+            </a:r>
+            <a:r>
+              <a:rPr lang="en-US" sz="1600" dirty="0" err="1">
+                <a:solidFill>
+                  <a:srgbClr val="000000"/>
+                </a:solidFill>
+                <a:latin typeface="Courier" charset="0"/>
+                <a:ea typeface="Courier" charset="0"/>
+                <a:cs typeface="Courier" charset="0"/>
+              </a:rPr>
+              <a:t>django.views</a:t>
+            </a:r>
+            <a:r>
+              <a:rPr lang="en-US" sz="1600" dirty="0">
+                <a:solidFill>
+                  <a:srgbClr val="000000"/>
+                </a:solidFill>
+                <a:latin typeface="Courier" charset="0"/>
+                <a:ea typeface="Courier" charset="0"/>
+                <a:cs typeface="Courier" charset="0"/>
+              </a:rPr>
+              <a:t> </a:t>
+            </a:r>
+            <a:r>
+              <a:rPr lang="en-US" sz="1600" dirty="0">
+                <a:solidFill>
+                  <a:srgbClr val="C814C9"/>
+                </a:solidFill>
+                <a:latin typeface="Courier" charset="0"/>
+                <a:ea typeface="Courier" charset="0"/>
+                <a:cs typeface="Courier" charset="0"/>
+              </a:rPr>
+              <a:t>import</a:t>
+            </a:r>
+            <a:r>
+              <a:rPr lang="en-US" sz="1600" dirty="0">
+                <a:solidFill>
+                  <a:srgbClr val="000000"/>
+                </a:solidFill>
+                <a:latin typeface="Courier" charset="0"/>
+                <a:ea typeface="Courier" charset="0"/>
+                <a:cs typeface="Courier" charset="0"/>
+              </a:rPr>
+              <a:t> </a:t>
+            </a:r>
+            <a:r>
+              <a:rPr lang="en-US" sz="1600" dirty="0" smtClean="0">
+                <a:solidFill>
+                  <a:srgbClr val="000000"/>
+                </a:solidFill>
+                <a:latin typeface="Courier" charset="0"/>
+                <a:ea typeface="Courier" charset="0"/>
+                <a:cs typeface="Courier" charset="0"/>
+              </a:rPr>
+              <a:t>generic</a:t>
+            </a:r>
+          </a:p>
+          <a:p>
+            <a:r>
+              <a:rPr lang="en-US" sz="1600" dirty="0">
+                <a:solidFill>
+                  <a:srgbClr val="C814C9"/>
+                </a:solidFill>
+                <a:latin typeface="Courier" charset="0"/>
+                <a:ea typeface="Courier" charset="0"/>
+                <a:cs typeface="Courier" charset="0"/>
+              </a:rPr>
+              <a:t>from</a:t>
+            </a:r>
+            <a:r>
+              <a:rPr lang="en-US" sz="1600" dirty="0">
+                <a:solidFill>
+                  <a:srgbClr val="000000"/>
+                </a:solidFill>
+                <a:latin typeface="Courier" charset="0"/>
+                <a:ea typeface="Courier" charset="0"/>
+                <a:cs typeface="Courier" charset="0"/>
+              </a:rPr>
+              <a:t> </a:t>
+            </a:r>
+            <a:r>
+              <a:rPr lang="en-US" sz="1600" dirty="0" err="1">
+                <a:solidFill>
+                  <a:srgbClr val="000000"/>
+                </a:solidFill>
+                <a:latin typeface="Courier" charset="0"/>
+                <a:ea typeface="Courier" charset="0"/>
+                <a:cs typeface="Courier" charset="0"/>
+              </a:rPr>
+              <a:t>gview.models</a:t>
+            </a:r>
+            <a:r>
+              <a:rPr lang="en-US" sz="1600" dirty="0">
+                <a:solidFill>
+                  <a:srgbClr val="000000"/>
+                </a:solidFill>
+                <a:latin typeface="Courier" charset="0"/>
+                <a:ea typeface="Courier" charset="0"/>
+                <a:cs typeface="Courier" charset="0"/>
+              </a:rPr>
+              <a:t> </a:t>
+            </a:r>
+            <a:r>
+              <a:rPr lang="en-US" sz="1600" dirty="0">
+                <a:solidFill>
+                  <a:srgbClr val="C814C9"/>
+                </a:solidFill>
+                <a:latin typeface="Courier" charset="0"/>
+                <a:ea typeface="Courier" charset="0"/>
+                <a:cs typeface="Courier" charset="0"/>
+              </a:rPr>
+              <a:t>import</a:t>
+            </a:r>
+            <a:r>
+              <a:rPr lang="en-US" sz="1600" dirty="0">
+                <a:solidFill>
+                  <a:srgbClr val="000000"/>
+                </a:solidFill>
+                <a:latin typeface="Courier" charset="0"/>
+                <a:ea typeface="Courier" charset="0"/>
+                <a:cs typeface="Courier" charset="0"/>
+              </a:rPr>
+              <a:t> Cat, Dog, Horse, </a:t>
+            </a:r>
+            <a:r>
+              <a:rPr lang="en-US" sz="1600" dirty="0" smtClean="0">
+                <a:solidFill>
+                  <a:srgbClr val="000000"/>
+                </a:solidFill>
+                <a:latin typeface="Courier" charset="0"/>
+                <a:ea typeface="Courier" charset="0"/>
+                <a:cs typeface="Courier" charset="0"/>
+              </a:rPr>
+              <a:t>Car</a:t>
+            </a:r>
+            <a:endParaRPr lang="en-US" sz="1600" dirty="0">
+              <a:solidFill>
+                <a:srgbClr val="000000"/>
+              </a:solidFill>
+              <a:latin typeface="Courier" charset="0"/>
+              <a:ea typeface="Courier" charset="0"/>
+              <a:cs typeface="Courier" charset="0"/>
+            </a:endParaRPr>
+          </a:p>
+          <a:p>
+            <a:endParaRPr lang="en-US" sz="1600" dirty="0">
+              <a:solidFill>
+                <a:srgbClr val="000000"/>
+              </a:solidFill>
+              <a:latin typeface="Courier" charset="0"/>
+              <a:ea typeface="Courier" charset="0"/>
+              <a:cs typeface="Courier" charset="0"/>
+            </a:endParaRPr>
+          </a:p>
+          <a:p>
+            <a:r>
+              <a:rPr lang="en-US" sz="1600" dirty="0">
+                <a:solidFill>
+                  <a:srgbClr val="C1651C"/>
+                </a:solidFill>
+                <a:latin typeface="Courier" charset="0"/>
+                <a:ea typeface="Courier" charset="0"/>
+                <a:cs typeface="Courier" charset="0"/>
+              </a:rPr>
+              <a:t>class</a:t>
+            </a:r>
+            <a:r>
+              <a:rPr lang="en-US" sz="1600" dirty="0">
+                <a:solidFill>
+                  <a:srgbClr val="000000"/>
+                </a:solidFill>
+                <a:latin typeface="Courier" charset="0"/>
+                <a:ea typeface="Courier" charset="0"/>
+                <a:cs typeface="Courier" charset="0"/>
+              </a:rPr>
+              <a:t> </a:t>
+            </a:r>
+            <a:r>
+              <a:rPr lang="en-US" sz="1600" dirty="0" err="1">
+                <a:solidFill>
+                  <a:srgbClr val="2EAEBB"/>
+                </a:solidFill>
+                <a:latin typeface="Courier" charset="0"/>
+                <a:ea typeface="Courier" charset="0"/>
+                <a:cs typeface="Courier" charset="0"/>
+              </a:rPr>
+              <a:t>HorseListView</a:t>
+            </a:r>
+            <a:r>
+              <a:rPr lang="en-US" sz="1600" dirty="0">
+                <a:solidFill>
+                  <a:srgbClr val="000000"/>
+                </a:solidFill>
+                <a:latin typeface="Courier" charset="0"/>
+                <a:ea typeface="Courier" charset="0"/>
+                <a:cs typeface="Courier" charset="0"/>
+              </a:rPr>
+              <a:t>(</a:t>
+            </a:r>
+            <a:r>
+              <a:rPr lang="en-US" sz="1600" dirty="0" err="1">
+                <a:solidFill>
+                  <a:srgbClr val="000000"/>
+                </a:solidFill>
+                <a:latin typeface="Courier" charset="0"/>
+                <a:ea typeface="Courier" charset="0"/>
+                <a:cs typeface="Courier" charset="0"/>
+              </a:rPr>
+              <a:t>generic.ListView</a:t>
+            </a:r>
+            <a:r>
+              <a:rPr lang="en-US" sz="1600" dirty="0">
+                <a:solidFill>
+                  <a:srgbClr val="000000"/>
+                </a:solidFill>
+                <a:latin typeface="Courier" charset="0"/>
+                <a:ea typeface="Courier" charset="0"/>
+                <a:cs typeface="Courier" charset="0"/>
+              </a:rPr>
+              <a:t>):</a:t>
+            </a:r>
+          </a:p>
+          <a:p>
+            <a:r>
+              <a:rPr lang="en-US" sz="1600" dirty="0">
+                <a:solidFill>
+                  <a:srgbClr val="000000"/>
+                </a:solidFill>
+                <a:latin typeface="Courier" charset="0"/>
+                <a:ea typeface="Courier" charset="0"/>
+                <a:cs typeface="Courier" charset="0"/>
+              </a:rPr>
+              <a:t>    model = </a:t>
+            </a:r>
+            <a:r>
+              <a:rPr lang="en-US" sz="1600" dirty="0" smtClean="0">
+                <a:solidFill>
+                  <a:srgbClr val="000000"/>
+                </a:solidFill>
+                <a:latin typeface="Courier" charset="0"/>
+                <a:ea typeface="Courier" charset="0"/>
+                <a:cs typeface="Courier" charset="0"/>
+              </a:rPr>
+              <a:t>Horse</a:t>
+            </a:r>
+            <a:endParaRPr lang="en-US" sz="1600" dirty="0" smtClean="0">
+              <a:solidFill>
+                <a:srgbClr val="000000"/>
+              </a:solidFill>
+              <a:latin typeface="Courier" charset="0"/>
+              <a:ea typeface="Courier" charset="0"/>
+              <a:cs typeface="Courier" charset="0"/>
+            </a:endParaRPr>
+          </a:p>
+        </p:txBody>
+      </p:sp>
+      <p:sp>
+        <p:nvSpPr>
+          <p:cNvPr id="10" name="Rectangle 9"/>
+          <p:cNvSpPr/>
+          <p:nvPr/>
+        </p:nvSpPr>
+        <p:spPr>
+          <a:xfrm>
+            <a:off x="604825" y="783229"/>
+            <a:ext cx="2957413" cy="369332"/>
+          </a:xfrm>
+          <a:prstGeom prst="rect">
+            <a:avLst/>
+          </a:prstGeom>
+        </p:spPr>
+        <p:txBody>
+          <a:bodyPr wrap="none">
+            <a:spAutoFit/>
+          </a:bodyPr>
+          <a:lstStyle/>
+          <a:p>
+            <a:r>
+              <a:rPr lang="en-US" dirty="0" smtClean="0">
+                <a:solidFill>
+                  <a:srgbClr val="FFFF00"/>
+                </a:solidFill>
+              </a:rPr>
+              <a:t>dj4e-samples/</a:t>
+            </a:r>
+            <a:r>
+              <a:rPr lang="en-US" dirty="0" err="1" smtClean="0">
+                <a:solidFill>
+                  <a:srgbClr val="FFFF00"/>
+                </a:solidFill>
+              </a:rPr>
+              <a:t>gview</a:t>
+            </a:r>
+            <a:r>
+              <a:rPr lang="en-US" dirty="0" smtClean="0">
+                <a:solidFill>
+                  <a:srgbClr val="FFFF00"/>
+                </a:solidFill>
+              </a:rPr>
+              <a:t>/</a:t>
+            </a:r>
+            <a:r>
+              <a:rPr lang="en-US" dirty="0" err="1" smtClean="0">
+                <a:solidFill>
+                  <a:srgbClr val="FFFF00"/>
+                </a:solidFill>
+              </a:rPr>
+              <a:t>views.py</a:t>
+            </a:r>
+            <a:endParaRPr lang="en-US" dirty="0">
+              <a:solidFill>
+                <a:srgbClr val="FFFF00"/>
+              </a:solidFill>
+              <a:effectLst/>
+            </a:endParaRPr>
+          </a:p>
+        </p:txBody>
+      </p:sp>
+      <p:sp>
+        <p:nvSpPr>
+          <p:cNvPr id="3" name="TextBox 2"/>
+          <p:cNvSpPr txBox="1"/>
+          <p:nvPr/>
+        </p:nvSpPr>
+        <p:spPr>
+          <a:xfrm>
+            <a:off x="1818523" y="5475210"/>
+            <a:ext cx="3487430" cy="369332"/>
+          </a:xfrm>
+          <a:prstGeom prst="rect">
+            <a:avLst/>
+          </a:prstGeom>
+          <a:noFill/>
+        </p:spPr>
+        <p:txBody>
+          <a:bodyPr wrap="none" rtlCol="0">
+            <a:spAutoFit/>
+          </a:bodyPr>
+          <a:lstStyle/>
+          <a:p>
+            <a:r>
+              <a:rPr lang="en-US" dirty="0" smtClean="0"/>
+              <a:t>Lots of convention </a:t>
+            </a:r>
+            <a:r>
+              <a:rPr lang="mr-IN" dirty="0" smtClean="0"/>
+              <a:t>–</a:t>
+            </a:r>
+            <a:r>
+              <a:rPr lang="en-US" dirty="0" smtClean="0"/>
+              <a:t> no repetition </a:t>
+            </a:r>
+            <a:endParaRPr lang="en-US" dirty="0"/>
+          </a:p>
+        </p:txBody>
+      </p:sp>
+    </p:spTree>
+    <p:extLst>
+      <p:ext uri="{BB962C8B-B14F-4D97-AF65-F5344CB8AC3E}">
+        <p14:creationId xmlns:p14="http://schemas.microsoft.com/office/powerpoint/2010/main" val="233780839"/>
+      </p:ext>
+    </p:extLst>
+  </p:cSld>
+  <p:clrMapOvr>
+    <a:masterClrMapping/>
+  </p:clrMapOvr>
+</p:sld>
+</file>
+
+<file path=ppt/slides/slide18.xml><?xml version="1.0" encoding="utf-8"?>
+<p:sld xmlns:a="http://schemas.openxmlformats.org/drawingml/2006/main" xmlns:r="http://schemas.openxmlformats.org/officeDocument/2006/relationships" xmlns:p="http://schemas.openxmlformats.org/presentationml/2006/main">
+  <p:cSld>
+    <p:spTree>
+      <p:nvGrpSpPr>
+        <p:cNvPr id="1" name=""/>
+        <p:cNvGrpSpPr/>
+        <p:nvPr/>
+      </p:nvGrpSpPr>
+      <p:grpSpPr>
+        <a:xfrm>
+          <a:off x="0" y="0"/>
+          <a:ext cx="0" cy="0"/>
+          <a:chOff x="0" y="0"/>
+          <a:chExt cx="0" cy="0"/>
+        </a:xfrm>
+      </p:grpSpPr>
+      <p:sp>
+        <p:nvSpPr>
+          <p:cNvPr id="27649" name="Rectangle 1"/>
+          <p:cNvSpPr>
+            <a:spLocks noGrp="1" noChangeArrowheads="1"/>
+          </p:cNvSpPr>
+          <p:nvPr>
+            <p:ph type="title"/>
+          </p:nvPr>
+        </p:nvSpPr>
+        <p:spPr/>
+        <p:txBody>
+          <a:bodyPr/>
+          <a:lstStyle/>
+          <a:p>
+            <a:pPr eaLnBrk="1" hangingPunct="1">
+              <a:defRPr/>
+            </a:pPr>
+            <a:r>
+              <a:rPr lang="en-US" altLang="x-none" dirty="0">
+                <a:solidFill>
+                  <a:srgbClr val="FFFF00"/>
+                </a:solidFill>
+              </a:rPr>
+              <a:t>Summary</a:t>
+            </a:r>
+          </a:p>
+        </p:txBody>
+      </p:sp>
+      <p:sp>
+        <p:nvSpPr>
+          <p:cNvPr id="2" name="Content Placeholder 1"/>
+          <p:cNvSpPr>
+            <a:spLocks noGrp="1"/>
+          </p:cNvSpPr>
+          <p:nvPr>
+            <p:ph idx="1"/>
+          </p:nvPr>
+        </p:nvSpPr>
+        <p:spPr/>
+        <p:txBody>
+          <a:bodyPr/>
+          <a:lstStyle/>
+          <a:p>
+            <a:r>
+              <a:rPr lang="en-US" dirty="0" smtClean="0"/>
+              <a:t>Generic views allow us to produce lots of similar pages without cutting, pasting and editing boiler plate</a:t>
+            </a:r>
+          </a:p>
+          <a:p>
+            <a:r>
+              <a:rPr lang="en-US" dirty="0" smtClean="0"/>
+              <a:t>Quicker development</a:t>
+            </a:r>
+          </a:p>
+          <a:p>
+            <a:r>
+              <a:rPr lang="en-US" dirty="0" smtClean="0"/>
+              <a:t>Consistent User Experience</a:t>
+            </a:r>
+          </a:p>
+          <a:p>
+            <a:r>
+              <a:rPr lang="en-US" dirty="0" smtClean="0"/>
+              <a:t>Less lines of code means fewer mistakes</a:t>
+            </a:r>
+            <a:endParaRPr lang="en-US" dirty="0"/>
+          </a:p>
+        </p:txBody>
+      </p:sp>
+    </p:spTree>
+    <p:extLst>
+      <p:ext uri="{BB962C8B-B14F-4D97-AF65-F5344CB8AC3E}">
+        <p14:creationId xmlns:p14="http://schemas.microsoft.com/office/powerpoint/2010/main" val="188513069"/>
+      </p:ext>
+    </p:extLst>
+  </p:cSld>
+  <p:clrMapOvr>
+    <a:masterClrMapping/>
+  </p:clrMapOvr>
+</p:sld>
+</file>
+
+<file path=ppt/slides/slide19.xml><?xml version="1.0" encoding="utf-8"?>
+<p:sld xmlns:a="http://schemas.openxmlformats.org/drawingml/2006/main" xmlns:r="http://schemas.openxmlformats.org/officeDocument/2006/relationships" xmlns:p="http://schemas.openxmlformats.org/presentationml/2006/main">
+  <p:cSld>
+    <p:spTree>
+      <p:nvGrpSpPr>
+        <p:cNvPr id="1" name=""/>
+        <p:cNvGrpSpPr/>
+        <p:nvPr/>
+      </p:nvGrpSpPr>
+      <p:grpSpPr>
+        <a:xfrm>
+          <a:off x="0" y="0"/>
+          <a:ext cx="0" cy="0"/>
+          <a:chOff x="0" y="0"/>
+          <a:chExt cx="0" cy="0"/>
+        </a:xfrm>
+      </p:grpSpPr>
+      <p:sp>
+        <p:nvSpPr>
+          <p:cNvPr id="4" name="Title 3"/>
+          <p:cNvSpPr>
+            <a:spLocks noGrp="1"/>
+          </p:cNvSpPr>
+          <p:nvPr>
+            <p:ph type="title"/>
+          </p:nvPr>
+        </p:nvSpPr>
+        <p:spPr/>
+        <p:txBody>
+          <a:bodyPr/>
+          <a:lstStyle/>
+          <a:p>
+            <a:r>
+              <a:rPr lang="en-US" dirty="0"/>
+              <a:t>Acknowledgements / Contributions</a:t>
+            </a:r>
+          </a:p>
+        </p:txBody>
+      </p:sp>
+      <p:sp>
+        <p:nvSpPr>
+          <p:cNvPr id="8" name="TextBox 4"/>
+          <p:cNvSpPr txBox="1">
+            <a:spLocks noChangeArrowheads="1"/>
+          </p:cNvSpPr>
+          <p:nvPr/>
+        </p:nvSpPr>
+        <p:spPr bwMode="auto">
+          <a:xfrm>
+            <a:off x="838200" y="1512888"/>
+            <a:ext cx="5257800" cy="4401205"/>
+          </a:xfrm>
+          <a:prstGeom prst="rect">
+            <a:avLst/>
+          </a:prstGeom>
+          <a:noFill/>
+          <a:ln>
+            <a:noFill/>
+          </a:ln>
+        </p:spPr>
+        <p:txBody>
+          <a:bodyPr wrap="square">
+            <a:spAutoFit/>
+          </a:bodyPr>
+          <a:lstStyle>
+            <a:lvl1pPr>
+              <a:defRPr sz="2000">
+                <a:solidFill>
+                  <a:srgbClr val="FFFFFF"/>
+                </a:solidFill>
+                <a:latin typeface="Gill Sans" charset="0"/>
+                <a:ea typeface="ヒラギノ角ゴ ProN W3" charset="-128"/>
+                <a:sym typeface="Gill Sans" charset="0"/>
+              </a:defRPr>
+            </a:lvl1pPr>
+            <a:lvl2pPr marL="742950" indent="-285750">
+              <a:defRPr sz="2000">
+                <a:solidFill>
+                  <a:srgbClr val="FFFFFF"/>
+                </a:solidFill>
+                <a:latin typeface="Gill Sans" charset="0"/>
+                <a:ea typeface="ヒラギノ角ゴ ProN W3" charset="-128"/>
+                <a:sym typeface="Gill Sans" charset="0"/>
+              </a:defRPr>
+            </a:lvl2pPr>
+            <a:lvl3pPr marL="1143000" indent="-228600">
+              <a:defRPr sz="2000">
+                <a:solidFill>
+                  <a:srgbClr val="FFFFFF"/>
+                </a:solidFill>
+                <a:latin typeface="Gill Sans" charset="0"/>
+                <a:ea typeface="ヒラギノ角ゴ ProN W3" charset="-128"/>
+                <a:sym typeface="Gill Sans" charset="0"/>
+              </a:defRPr>
+            </a:lvl3pPr>
+            <a:lvl4pPr marL="1600200" indent="-228600">
+              <a:defRPr sz="2000">
+                <a:solidFill>
+                  <a:srgbClr val="FFFFFF"/>
+                </a:solidFill>
+                <a:latin typeface="Gill Sans" charset="0"/>
+                <a:ea typeface="ヒラギノ角ゴ ProN W3" charset="-128"/>
+                <a:sym typeface="Gill Sans" charset="0"/>
+              </a:defRPr>
+            </a:lvl4pPr>
+            <a:lvl5pPr marL="2057400" indent="-228600">
+              <a:defRPr sz="2000">
+                <a:solidFill>
+                  <a:srgbClr val="FFFFFF"/>
+                </a:solidFill>
+                <a:latin typeface="Gill Sans" charset="0"/>
+                <a:ea typeface="ヒラギノ角ゴ ProN W3" charset="-128"/>
+                <a:sym typeface="Gill Sans" charset="0"/>
+              </a:defRPr>
+            </a:lvl5pPr>
+            <a:lvl6pPr marL="2514600" indent="-228600" eaLnBrk="0" fontAlgn="base" hangingPunct="0">
+              <a:spcBef>
+                <a:spcPct val="0"/>
+              </a:spcBef>
+              <a:spcAft>
+                <a:spcPct val="0"/>
+              </a:spcAft>
+              <a:defRPr sz="2000">
+                <a:solidFill>
+                  <a:srgbClr val="FFFFFF"/>
+                </a:solidFill>
+                <a:latin typeface="Gill Sans" charset="0"/>
+                <a:ea typeface="ヒラギノ角ゴ ProN W3" charset="-128"/>
+                <a:sym typeface="Gill Sans" charset="0"/>
+              </a:defRPr>
+            </a:lvl6pPr>
+            <a:lvl7pPr marL="2971800" indent="-228600" eaLnBrk="0" fontAlgn="base" hangingPunct="0">
+              <a:spcBef>
+                <a:spcPct val="0"/>
+              </a:spcBef>
+              <a:spcAft>
+                <a:spcPct val="0"/>
+              </a:spcAft>
+              <a:defRPr sz="2000">
+                <a:solidFill>
+                  <a:srgbClr val="FFFFFF"/>
+                </a:solidFill>
+                <a:latin typeface="Gill Sans" charset="0"/>
+                <a:ea typeface="ヒラギノ角ゴ ProN W3" charset="-128"/>
+                <a:sym typeface="Gill Sans" charset="0"/>
+              </a:defRPr>
+            </a:lvl7pPr>
+            <a:lvl8pPr marL="3429000" indent="-228600" eaLnBrk="0" fontAlgn="base" hangingPunct="0">
+              <a:spcBef>
+                <a:spcPct val="0"/>
+              </a:spcBef>
+              <a:spcAft>
+                <a:spcPct val="0"/>
+              </a:spcAft>
+              <a:defRPr sz="2000">
+                <a:solidFill>
+                  <a:srgbClr val="FFFFFF"/>
+                </a:solidFill>
+                <a:latin typeface="Gill Sans" charset="0"/>
+                <a:ea typeface="ヒラギノ角ゴ ProN W3" charset="-128"/>
+                <a:sym typeface="Gill Sans" charset="0"/>
+              </a:defRPr>
+            </a:lvl8pPr>
+            <a:lvl9pPr marL="3886200" indent="-228600" eaLnBrk="0" fontAlgn="base" hangingPunct="0">
+              <a:spcBef>
+                <a:spcPct val="0"/>
+              </a:spcBef>
+              <a:spcAft>
+                <a:spcPct val="0"/>
+              </a:spcAft>
+              <a:defRPr sz="2000">
+                <a:solidFill>
+                  <a:srgbClr val="FFFFFF"/>
+                </a:solidFill>
+                <a:latin typeface="Gill Sans" charset="0"/>
+                <a:ea typeface="ヒラギノ角ゴ ProN W3" charset="-128"/>
+                <a:sym typeface="Gill Sans" charset="0"/>
+              </a:defRPr>
+            </a:lvl9pPr>
+          </a:lstStyle>
+          <a:p>
+            <a:pPr eaLnBrk="1" hangingPunct="1"/>
+            <a:r>
+              <a:rPr lang="en-US" altLang="x-none" sz="1400" dirty="0">
+                <a:solidFill>
+                  <a:schemeClr val="tx1"/>
+                </a:solidFill>
+              </a:rPr>
+              <a:t>These slides are Copyright 2019-  Charles R. Severance (</a:t>
+            </a:r>
+            <a:r>
+              <a:rPr lang="en-US" altLang="x-none" sz="1400" dirty="0" err="1">
+                <a:solidFill>
+                  <a:schemeClr val="tx1"/>
+                </a:solidFill>
+              </a:rPr>
+              <a:t>www.dr-chuck.com</a:t>
+            </a:r>
+            <a:r>
+              <a:rPr lang="en-US" altLang="x-none" sz="1400" dirty="0">
+                <a:solidFill>
+                  <a:schemeClr val="tx1"/>
+                </a:solidFill>
+              </a:rPr>
+              <a:t>) as part of www.dj4e.com and made available under a Creative Commons Attribution 4.0 License.  Please maintain this last slide in all copies of the document to comply with the attribution requirements of the license.  If you make a change, feel free to add your name and organization to the list of contributors on this page as you republish the materials.</a:t>
+            </a:r>
+          </a:p>
+          <a:p>
+            <a:pPr eaLnBrk="1" hangingPunct="1"/>
+            <a:endParaRPr lang="en-US" altLang="x-none" sz="1400" dirty="0">
+              <a:solidFill>
+                <a:schemeClr val="tx1"/>
+              </a:solidFill>
+            </a:endParaRPr>
+          </a:p>
+          <a:p>
+            <a:pPr eaLnBrk="1" hangingPunct="1"/>
+            <a:r>
+              <a:rPr lang="en-US" altLang="x-none" sz="1400" dirty="0">
+                <a:solidFill>
+                  <a:schemeClr val="tx1"/>
+                </a:solidFill>
+              </a:rPr>
+              <a:t>Initial Development: Charles Severance, University of Michigan School of Information</a:t>
+            </a:r>
+          </a:p>
+          <a:p>
+            <a:pPr eaLnBrk="1" hangingPunct="1"/>
+            <a:endParaRPr lang="en-US" altLang="x-none" sz="1400" dirty="0">
+              <a:solidFill>
+                <a:schemeClr val="tx1"/>
+              </a:solidFill>
+            </a:endParaRPr>
+          </a:p>
+          <a:p>
+            <a:pPr eaLnBrk="1" hangingPunct="1"/>
+            <a:r>
+              <a:rPr lang="en-US" altLang="x-none" sz="1400" dirty="0">
+                <a:solidFill>
+                  <a:srgbClr val="FFCC66"/>
+                </a:solidFill>
+              </a:rPr>
+              <a:t>Insert new Contributors and Translators here including names and dates</a:t>
+            </a:r>
+          </a:p>
+          <a:p>
+            <a:pPr eaLnBrk="1" hangingPunct="1"/>
+            <a:endParaRPr lang="en-US" altLang="x-none" sz="1400" dirty="0">
+              <a:solidFill>
+                <a:srgbClr val="7575D1"/>
+              </a:solidFill>
+            </a:endParaRPr>
+          </a:p>
+          <a:p>
+            <a:pPr eaLnBrk="1" hangingPunct="1"/>
+            <a:endParaRPr lang="en-US" altLang="x-none" sz="1400" dirty="0">
+              <a:solidFill>
+                <a:srgbClr val="7575D1"/>
+              </a:solidFill>
+            </a:endParaRPr>
+          </a:p>
+          <a:p>
+            <a:pPr eaLnBrk="1" hangingPunct="1"/>
+            <a:endParaRPr lang="en-US" altLang="x-none" sz="1400" dirty="0">
+              <a:solidFill>
+                <a:srgbClr val="7575D1"/>
+              </a:solidFill>
+            </a:endParaRPr>
+          </a:p>
+          <a:p>
+            <a:pPr eaLnBrk="1" hangingPunct="1"/>
+            <a:endParaRPr lang="en-US" altLang="x-none" sz="1400" dirty="0">
+              <a:solidFill>
+                <a:srgbClr val="7575D1"/>
+              </a:solidFill>
+            </a:endParaRPr>
+          </a:p>
+          <a:p>
+            <a:pPr eaLnBrk="1" hangingPunct="1"/>
+            <a:endParaRPr lang="en-US" altLang="x-none" sz="1400" dirty="0">
+              <a:solidFill>
+                <a:srgbClr val="7575D1"/>
+              </a:solidFill>
+            </a:endParaRPr>
+          </a:p>
+          <a:p>
+            <a:pPr eaLnBrk="1" hangingPunct="1"/>
+            <a:endParaRPr lang="en-US" altLang="x-none" sz="1400" dirty="0">
+              <a:solidFill>
+                <a:srgbClr val="7575D1"/>
+              </a:solidFill>
+            </a:endParaRPr>
+          </a:p>
+          <a:p>
+            <a:pPr eaLnBrk="1" hangingPunct="1"/>
+            <a:endParaRPr lang="en-US" altLang="x-none" sz="1400" dirty="0">
+              <a:solidFill>
+                <a:srgbClr val="7575D1"/>
+              </a:solidFill>
+            </a:endParaRPr>
+          </a:p>
+        </p:txBody>
+      </p:sp>
+      <p:sp>
+        <p:nvSpPr>
+          <p:cNvPr id="9" name="TextBox 5"/>
+          <p:cNvSpPr txBox="1">
+            <a:spLocks noChangeArrowheads="1"/>
+          </p:cNvSpPr>
+          <p:nvPr/>
+        </p:nvSpPr>
+        <p:spPr bwMode="auto">
+          <a:xfrm>
+            <a:off x="6310312" y="1512888"/>
+            <a:ext cx="5257800" cy="4893647"/>
+          </a:xfrm>
+          <a:prstGeom prst="rect">
+            <a:avLst/>
+          </a:prstGeom>
+          <a:noFill/>
+          <a:ln>
+            <a:noFill/>
+          </a:ln>
+        </p:spPr>
+        <p:txBody>
+          <a:bodyPr wrap="square">
+            <a:spAutoFit/>
+          </a:bodyPr>
+          <a:lstStyle>
+            <a:lvl1pPr>
+              <a:defRPr sz="2000">
+                <a:solidFill>
+                  <a:srgbClr val="FFFFFF"/>
+                </a:solidFill>
+                <a:latin typeface="Gill Sans" charset="0"/>
+                <a:ea typeface="ヒラギノ角ゴ ProN W3" charset="-128"/>
+                <a:sym typeface="Gill Sans" charset="0"/>
+              </a:defRPr>
+            </a:lvl1pPr>
+            <a:lvl2pPr marL="742950" indent="-285750">
+              <a:defRPr sz="2000">
+                <a:solidFill>
+                  <a:srgbClr val="FFFFFF"/>
+                </a:solidFill>
+                <a:latin typeface="Gill Sans" charset="0"/>
+                <a:ea typeface="ヒラギノ角ゴ ProN W3" charset="-128"/>
+                <a:sym typeface="Gill Sans" charset="0"/>
+              </a:defRPr>
+            </a:lvl2pPr>
+            <a:lvl3pPr marL="1143000" indent="-228600">
+              <a:defRPr sz="2000">
+                <a:solidFill>
+                  <a:srgbClr val="FFFFFF"/>
+                </a:solidFill>
+                <a:latin typeface="Gill Sans" charset="0"/>
+                <a:ea typeface="ヒラギノ角ゴ ProN W3" charset="-128"/>
+                <a:sym typeface="Gill Sans" charset="0"/>
+              </a:defRPr>
+            </a:lvl3pPr>
+            <a:lvl4pPr marL="1600200" indent="-228600">
+              <a:defRPr sz="2000">
+                <a:solidFill>
+                  <a:srgbClr val="FFFFFF"/>
+                </a:solidFill>
+                <a:latin typeface="Gill Sans" charset="0"/>
+                <a:ea typeface="ヒラギノ角ゴ ProN W3" charset="-128"/>
+                <a:sym typeface="Gill Sans" charset="0"/>
+              </a:defRPr>
+            </a:lvl4pPr>
+            <a:lvl5pPr marL="2057400" indent="-228600">
+              <a:defRPr sz="2000">
+                <a:solidFill>
+                  <a:srgbClr val="FFFFFF"/>
+                </a:solidFill>
+                <a:latin typeface="Gill Sans" charset="0"/>
+                <a:ea typeface="ヒラギノ角ゴ ProN W3" charset="-128"/>
+                <a:sym typeface="Gill Sans" charset="0"/>
+              </a:defRPr>
+            </a:lvl5pPr>
+            <a:lvl6pPr marL="2514600" indent="-228600" eaLnBrk="0" fontAlgn="base" hangingPunct="0">
+              <a:spcBef>
+                <a:spcPct val="0"/>
+              </a:spcBef>
+              <a:spcAft>
+                <a:spcPct val="0"/>
+              </a:spcAft>
+              <a:defRPr sz="2000">
+                <a:solidFill>
+                  <a:srgbClr val="FFFFFF"/>
+                </a:solidFill>
+                <a:latin typeface="Gill Sans" charset="0"/>
+                <a:ea typeface="ヒラギノ角ゴ ProN W3" charset="-128"/>
+                <a:sym typeface="Gill Sans" charset="0"/>
+              </a:defRPr>
+            </a:lvl6pPr>
+            <a:lvl7pPr marL="2971800" indent="-228600" eaLnBrk="0" fontAlgn="base" hangingPunct="0">
+              <a:spcBef>
+                <a:spcPct val="0"/>
+              </a:spcBef>
+              <a:spcAft>
+                <a:spcPct val="0"/>
+              </a:spcAft>
+              <a:defRPr sz="2000">
+                <a:solidFill>
+                  <a:srgbClr val="FFFFFF"/>
+                </a:solidFill>
+                <a:latin typeface="Gill Sans" charset="0"/>
+                <a:ea typeface="ヒラギノ角ゴ ProN W3" charset="-128"/>
+                <a:sym typeface="Gill Sans" charset="0"/>
+              </a:defRPr>
+            </a:lvl7pPr>
+            <a:lvl8pPr marL="3429000" indent="-228600" eaLnBrk="0" fontAlgn="base" hangingPunct="0">
+              <a:spcBef>
+                <a:spcPct val="0"/>
+              </a:spcBef>
+              <a:spcAft>
+                <a:spcPct val="0"/>
+              </a:spcAft>
+              <a:defRPr sz="2000">
+                <a:solidFill>
+                  <a:srgbClr val="FFFFFF"/>
+                </a:solidFill>
+                <a:latin typeface="Gill Sans" charset="0"/>
+                <a:ea typeface="ヒラギノ角ゴ ProN W3" charset="-128"/>
+                <a:sym typeface="Gill Sans" charset="0"/>
+              </a:defRPr>
+            </a:lvl8pPr>
+            <a:lvl9pPr marL="3886200" indent="-228600" eaLnBrk="0" fontAlgn="base" hangingPunct="0">
+              <a:spcBef>
+                <a:spcPct val="0"/>
+              </a:spcBef>
+              <a:spcAft>
+                <a:spcPct val="0"/>
+              </a:spcAft>
+              <a:defRPr sz="2000">
+                <a:solidFill>
+                  <a:srgbClr val="FFFFFF"/>
+                </a:solidFill>
+                <a:latin typeface="Gill Sans" charset="0"/>
+                <a:ea typeface="ヒラギノ角ゴ ProN W3" charset="-128"/>
+                <a:sym typeface="Gill Sans" charset="0"/>
+              </a:defRPr>
+            </a:lvl9pPr>
+          </a:lstStyle>
+          <a:p>
+            <a:pPr algn="ctr" eaLnBrk="1" hangingPunct="1"/>
+            <a:r>
+              <a:rPr lang="en-US" altLang="x-none" sz="1200" dirty="0">
+                <a:solidFill>
+                  <a:srgbClr val="FFCC66"/>
+                </a:solidFill>
+                <a:latin typeface="Helvetica" charset="0"/>
+                <a:ea typeface="ＭＳ Ｐゴシック" charset="-128"/>
+                <a:sym typeface="Helvetica" charset="0"/>
+              </a:rPr>
+              <a:t>Continue new Contributors and Translators here</a:t>
+            </a:r>
+          </a:p>
+          <a:p>
+            <a:pPr algn="ctr" eaLnBrk="1" hangingPunct="1"/>
+            <a:endParaRPr lang="en-US" altLang="x-none" sz="1200" dirty="0">
+              <a:solidFill>
+                <a:schemeClr val="tx1"/>
+              </a:solidFill>
+              <a:latin typeface="Helvetica" charset="0"/>
+              <a:ea typeface="ＭＳ Ｐゴシック" charset="-128"/>
+              <a:sym typeface="Helvetica" charset="0"/>
+            </a:endParaRPr>
+          </a:p>
+          <a:p>
+            <a:pPr algn="ctr" eaLnBrk="1" hangingPunct="1"/>
+            <a:endParaRPr lang="en-US" altLang="x-none" sz="1200" dirty="0">
+              <a:solidFill>
+                <a:schemeClr val="tx1"/>
+              </a:solidFill>
+              <a:latin typeface="Helvetica" charset="0"/>
+              <a:ea typeface="ＭＳ Ｐゴシック" charset="-128"/>
+              <a:sym typeface="Helvetica" charset="0"/>
+            </a:endParaRPr>
+          </a:p>
+          <a:p>
+            <a:pPr algn="ctr" eaLnBrk="1" hangingPunct="1"/>
+            <a:endParaRPr lang="en-US" altLang="x-none" sz="1200" dirty="0">
+              <a:solidFill>
+                <a:schemeClr val="tx1"/>
+              </a:solidFill>
+              <a:latin typeface="Helvetica" charset="0"/>
+              <a:ea typeface="ＭＳ Ｐゴシック" charset="-128"/>
+              <a:sym typeface="Helvetica" charset="0"/>
+            </a:endParaRPr>
+          </a:p>
+          <a:p>
+            <a:pPr algn="ctr" eaLnBrk="1" hangingPunct="1"/>
+            <a:endParaRPr lang="en-US" altLang="x-none" sz="1200" dirty="0">
+              <a:solidFill>
+                <a:schemeClr val="tx1"/>
+              </a:solidFill>
+              <a:latin typeface="Helvetica" charset="0"/>
+              <a:ea typeface="ＭＳ Ｐゴシック" charset="-128"/>
+              <a:sym typeface="Helvetica" charset="0"/>
+            </a:endParaRPr>
+          </a:p>
+          <a:p>
+            <a:pPr algn="ctr" eaLnBrk="1" hangingPunct="1"/>
+            <a:endParaRPr lang="en-US" altLang="x-none" sz="1200" dirty="0">
+              <a:solidFill>
+                <a:schemeClr val="tx1"/>
+              </a:solidFill>
+              <a:latin typeface="Helvetica" charset="0"/>
+              <a:ea typeface="ＭＳ Ｐゴシック" charset="-128"/>
+              <a:sym typeface="Helvetica" charset="0"/>
+            </a:endParaRPr>
+          </a:p>
+          <a:p>
+            <a:pPr algn="ctr" eaLnBrk="1" hangingPunct="1"/>
+            <a:endParaRPr lang="en-US" altLang="x-none" sz="1200" dirty="0">
+              <a:solidFill>
+                <a:schemeClr val="tx1"/>
+              </a:solidFill>
+              <a:latin typeface="Helvetica" charset="0"/>
+              <a:ea typeface="ＭＳ Ｐゴシック" charset="-128"/>
+              <a:sym typeface="Helvetica" charset="0"/>
+            </a:endParaRPr>
+          </a:p>
+          <a:p>
+            <a:pPr algn="ctr" eaLnBrk="1" hangingPunct="1"/>
+            <a:endParaRPr lang="en-US" altLang="x-none" sz="1200" dirty="0">
+              <a:solidFill>
+                <a:schemeClr val="tx1"/>
+              </a:solidFill>
+              <a:latin typeface="Helvetica" charset="0"/>
+              <a:ea typeface="ＭＳ Ｐゴシック" charset="-128"/>
+              <a:sym typeface="Helvetica" charset="0"/>
+            </a:endParaRPr>
+          </a:p>
+          <a:p>
+            <a:pPr algn="ctr" eaLnBrk="1" hangingPunct="1"/>
+            <a:endParaRPr lang="en-US" altLang="x-none" sz="1200" dirty="0">
+              <a:solidFill>
+                <a:schemeClr val="tx1"/>
+              </a:solidFill>
+              <a:latin typeface="Helvetica" charset="0"/>
+              <a:ea typeface="ＭＳ Ｐゴシック" charset="-128"/>
+              <a:sym typeface="Helvetica" charset="0"/>
+            </a:endParaRPr>
+          </a:p>
+          <a:p>
+            <a:pPr algn="ctr" eaLnBrk="1" hangingPunct="1"/>
+            <a:endParaRPr lang="en-US" altLang="x-none" sz="1200" dirty="0">
+              <a:solidFill>
+                <a:schemeClr val="tx1"/>
+              </a:solidFill>
+              <a:latin typeface="Helvetica" charset="0"/>
+              <a:ea typeface="ＭＳ Ｐゴシック" charset="-128"/>
+              <a:sym typeface="Helvetica" charset="0"/>
+            </a:endParaRPr>
+          </a:p>
+          <a:p>
+            <a:pPr algn="ctr" eaLnBrk="1" hangingPunct="1"/>
+            <a:endParaRPr lang="en-US" altLang="x-none" sz="1200" dirty="0">
+              <a:solidFill>
+                <a:schemeClr val="tx1"/>
+              </a:solidFill>
+              <a:latin typeface="Helvetica" charset="0"/>
+              <a:ea typeface="ＭＳ Ｐゴシック" charset="-128"/>
+              <a:sym typeface="Helvetica" charset="0"/>
+            </a:endParaRPr>
+          </a:p>
+          <a:p>
+            <a:pPr algn="ctr" eaLnBrk="1" hangingPunct="1"/>
+            <a:endParaRPr lang="en-US" altLang="x-none" sz="1200" dirty="0">
+              <a:solidFill>
+                <a:schemeClr val="tx1"/>
+              </a:solidFill>
+              <a:latin typeface="Helvetica" charset="0"/>
+              <a:ea typeface="ＭＳ Ｐゴシック" charset="-128"/>
+              <a:sym typeface="Helvetica" charset="0"/>
+            </a:endParaRPr>
+          </a:p>
+          <a:p>
+            <a:pPr algn="ctr" eaLnBrk="1" hangingPunct="1"/>
+            <a:endParaRPr lang="en-US" altLang="x-none" sz="1200" dirty="0">
+              <a:solidFill>
+                <a:schemeClr val="tx1"/>
+              </a:solidFill>
+              <a:latin typeface="Helvetica" charset="0"/>
+              <a:ea typeface="ＭＳ Ｐゴシック" charset="-128"/>
+              <a:sym typeface="Helvetica" charset="0"/>
+            </a:endParaRPr>
+          </a:p>
+          <a:p>
+            <a:pPr algn="ctr" eaLnBrk="1" hangingPunct="1"/>
+            <a:endParaRPr lang="en-US" altLang="x-none" sz="1200" dirty="0">
+              <a:solidFill>
+                <a:schemeClr val="tx1"/>
+              </a:solidFill>
+              <a:latin typeface="Helvetica" charset="0"/>
+              <a:ea typeface="ＭＳ Ｐゴシック" charset="-128"/>
+              <a:sym typeface="Helvetica" charset="0"/>
+            </a:endParaRPr>
+          </a:p>
+          <a:p>
+            <a:pPr algn="ctr" eaLnBrk="1" hangingPunct="1"/>
+            <a:endParaRPr lang="en-US" altLang="x-none" sz="1200" dirty="0">
+              <a:solidFill>
+                <a:schemeClr val="tx1"/>
+              </a:solidFill>
+              <a:latin typeface="Helvetica" charset="0"/>
+              <a:ea typeface="ＭＳ Ｐゴシック" charset="-128"/>
+              <a:sym typeface="Helvetica" charset="0"/>
+            </a:endParaRPr>
+          </a:p>
+          <a:p>
+            <a:pPr algn="ctr" eaLnBrk="1" hangingPunct="1"/>
+            <a:endParaRPr lang="en-US" altLang="x-none" sz="1200" dirty="0">
+              <a:solidFill>
+                <a:schemeClr val="tx1"/>
+              </a:solidFill>
+              <a:latin typeface="Helvetica" charset="0"/>
+              <a:ea typeface="ＭＳ Ｐゴシック" charset="-128"/>
+              <a:sym typeface="Helvetica" charset="0"/>
+            </a:endParaRPr>
+          </a:p>
+          <a:p>
+            <a:pPr algn="ctr" eaLnBrk="1" hangingPunct="1"/>
+            <a:endParaRPr lang="en-US" altLang="x-none" sz="1200" dirty="0">
+              <a:solidFill>
+                <a:schemeClr val="tx1"/>
+              </a:solidFill>
+              <a:latin typeface="Helvetica" charset="0"/>
+              <a:ea typeface="ＭＳ Ｐゴシック" charset="-128"/>
+              <a:sym typeface="Helvetica" charset="0"/>
+            </a:endParaRPr>
+          </a:p>
+          <a:p>
+            <a:pPr algn="ctr" eaLnBrk="1" hangingPunct="1"/>
+            <a:endParaRPr lang="en-US" altLang="x-none" sz="1200" dirty="0">
+              <a:solidFill>
+                <a:schemeClr val="tx1"/>
+              </a:solidFill>
+              <a:latin typeface="Helvetica" charset="0"/>
+              <a:ea typeface="ＭＳ Ｐゴシック" charset="-128"/>
+              <a:sym typeface="Helvetica" charset="0"/>
+            </a:endParaRPr>
+          </a:p>
+          <a:p>
+            <a:pPr algn="ctr" eaLnBrk="1" hangingPunct="1"/>
+            <a:endParaRPr lang="en-US" altLang="x-none" sz="1200" dirty="0">
+              <a:solidFill>
+                <a:schemeClr val="tx1"/>
+              </a:solidFill>
+              <a:latin typeface="Helvetica" charset="0"/>
+              <a:ea typeface="ＭＳ Ｐゴシック" charset="-128"/>
+              <a:sym typeface="Helvetica" charset="0"/>
+            </a:endParaRPr>
+          </a:p>
+          <a:p>
+            <a:pPr algn="ctr" eaLnBrk="1" hangingPunct="1"/>
+            <a:endParaRPr lang="en-US" altLang="x-none" sz="1200" dirty="0">
+              <a:solidFill>
+                <a:schemeClr val="tx1"/>
+              </a:solidFill>
+              <a:latin typeface="Helvetica" charset="0"/>
+              <a:ea typeface="ＭＳ Ｐゴシック" charset="-128"/>
+              <a:sym typeface="Helvetica" charset="0"/>
+            </a:endParaRPr>
+          </a:p>
+          <a:p>
+            <a:pPr algn="ctr" eaLnBrk="1" hangingPunct="1"/>
+            <a:endParaRPr lang="en-US" altLang="x-none" sz="1200" dirty="0">
+              <a:solidFill>
+                <a:schemeClr val="tx1"/>
+              </a:solidFill>
+              <a:latin typeface="Helvetica" charset="0"/>
+              <a:ea typeface="ＭＳ Ｐゴシック" charset="-128"/>
+              <a:sym typeface="Helvetica" charset="0"/>
+            </a:endParaRPr>
+          </a:p>
+          <a:p>
+            <a:pPr algn="ctr" eaLnBrk="1" hangingPunct="1"/>
+            <a:endParaRPr lang="en-US" altLang="x-none" sz="1200" dirty="0">
+              <a:solidFill>
+                <a:schemeClr val="tx1"/>
+              </a:solidFill>
+              <a:latin typeface="Helvetica" charset="0"/>
+              <a:ea typeface="ＭＳ Ｐゴシック" charset="-128"/>
+              <a:sym typeface="Helvetica" charset="0"/>
+            </a:endParaRPr>
+          </a:p>
+          <a:p>
+            <a:pPr algn="ctr" eaLnBrk="1" hangingPunct="1"/>
+            <a:endParaRPr lang="en-US" altLang="x-none" sz="1200" dirty="0">
+              <a:solidFill>
+                <a:schemeClr val="tx1"/>
+              </a:solidFill>
+              <a:latin typeface="Helvetica" charset="0"/>
+              <a:ea typeface="ＭＳ Ｐゴシック" charset="-128"/>
+              <a:sym typeface="Helvetica" charset="0"/>
+            </a:endParaRPr>
+          </a:p>
+          <a:p>
+            <a:pPr algn="ctr" eaLnBrk="1" hangingPunct="1"/>
+            <a:endParaRPr lang="en-US" altLang="x-none" sz="1200" dirty="0">
+              <a:solidFill>
+                <a:schemeClr val="tx1"/>
+              </a:solidFill>
+              <a:latin typeface="Helvetica" charset="0"/>
+              <a:ea typeface="ＭＳ Ｐゴシック" charset="-128"/>
+              <a:sym typeface="Helvetica" charset="0"/>
+            </a:endParaRPr>
+          </a:p>
+          <a:p>
+            <a:pPr algn="ctr" eaLnBrk="1" hangingPunct="1"/>
+            <a:endParaRPr lang="en-US" altLang="x-none" sz="1200" dirty="0">
+              <a:solidFill>
+                <a:schemeClr val="tx1"/>
+              </a:solidFill>
+              <a:latin typeface="Helvetica" charset="0"/>
+              <a:ea typeface="ＭＳ Ｐゴシック" charset="-128"/>
+              <a:sym typeface="Helvetica" charset="0"/>
+            </a:endParaRPr>
+          </a:p>
+          <a:p>
+            <a:pPr algn="ctr" eaLnBrk="1" hangingPunct="1"/>
+            <a:endParaRPr lang="en-US" altLang="x-none" sz="1200" dirty="0">
+              <a:solidFill>
+                <a:schemeClr val="tx1"/>
+              </a:solidFill>
+              <a:latin typeface="Helvetica" charset="0"/>
+              <a:ea typeface="ＭＳ Ｐゴシック" charset="-128"/>
+              <a:sym typeface="Helvetica" charset="0"/>
+            </a:endParaRPr>
+          </a:p>
+        </p:txBody>
+      </p:sp>
+    </p:spTree>
+    <p:extLst>
+      <p:ext uri="{BB962C8B-B14F-4D97-AF65-F5344CB8AC3E}">
+        <p14:creationId xmlns:p14="http://schemas.microsoft.com/office/powerpoint/2010/main" val="1048975579"/>
+      </p:ext>
+    </p:extLst>
+  </p:cSld>
+  <p:clrMapOvr>
+    <a:masterClrMapping/>
+  </p:clrMapOvr>
+</p:sld>
+</file>
+
 <file path=ppt/slides/slide2.xml><?xml version="1.0" encoding="utf-8"?>
 <p:sld xmlns:a="http://schemas.openxmlformats.org/drawingml/2006/main" xmlns:r="http://schemas.openxmlformats.org/officeDocument/2006/relationships" xmlns:p="http://schemas.openxmlformats.org/presentationml/2006/main">
   <p:cSld>
@@ -3825,6 +11165,158 @@
   <p:clrMapOvr>
     <a:masterClrMapping/>
   </p:clrMapOvr>
+</p:sld>
+</file>
+
+<file path=ppt/slides/slide20.xml><?xml version="1.0" encoding="utf-8"?>
+<p:sld xmlns:a="http://schemas.openxmlformats.org/drawingml/2006/main" xmlns:r="http://schemas.openxmlformats.org/officeDocument/2006/relationships" xmlns:p="http://schemas.openxmlformats.org/presentationml/2006/main">
+  <p:cSld>
+    <p:spTree>
+      <p:nvGrpSpPr>
+        <p:cNvPr id="1" name=""/>
+        <p:cNvGrpSpPr/>
+        <p:nvPr/>
+      </p:nvGrpSpPr>
+      <p:grpSpPr>
+        <a:xfrm>
+          <a:off x="0" y="0"/>
+          <a:ext cx="0" cy="0"/>
+          <a:chOff x="0" y="0"/>
+          <a:chExt cx="0" cy="0"/>
+        </a:xfrm>
+      </p:grpSpPr>
+      <p:sp>
+        <p:nvSpPr>
+          <p:cNvPr id="25601" name="Title 1"/>
+          <p:cNvSpPr>
+            <a:spLocks noGrp="1"/>
+          </p:cNvSpPr>
+          <p:nvPr>
+            <p:ph type="title"/>
+          </p:nvPr>
+        </p:nvSpPr>
+        <p:spPr>
+          <a:xfrm>
+            <a:off x="1132418" y="640387"/>
+            <a:ext cx="9927167" cy="714279"/>
+          </a:xfrm>
+        </p:spPr>
+        <p:txBody>
+          <a:bodyPr/>
+          <a:lstStyle/>
+          <a:p>
+            <a:r>
+              <a:rPr lang="en-US" altLang="en-US" sz="3733" dirty="0">
+                <a:solidFill>
+                  <a:srgbClr val="00FF00"/>
+                </a:solidFill>
+              </a:rPr>
+              <a:t>Additional Source Information</a:t>
+            </a:r>
+          </a:p>
+        </p:txBody>
+      </p:sp>
+      <p:sp>
+        <p:nvSpPr>
+          <p:cNvPr id="25602" name="Content Placeholder 2"/>
+          <p:cNvSpPr>
+            <a:spLocks noGrp="1"/>
+          </p:cNvSpPr>
+          <p:nvPr>
+            <p:ph idx="1"/>
+          </p:nvPr>
+        </p:nvSpPr>
+        <p:spPr>
+          <a:xfrm>
+            <a:off x="1132418" y="1498600"/>
+            <a:ext cx="9927167" cy="4464051"/>
+          </a:xfrm>
+        </p:spPr>
+        <p:txBody>
+          <a:bodyPr anchor="t">
+            <a:normAutofit/>
+          </a:bodyPr>
+          <a:lstStyle/>
+          <a:p>
+            <a:pPr algn="l">
+              <a:buFontTx/>
+              <a:buChar char="•"/>
+            </a:pPr>
+            <a:r>
+              <a:rPr lang="en-US" altLang="en-US" sz="1600" dirty="0"/>
+              <a:t>Snowman Cookie Cutter" by </a:t>
+            </a:r>
+            <a:r>
+              <a:rPr lang="en-US" altLang="en-US" sz="1600" dirty="0" err="1"/>
+              <a:t>Didriks</a:t>
+            </a:r>
+            <a:r>
+              <a:rPr lang="en-US" altLang="en-US" sz="1600" dirty="0"/>
+              <a:t> is licensed under CC BY</a:t>
+            </a:r>
+            <a:br>
+              <a:rPr lang="en-US" altLang="en-US" sz="1600" dirty="0"/>
+            </a:br>
+            <a:r>
+              <a:rPr lang="en-US" altLang="en-US" sz="1600" dirty="0">
+                <a:hlinkClick r:id="rId2"/>
+              </a:rPr>
+              <a:t>https://</a:t>
+            </a:r>
+            <a:r>
+              <a:rPr lang="en-US" altLang="en-US" sz="1600" dirty="0" smtClean="0">
+                <a:hlinkClick r:id="rId2"/>
+              </a:rPr>
+              <a:t>www.flickr.com/photos/dinnerseries/23570475099</a:t>
+            </a:r>
+            <a:endParaRPr lang="en-US" altLang="en-US" sz="1600" dirty="0" smtClean="0"/>
+          </a:p>
+          <a:p>
+            <a:pPr>
+              <a:buFontTx/>
+              <a:buChar char="•"/>
+            </a:pPr>
+            <a:r>
+              <a:rPr lang="en-US" altLang="en-US" sz="1600" dirty="0" smtClean="0"/>
+              <a:t>Portions of the text of these slides is adapted from the text </a:t>
+            </a:r>
+            <a:r>
+              <a:rPr lang="en-US" altLang="en-US" sz="1600" dirty="0" smtClean="0">
+                <a:hlinkClick r:id="rId3"/>
+              </a:rPr>
+              <a:t>www.djangoproject.org</a:t>
+            </a:r>
+            <a:r>
+              <a:rPr lang="en-US" altLang="en-US" sz="1600" dirty="0" smtClean="0"/>
+              <a:t> web site.  Those slides which use text from that site have a reference to the original text on that site. </a:t>
+            </a:r>
+            <a:r>
+              <a:rPr lang="en-US" sz="1600" dirty="0"/>
+              <a:t>Django is licensed under the three-clause </a:t>
+            </a:r>
+            <a:r>
+              <a:rPr lang="en-US" sz="1600"/>
+              <a:t>BSD </a:t>
+            </a:r>
+            <a:r>
+              <a:rPr lang="en-US" sz="1600" smtClean="0"/>
+              <a:t>license.</a:t>
+            </a:r>
+            <a:endParaRPr lang="en-US" altLang="en-US" sz="1600" dirty="0"/>
+          </a:p>
+        </p:txBody>
+      </p:sp>
+    </p:spTree>
+    <p:extLst>
+      <p:ext uri="{BB962C8B-B14F-4D97-AF65-F5344CB8AC3E}">
+        <p14:creationId xmlns:p14="http://schemas.microsoft.com/office/powerpoint/2010/main" val="468305124"/>
+      </p:ext>
+    </p:extLst>
+  </p:cSld>
+  <p:clrMapOvr>
+    <a:masterClrMapping/>
+  </p:clrMapOvr>
+  <p:transition spd="slow"/>
 </p:sld>
 </file>
 
@@ -6631,6 +14123,14 @@
 <file path=ppt/slides/slide7.xml><?xml version="1.0" encoding="utf-8"?>
 <p:sld xmlns:a="http://schemas.openxmlformats.org/drawingml/2006/main" xmlns:r="http://schemas.openxmlformats.org/officeDocument/2006/relationships" xmlns:p="http://schemas.openxmlformats.org/presentationml/2006/main">
   <p:cSld>
+    <p:bg>
+      <p:bgPr>
+        <a:solidFill>
+          <a:schemeClr val="bg1"/>
+        </a:solidFill>
+        <a:effectLst/>
+      </p:bgPr>
+    </p:bg>
     <p:spTree>
       <p:nvGrpSpPr>
         <p:cNvPr id="1" name=""/>
@@ -6645,26 +14145,117 @@
           <a:chExt cx="0" cy="0"/>
         </a:xfrm>
       </p:grpSpPr>
+      <p:pic>
+        <p:nvPicPr>
+          <p:cNvPr id="4" name="Picture 3" descr="Cat List&#10;&#10;    Sophie&#10;    Frankie&#10;" title="Screen shot of https://samples.dj4e.com/gview/cats">
+            <a:hlinkClick r:id="rId2"/>
+          </p:cNvPr>
+          <p:cNvPicPr>
+            <a:picLocks noChangeAspect="1"/>
+          </p:cNvPicPr>
+          <p:nvPr/>
+        </p:nvPicPr>
+        <p:blipFill>
+          <a:blip r:embed="rId3">
+            <a:extLst>
+              <a:ext uri="{28A0092B-C50C-407E-A947-70E740481C1C}">
+                <a14:useLocalDpi xmlns:a14="http://schemas.microsoft.com/office/drawing/2010/main" val="0"/>
+              </a:ext>
+            </a:extLst>
+          </a:blip>
+          <a:stretch>
+            <a:fillRect/>
+          </a:stretch>
+        </p:blipFill>
+        <p:spPr>
+          <a:xfrm>
+            <a:off x="643467" y="687204"/>
+            <a:ext cx="5291666" cy="5483592"/>
+          </a:xfrm>
+          <a:prstGeom prst="rect">
+            <a:avLst/>
+          </a:prstGeom>
+        </p:spPr>
+      </p:pic>
+      <p:pic>
+        <p:nvPicPr>
+          <p:cNvPr id="5" name="Picture 4" descr="Cat Sophie&#10;&#10;Go back to list  + +And a small picture of a cat" title="Screen shot of https://samples.dj4e.com/gview/cat/1">
+            <a:hlinkClick r:id="rId4"/>
+          </p:cNvPr>
+          <p:cNvPicPr>
+            <a:picLocks noChangeAspect="1"/>
+          </p:cNvPicPr>
+          <p:nvPr/>
+        </p:nvPicPr>
+        <p:blipFill>
+          <a:blip r:embed="rId5">
+            <a:extLst>
+              <a:ext uri="{28A0092B-C50C-407E-A947-70E740481C1C}">
+                <a14:useLocalDpi xmlns:a14="http://schemas.microsoft.com/office/drawing/2010/main" val="0"/>
+              </a:ext>
+            </a:extLst>
+          </a:blip>
+          <a:stretch>
+            <a:fillRect/>
+          </a:stretch>
+        </p:blipFill>
+        <p:spPr>
+          <a:xfrm>
+            <a:off x="6256865" y="687203"/>
+            <a:ext cx="5291667" cy="5483593"/>
+          </a:xfrm>
+          <a:prstGeom prst="rect">
+            <a:avLst/>
+          </a:prstGeom>
+        </p:spPr>
+      </p:pic>
       <p:sp>
         <p:nvSpPr>
-          <p:cNvPr id="2" name="Title 1"/>
-          <p:cNvSpPr>
-            <a:spLocks noGrp="1"/>
-          </p:cNvSpPr>
-          <p:nvPr>
-            <p:ph type="title"/>
-          </p:nvPr>
+          <p:cNvPr id="2" name="Rectangle 1"/>
+          <p:cNvSpPr/>
+          <p:nvPr/>
         </p:nvSpPr>
-        <p:spPr/>
+        <p:spPr>
+          <a:xfrm>
+            <a:off x="982760" y="502537"/>
+            <a:ext cx="3682803" cy="369332"/>
+          </a:xfrm>
+          <a:prstGeom prst="rect">
+            <a:avLst/>
+          </a:prstGeom>
+        </p:spPr>
         <p:txBody>
-          <a:bodyPr/>
+          <a:bodyPr wrap="none">
+            <a:spAutoFit/>
+          </a:bodyPr>
           <a:lstStyle/>
           <a:p>
             <a:r>
-              <a:rPr lang="en-US" dirty="0" smtClean="0"/>
-              <a:t>DRY : Don't Repeat Yourself</a:t>
-            </a:r>
-            <a:endParaRPr lang="en-US" dirty="0"/>
+              <a:rPr lang="en-US" dirty="0">
+                <a:solidFill>
+                  <a:srgbClr val="FFFF00"/>
+                </a:solidFill>
+              </a:rPr>
+              <a:t>https://samples.dj4e.com/</a:t>
+            </a:r>
+            <a:r>
+              <a:rPr lang="en-US" dirty="0" err="1">
+                <a:solidFill>
+                  <a:srgbClr val="FFFF00"/>
+                </a:solidFill>
+              </a:rPr>
+              <a:t>gview</a:t>
+            </a:r>
+            <a:r>
+              <a:rPr lang="en-US" dirty="0">
+                <a:solidFill>
+                  <a:srgbClr val="FFFF00"/>
+                </a:solidFill>
+              </a:rPr>
+              <a:t>/cats</a:t>
+            </a:r>
           </a:p>
         </p:txBody>
       </p:sp>
@@ -6676,73 +14267,8 @@
         </p:nvSpPr>
         <p:spPr>
           <a:xfrm>
-            <a:off x="939800" y="1558415"/>
-            <a:ext cx="10414000" cy="3785652"/>
-          </a:xfrm>
-          <a:prstGeom prst="rect">
-            <a:avLst/>
-          </a:prstGeom>
-        </p:spPr>
-        <p:txBody>
-          <a:bodyPr wrap="square">
-            <a:spAutoFit/>
-          </a:bodyPr>
-          <a:lstStyle/>
-          <a:p>
-            <a:r>
-              <a:rPr lang="en-US" sz="2400" dirty="0"/>
-              <a:t>Don't repeat yourself (DRY, or sometimes do not repeat yourself) is a principle of software development aimed at reducing repetition of software </a:t>
-            </a:r>
-            <a:r>
-              <a:rPr lang="en-US" sz="2400" dirty="0" smtClean="0"/>
-              <a:t>patterns] </a:t>
-            </a:r>
-            <a:r>
-              <a:rPr lang="en-US" sz="2400" dirty="0"/>
-              <a:t>replacing it with abstractions or using data normalization to avoid </a:t>
-            </a:r>
-            <a:r>
-              <a:rPr lang="en-US" sz="2400" smtClean="0"/>
-              <a:t>redundancy.  </a:t>
-            </a:r>
-            <a:r>
-              <a:rPr lang="en-US" sz="2400" dirty="0" smtClean="0"/>
-              <a:t>The </a:t>
-            </a:r>
-            <a:r>
-              <a:rPr lang="en-US" sz="2400" dirty="0"/>
-              <a:t>principle has been formulated by Andy Hunt and Dave Thomas in their book The Pragmatic </a:t>
-            </a:r>
-            <a:r>
-              <a:rPr lang="en-US" sz="2400" dirty="0" smtClean="0"/>
-              <a:t>Programmer. </a:t>
-            </a:r>
-          </a:p>
-          <a:p>
-            <a:endParaRPr lang="en-US" sz="2400" dirty="0"/>
-          </a:p>
-          <a:p>
-            <a:r>
-              <a:rPr lang="en-US" sz="2400" dirty="0" smtClean="0"/>
-              <a:t>When </a:t>
-            </a:r>
-            <a:r>
-              <a:rPr lang="en-US" sz="2400" dirty="0"/>
-              <a:t>the DRY principle is applied successfully, a modification of any single element of a system does not require a change in other logically unrelated elements. Additionally, elements that are logically related all change predictably and uniformly, and are thus kept in sync. </a:t>
-            </a:r>
-          </a:p>
-        </p:txBody>
-      </p:sp>
-      <p:sp>
-        <p:nvSpPr>
-          <p:cNvPr id="4" name="Rectangle 3"/>
-          <p:cNvSpPr/>
-          <p:nvPr/>
-        </p:nvSpPr>
-        <p:spPr>
-          <a:xfrm>
-            <a:off x="6096000" y="5496464"/>
-            <a:ext cx="5475794" cy="369332"/>
+            <a:off x="6857266" y="420361"/>
+            <a:ext cx="3799823" cy="369332"/>
           </a:xfrm>
           <a:prstGeom prst="rect">
             <a:avLst/>
@@ -6760,7 +14286,7 @@
                   <a:srgbClr val="FFFF00"/>
                 </a:solidFill>
               </a:rPr>
-              <a:t>https://</a:t>
+              <a:t>https://samples.dj4e.com/</a:t>
             </a:r>
             <a:r>
               <a:rPr lang="en-US" dirty="0" err="1">
@@ -6768,7 +14294,7 @@
                   <a:srgbClr val="FFFF00"/>
                 </a:solidFill>
               </a:rPr>
-              <a:t>en.wikipedia.org</a:t>
+              <a:t>gview</a:t>
             </a:r>
             <a:r>
               <a:rPr lang="en-US" dirty="0">
@@ -6776,7 +14302,7 @@
                   <a:srgbClr val="FFFF00"/>
                 </a:solidFill>
               </a:rPr>
-              <a:t>/wiki/Don%27t_repeat_yourself</a:t>
+              <a:t>/cat/1</a:t>
             </a:r>
           </a:p>
         </p:txBody>
@@ -6784,7 +14310,7 @@
     </p:spTree>
     <p:extLst>
       <p:ext uri="{BB962C8B-B14F-4D97-AF65-F5344CB8AC3E}">
-        <p14:creationId xmlns:p14="http://schemas.microsoft.com/office/powerpoint/2010/main" val="1597018167"/>
+        <p14:creationId xmlns:p14="http://schemas.microsoft.com/office/powerpoint/2010/main" val="3846871323"/>
       </p:ext>
     </p:extLst>
   </p:cSld>
@@ -6813,9 +14339,9 @@
       </p:grpSpPr>
       <p:sp>
         <p:nvSpPr>
-          <p:cNvPr id="27649" name="Rectangle 1"/>
+          <p:cNvPr id="3" name="Title 2"/>
           <p:cNvSpPr>
-            <a:spLocks noGrp="1" noChangeArrowheads="1"/>
+            <a:spLocks noGrp="1"/>
           </p:cNvSpPr>
           <p:nvPr>
             <p:ph type="title"/>
@@ -6826,28 +14352,30 @@
           <a:bodyPr/>
           <a:lstStyle/>
           <a:p>
-            <a:pPr eaLnBrk="1" hangingPunct="1">
-              <a:defRPr/>
-            </a:pPr>
-            <a:r>
-              <a:rPr lang="en-US" altLang="x-none" dirty="0">
-                <a:solidFill>
-                  <a:srgbClr val="FFFF00"/>
-                </a:solidFill>
-              </a:rPr>
-              <a:t>Summary</a:t>
-            </a:r>
+            <a:r>
+              <a:rPr lang="en-US" dirty="0" smtClean="0"/>
+              <a:t>Generic Views </a:t>
+            </a:r>
+            <a:r>
+              <a:rPr lang="mr-IN" dirty="0" smtClean="0"/>
+              <a:t>–</a:t>
+            </a:r>
+            <a:r>
+              <a:rPr lang="en-US" dirty="0" smtClean="0"/>
+              <a:t> List / Detail</a:t>
+            </a:r>
+            <a:endParaRPr lang="en-US" dirty="0"/>
           </a:p>
         </p:txBody>
       </p:sp>
       <p:sp>
         <p:nvSpPr>
-          <p:cNvPr id="2" name="Content Placeholder 1"/>
+          <p:cNvPr id="4" name="Text Placeholder 3"/>
           <p:cNvSpPr>
             <a:spLocks noGrp="1"/>
           </p:cNvSpPr>
           <p:nvPr>
-            <p:ph idx="1"/>
+            <p:ph type="body" idx="1"/>
           </p:nvPr>
         </p:nvSpPr>
         <p:spPr/>
@@ -6862,7 +14390,7 @@
     </p:spTree>
     <p:extLst>
       <p:ext uri="{BB962C8B-B14F-4D97-AF65-F5344CB8AC3E}">
-        <p14:creationId xmlns:p14="http://schemas.microsoft.com/office/powerpoint/2010/main" val="188513069"/>
+        <p14:creationId xmlns:p14="http://schemas.microsoft.com/office/powerpoint/2010/main" val="370475245"/>
       </p:ext>
     </p:extLst>
   </p:cSld>
@@ -6891,718 +14419,1291 @@
       </p:grpSpPr>
       <p:sp>
         <p:nvSpPr>
-          <p:cNvPr id="4" name="Title 3"/>
-          <p:cNvSpPr>
-            <a:spLocks noGrp="1"/>
-          </p:cNvSpPr>
-          <p:nvPr>
-            <p:ph type="title"/>
-          </p:nvPr>
+          <p:cNvPr id="4" name="Rectangle 3"/>
+          <p:cNvSpPr/>
+          <p:nvPr/>
         </p:nvSpPr>
-        <p:spPr/>
+        <p:spPr>
+          <a:xfrm>
+            <a:off x="671513" y="1013513"/>
+            <a:ext cx="10787062" cy="4801314"/>
+          </a:xfrm>
+          <a:prstGeom prst="rect">
+            <a:avLst/>
+          </a:prstGeom>
+          <a:solidFill>
+            <a:schemeClr val="tx1"/>
+          </a:solidFill>
+        </p:spPr>
         <p:txBody>
-          <a:bodyPr/>
+          <a:bodyPr wrap="square">
+            <a:spAutoFit/>
+          </a:bodyPr>
           <a:lstStyle/>
           <a:p>
             <a:r>
-              <a:rPr lang="en-US" dirty="0"/>
-              <a:t>Acknowledgements / Contributions</a:t>
-            </a:r>
+              <a:rPr lang="en-US" dirty="0">
+                <a:solidFill>
+                  <a:srgbClr val="C814C9"/>
+                </a:solidFill>
+                <a:latin typeface="Courier" charset="0"/>
+                <a:ea typeface="Courier" charset="0"/>
+                <a:cs typeface="Courier" charset="0"/>
+              </a:rPr>
+              <a:t>from</a:t>
+            </a:r>
+            <a:r>
+              <a:rPr lang="en-US" dirty="0">
+                <a:solidFill>
+                  <a:srgbClr val="000000"/>
+                </a:solidFill>
+                <a:latin typeface="Courier" charset="0"/>
+                <a:ea typeface="Courier" charset="0"/>
+                <a:cs typeface="Courier" charset="0"/>
+              </a:rPr>
+              <a:t> </a:t>
+            </a:r>
+            <a:r>
+              <a:rPr lang="en-US" dirty="0" err="1">
+                <a:solidFill>
+                  <a:srgbClr val="000000"/>
+                </a:solidFill>
+                <a:latin typeface="Courier" charset="0"/>
+                <a:ea typeface="Courier" charset="0"/>
+                <a:cs typeface="Courier" charset="0"/>
+              </a:rPr>
+              <a:t>django.urls</a:t>
+            </a:r>
+            <a:r>
+              <a:rPr lang="en-US" dirty="0">
+                <a:solidFill>
+                  <a:srgbClr val="000000"/>
+                </a:solidFill>
+                <a:latin typeface="Courier" charset="0"/>
+                <a:ea typeface="Courier" charset="0"/>
+                <a:cs typeface="Courier" charset="0"/>
+              </a:rPr>
+              <a:t> </a:t>
+            </a:r>
+            <a:r>
+              <a:rPr lang="en-US" dirty="0">
+                <a:solidFill>
+                  <a:srgbClr val="C814C9"/>
+                </a:solidFill>
+                <a:latin typeface="Courier" charset="0"/>
+                <a:ea typeface="Courier" charset="0"/>
+                <a:cs typeface="Courier" charset="0"/>
+              </a:rPr>
+              <a:t>import</a:t>
+            </a:r>
+            <a:r>
+              <a:rPr lang="en-US" dirty="0">
+                <a:solidFill>
+                  <a:srgbClr val="000000"/>
+                </a:solidFill>
+                <a:latin typeface="Courier" charset="0"/>
+                <a:ea typeface="Courier" charset="0"/>
+                <a:cs typeface="Courier" charset="0"/>
+              </a:rPr>
+              <a:t> path</a:t>
+            </a:r>
+          </a:p>
+          <a:p>
+            <a:r>
+              <a:rPr lang="en-US" dirty="0">
+                <a:solidFill>
+                  <a:srgbClr val="C814C9"/>
+                </a:solidFill>
+                <a:latin typeface="Courier" charset="0"/>
+                <a:ea typeface="Courier" charset="0"/>
+                <a:cs typeface="Courier" charset="0"/>
+              </a:rPr>
+              <a:t>from</a:t>
+            </a:r>
+            <a:r>
+              <a:rPr lang="en-US" dirty="0">
+                <a:solidFill>
+                  <a:srgbClr val="000000"/>
+                </a:solidFill>
+                <a:latin typeface="Courier" charset="0"/>
+                <a:ea typeface="Courier" charset="0"/>
+                <a:cs typeface="Courier" charset="0"/>
+              </a:rPr>
+              <a:t> . </a:t>
+            </a:r>
+            <a:r>
+              <a:rPr lang="en-US" dirty="0">
+                <a:solidFill>
+                  <a:srgbClr val="C814C9"/>
+                </a:solidFill>
+                <a:latin typeface="Courier" charset="0"/>
+                <a:ea typeface="Courier" charset="0"/>
+                <a:cs typeface="Courier" charset="0"/>
+              </a:rPr>
+              <a:t>import</a:t>
+            </a:r>
+            <a:r>
+              <a:rPr lang="en-US" dirty="0">
+                <a:solidFill>
+                  <a:srgbClr val="000000"/>
+                </a:solidFill>
+                <a:latin typeface="Courier" charset="0"/>
+                <a:ea typeface="Courier" charset="0"/>
+                <a:cs typeface="Courier" charset="0"/>
+              </a:rPr>
+              <a:t> views</a:t>
+            </a:r>
+          </a:p>
+          <a:p>
+            <a:r>
+              <a:rPr lang="en-US" dirty="0">
+                <a:solidFill>
+                  <a:srgbClr val="C814C9"/>
+                </a:solidFill>
+                <a:latin typeface="Courier" charset="0"/>
+                <a:ea typeface="Courier" charset="0"/>
+                <a:cs typeface="Courier" charset="0"/>
+              </a:rPr>
+              <a:t>from</a:t>
+            </a:r>
+            <a:r>
+              <a:rPr lang="en-US" dirty="0">
+                <a:solidFill>
+                  <a:srgbClr val="000000"/>
+                </a:solidFill>
+                <a:latin typeface="Courier" charset="0"/>
+                <a:ea typeface="Courier" charset="0"/>
+                <a:cs typeface="Courier" charset="0"/>
+              </a:rPr>
+              <a:t> </a:t>
+            </a:r>
+            <a:r>
+              <a:rPr lang="en-US" dirty="0" err="1">
+                <a:solidFill>
+                  <a:srgbClr val="000000"/>
+                </a:solidFill>
+                <a:latin typeface="Courier" charset="0"/>
+                <a:ea typeface="Courier" charset="0"/>
+                <a:cs typeface="Courier" charset="0"/>
+              </a:rPr>
+              <a:t>django.views.generic</a:t>
+            </a:r>
+            <a:r>
+              <a:rPr lang="en-US" dirty="0">
+                <a:solidFill>
+                  <a:srgbClr val="000000"/>
+                </a:solidFill>
+                <a:latin typeface="Courier" charset="0"/>
+                <a:ea typeface="Courier" charset="0"/>
+                <a:cs typeface="Courier" charset="0"/>
+              </a:rPr>
+              <a:t> </a:t>
+            </a:r>
+            <a:r>
+              <a:rPr lang="en-US" dirty="0">
+                <a:solidFill>
+                  <a:srgbClr val="C814C9"/>
+                </a:solidFill>
+                <a:latin typeface="Courier" charset="0"/>
+                <a:ea typeface="Courier" charset="0"/>
+                <a:cs typeface="Courier" charset="0"/>
+              </a:rPr>
+              <a:t>import</a:t>
+            </a:r>
+            <a:r>
+              <a:rPr lang="en-US" dirty="0">
+                <a:solidFill>
+                  <a:srgbClr val="000000"/>
+                </a:solidFill>
+                <a:latin typeface="Courier" charset="0"/>
+                <a:ea typeface="Courier" charset="0"/>
+                <a:cs typeface="Courier" charset="0"/>
+              </a:rPr>
+              <a:t> </a:t>
+            </a:r>
+            <a:r>
+              <a:rPr lang="en-US" dirty="0" err="1" smtClean="0">
+                <a:solidFill>
+                  <a:srgbClr val="000000"/>
+                </a:solidFill>
+                <a:latin typeface="Courier" charset="0"/>
+                <a:ea typeface="Courier" charset="0"/>
+                <a:cs typeface="Courier" charset="0"/>
+              </a:rPr>
+              <a:t>TemplateView</a:t>
+            </a:r>
+            <a:endParaRPr lang="en-US" dirty="0">
+              <a:solidFill>
+                <a:srgbClr val="000000"/>
+              </a:solidFill>
+              <a:latin typeface="Courier" charset="0"/>
+              <a:ea typeface="Courier" charset="0"/>
+              <a:cs typeface="Courier" charset="0"/>
+            </a:endParaRPr>
+          </a:p>
+          <a:p>
+            <a:r>
+              <a:rPr lang="en-US" dirty="0" err="1">
+                <a:solidFill>
+                  <a:srgbClr val="000000"/>
+                </a:solidFill>
+                <a:latin typeface="Courier" charset="0"/>
+                <a:ea typeface="Courier" charset="0"/>
+                <a:cs typeface="Courier" charset="0"/>
+              </a:rPr>
+              <a:t>app_name</a:t>
+            </a:r>
+            <a:r>
+              <a:rPr lang="en-US" dirty="0">
+                <a:solidFill>
+                  <a:srgbClr val="000000"/>
+                </a:solidFill>
+                <a:latin typeface="Courier" charset="0"/>
+                <a:ea typeface="Courier" charset="0"/>
+                <a:cs typeface="Courier" charset="0"/>
+              </a:rPr>
+              <a:t> = </a:t>
+            </a:r>
+            <a:r>
+              <a:rPr lang="en-US" dirty="0">
+                <a:solidFill>
+                  <a:srgbClr val="B42419"/>
+                </a:solidFill>
+                <a:latin typeface="Courier" charset="0"/>
+                <a:ea typeface="Courier" charset="0"/>
+                <a:cs typeface="Courier" charset="0"/>
+              </a:rPr>
+              <a:t>'</a:t>
+            </a:r>
+            <a:r>
+              <a:rPr lang="en-US" dirty="0" err="1">
+                <a:solidFill>
+                  <a:srgbClr val="B42419"/>
+                </a:solidFill>
+                <a:latin typeface="Courier" charset="0"/>
+                <a:ea typeface="Courier" charset="0"/>
+                <a:cs typeface="Courier" charset="0"/>
+              </a:rPr>
+              <a:t>gview</a:t>
+            </a:r>
+            <a:r>
+              <a:rPr lang="en-US" dirty="0">
+                <a:solidFill>
+                  <a:srgbClr val="B42419"/>
+                </a:solidFill>
+                <a:latin typeface="Courier" charset="0"/>
+                <a:ea typeface="Courier" charset="0"/>
+                <a:cs typeface="Courier" charset="0"/>
+              </a:rPr>
+              <a:t>'</a:t>
+            </a:r>
+            <a:endParaRPr lang="en-US" dirty="0">
+              <a:solidFill>
+                <a:srgbClr val="000000"/>
+              </a:solidFill>
+              <a:latin typeface="Courier" charset="0"/>
+              <a:ea typeface="Courier" charset="0"/>
+              <a:cs typeface="Courier" charset="0"/>
+            </a:endParaRPr>
+          </a:p>
+          <a:p>
+            <a:endParaRPr lang="en-US" dirty="0">
+              <a:solidFill>
+                <a:srgbClr val="000000"/>
+              </a:solidFill>
+              <a:latin typeface="Courier" charset="0"/>
+              <a:ea typeface="Courier" charset="0"/>
+              <a:cs typeface="Courier" charset="0"/>
+            </a:endParaRPr>
+          </a:p>
+          <a:p>
+            <a:r>
+              <a:rPr lang="en-US" dirty="0">
+                <a:solidFill>
+                  <a:srgbClr val="400BD9"/>
+                </a:solidFill>
+                <a:latin typeface="Courier" charset="0"/>
+                <a:ea typeface="Courier" charset="0"/>
+                <a:cs typeface="Courier" charset="0"/>
+              </a:rPr>
+              <a:t># Note use of plural for list view and singular for detail view</a:t>
+            </a:r>
+            <a:endParaRPr lang="en-US" dirty="0">
+              <a:solidFill>
+                <a:srgbClr val="000000"/>
+              </a:solidFill>
+              <a:latin typeface="Courier" charset="0"/>
+              <a:ea typeface="Courier" charset="0"/>
+              <a:cs typeface="Courier" charset="0"/>
+            </a:endParaRPr>
+          </a:p>
+          <a:p>
+            <a:r>
+              <a:rPr lang="en-US" dirty="0" err="1">
+                <a:solidFill>
+                  <a:srgbClr val="000000"/>
+                </a:solidFill>
+                <a:latin typeface="Courier" charset="0"/>
+                <a:ea typeface="Courier" charset="0"/>
+                <a:cs typeface="Courier" charset="0"/>
+              </a:rPr>
+              <a:t>urlpatterns</a:t>
+            </a:r>
+            <a:r>
+              <a:rPr lang="en-US" dirty="0">
+                <a:solidFill>
+                  <a:srgbClr val="000000"/>
+                </a:solidFill>
+                <a:latin typeface="Courier" charset="0"/>
+                <a:ea typeface="Courier" charset="0"/>
+                <a:cs typeface="Courier" charset="0"/>
+              </a:rPr>
+              <a:t> = [</a:t>
+            </a:r>
+          </a:p>
+          <a:p>
+            <a:r>
+              <a:rPr lang="en-US" dirty="0">
+                <a:solidFill>
+                  <a:srgbClr val="000000"/>
+                </a:solidFill>
+                <a:latin typeface="Courier" charset="0"/>
+                <a:ea typeface="Courier" charset="0"/>
+                <a:cs typeface="Courier" charset="0"/>
+              </a:rPr>
+              <a:t>    path(</a:t>
+            </a:r>
+            <a:r>
+              <a:rPr lang="en-US" dirty="0">
+                <a:solidFill>
+                  <a:srgbClr val="B42419"/>
+                </a:solidFill>
+                <a:latin typeface="Courier" charset="0"/>
+                <a:ea typeface="Courier" charset="0"/>
+                <a:cs typeface="Courier" charset="0"/>
+              </a:rPr>
+              <a:t>''</a:t>
+            </a:r>
+            <a:r>
+              <a:rPr lang="en-US" dirty="0">
+                <a:solidFill>
+                  <a:srgbClr val="000000"/>
+                </a:solidFill>
+                <a:latin typeface="Courier" charset="0"/>
+                <a:ea typeface="Courier" charset="0"/>
+                <a:cs typeface="Courier" charset="0"/>
+              </a:rPr>
+              <a:t>, </a:t>
+            </a:r>
+            <a:r>
+              <a:rPr lang="en-US" dirty="0" err="1">
+                <a:solidFill>
+                  <a:srgbClr val="000000"/>
+                </a:solidFill>
+                <a:latin typeface="Courier" charset="0"/>
+                <a:ea typeface="Courier" charset="0"/>
+                <a:cs typeface="Courier" charset="0"/>
+              </a:rPr>
+              <a:t>TemplateView.as_view</a:t>
+            </a:r>
+            <a:r>
+              <a:rPr lang="en-US" dirty="0">
+                <a:solidFill>
+                  <a:srgbClr val="000000"/>
+                </a:solidFill>
+                <a:latin typeface="Courier" charset="0"/>
+                <a:ea typeface="Courier" charset="0"/>
+                <a:cs typeface="Courier" charset="0"/>
+              </a:rPr>
+              <a:t>(</a:t>
+            </a:r>
+            <a:r>
+              <a:rPr lang="en-US" dirty="0" err="1">
+                <a:solidFill>
+                  <a:srgbClr val="000000"/>
+                </a:solidFill>
+                <a:latin typeface="Courier" charset="0"/>
+                <a:ea typeface="Courier" charset="0"/>
+                <a:cs typeface="Courier" charset="0"/>
+              </a:rPr>
+              <a:t>template_name</a:t>
+            </a:r>
+            <a:r>
+              <a:rPr lang="en-US" dirty="0">
+                <a:solidFill>
+                  <a:srgbClr val="000000"/>
+                </a:solidFill>
+                <a:latin typeface="Courier" charset="0"/>
+                <a:ea typeface="Courier" charset="0"/>
+                <a:cs typeface="Courier" charset="0"/>
+              </a:rPr>
+              <a:t>=</a:t>
+            </a:r>
+            <a:r>
+              <a:rPr lang="en-US" dirty="0">
+                <a:solidFill>
+                  <a:srgbClr val="B42419"/>
+                </a:solidFill>
+                <a:latin typeface="Courier" charset="0"/>
+                <a:ea typeface="Courier" charset="0"/>
+                <a:cs typeface="Courier" charset="0"/>
+              </a:rPr>
+              <a:t>'</a:t>
+            </a:r>
+            <a:r>
+              <a:rPr lang="en-US" dirty="0" err="1">
+                <a:solidFill>
+                  <a:srgbClr val="B42419"/>
+                </a:solidFill>
+                <a:latin typeface="Courier" charset="0"/>
+                <a:ea typeface="Courier" charset="0"/>
+                <a:cs typeface="Courier" charset="0"/>
+              </a:rPr>
+              <a:t>gview</a:t>
+            </a:r>
+            <a:r>
+              <a:rPr lang="en-US" dirty="0">
+                <a:solidFill>
+                  <a:srgbClr val="B42419"/>
+                </a:solidFill>
+                <a:latin typeface="Courier" charset="0"/>
+                <a:ea typeface="Courier" charset="0"/>
+                <a:cs typeface="Courier" charset="0"/>
+              </a:rPr>
+              <a:t>/</a:t>
+            </a:r>
+            <a:r>
+              <a:rPr lang="en-US" dirty="0" err="1">
+                <a:solidFill>
+                  <a:srgbClr val="B42419"/>
+                </a:solidFill>
+                <a:latin typeface="Courier" charset="0"/>
+                <a:ea typeface="Courier" charset="0"/>
+                <a:cs typeface="Courier" charset="0"/>
+              </a:rPr>
+              <a:t>main.html</a:t>
+            </a:r>
+            <a:r>
+              <a:rPr lang="en-US" dirty="0">
+                <a:solidFill>
+                  <a:srgbClr val="B42419"/>
+                </a:solidFill>
+                <a:latin typeface="Courier" charset="0"/>
+                <a:ea typeface="Courier" charset="0"/>
+                <a:cs typeface="Courier" charset="0"/>
+              </a:rPr>
+              <a:t>'</a:t>
+            </a:r>
+            <a:r>
+              <a:rPr lang="en-US" dirty="0">
+                <a:solidFill>
+                  <a:srgbClr val="000000"/>
+                </a:solidFill>
+                <a:latin typeface="Courier" charset="0"/>
+                <a:ea typeface="Courier" charset="0"/>
+                <a:cs typeface="Courier" charset="0"/>
+              </a:rPr>
+              <a:t>)),</a:t>
+            </a:r>
+          </a:p>
+          <a:p>
+            <a:r>
+              <a:rPr lang="en-US" dirty="0">
+                <a:solidFill>
+                  <a:srgbClr val="000000"/>
+                </a:solidFill>
+                <a:latin typeface="Courier" charset="0"/>
+                <a:ea typeface="Courier" charset="0"/>
+                <a:cs typeface="Courier" charset="0"/>
+              </a:rPr>
+              <a:t>    path(</a:t>
+            </a:r>
+            <a:r>
+              <a:rPr lang="en-US" dirty="0">
+                <a:solidFill>
+                  <a:srgbClr val="B42419"/>
+                </a:solidFill>
+                <a:latin typeface="Courier" charset="0"/>
+                <a:ea typeface="Courier" charset="0"/>
+                <a:cs typeface="Courier" charset="0"/>
+              </a:rPr>
+              <a:t>'cats'</a:t>
+            </a:r>
+            <a:r>
+              <a:rPr lang="en-US" dirty="0">
+                <a:solidFill>
+                  <a:srgbClr val="000000"/>
+                </a:solidFill>
+                <a:latin typeface="Courier" charset="0"/>
+                <a:ea typeface="Courier" charset="0"/>
+                <a:cs typeface="Courier" charset="0"/>
+              </a:rPr>
+              <a:t>, </a:t>
+            </a:r>
+            <a:r>
+              <a:rPr lang="en-US" dirty="0" err="1">
+                <a:solidFill>
+                  <a:srgbClr val="000000"/>
+                </a:solidFill>
+                <a:latin typeface="Courier" charset="0"/>
+                <a:ea typeface="Courier" charset="0"/>
+                <a:cs typeface="Courier" charset="0"/>
+              </a:rPr>
+              <a:t>views.CatListView.as_view</a:t>
+            </a:r>
+            <a:r>
+              <a:rPr lang="en-US" dirty="0">
+                <a:solidFill>
+                  <a:srgbClr val="000000"/>
+                </a:solidFill>
+                <a:latin typeface="Courier" charset="0"/>
+                <a:ea typeface="Courier" charset="0"/>
+                <a:cs typeface="Courier" charset="0"/>
+              </a:rPr>
+              <a:t>(), name=</a:t>
+            </a:r>
+            <a:r>
+              <a:rPr lang="en-US" dirty="0">
+                <a:solidFill>
+                  <a:srgbClr val="B42419"/>
+                </a:solidFill>
+                <a:latin typeface="Courier" charset="0"/>
+                <a:ea typeface="Courier" charset="0"/>
+                <a:cs typeface="Courier" charset="0"/>
+              </a:rPr>
+              <a:t>'cats'</a:t>
+            </a:r>
+            <a:r>
+              <a:rPr lang="en-US" dirty="0">
+                <a:solidFill>
+                  <a:srgbClr val="000000"/>
+                </a:solidFill>
+                <a:latin typeface="Courier" charset="0"/>
+                <a:ea typeface="Courier" charset="0"/>
+                <a:cs typeface="Courier" charset="0"/>
+              </a:rPr>
+              <a:t>),</a:t>
+            </a:r>
+          </a:p>
+          <a:p>
+            <a:r>
+              <a:rPr lang="en-US" dirty="0">
+                <a:solidFill>
+                  <a:srgbClr val="000000"/>
+                </a:solidFill>
+                <a:latin typeface="Courier" charset="0"/>
+                <a:ea typeface="Courier" charset="0"/>
+                <a:cs typeface="Courier" charset="0"/>
+              </a:rPr>
+              <a:t>    path(</a:t>
+            </a:r>
+            <a:r>
+              <a:rPr lang="en-US" dirty="0">
+                <a:solidFill>
+                  <a:srgbClr val="B42419"/>
+                </a:solidFill>
+                <a:latin typeface="Courier" charset="0"/>
+                <a:ea typeface="Courier" charset="0"/>
+                <a:cs typeface="Courier" charset="0"/>
+              </a:rPr>
+              <a:t>'cat/&lt;</a:t>
+            </a:r>
+            <a:r>
+              <a:rPr lang="en-US" dirty="0" err="1">
+                <a:solidFill>
+                  <a:srgbClr val="B42419"/>
+                </a:solidFill>
+                <a:latin typeface="Courier" charset="0"/>
+                <a:ea typeface="Courier" charset="0"/>
+                <a:cs typeface="Courier" charset="0"/>
+              </a:rPr>
+              <a:t>int:pk_from_url</a:t>
+            </a:r>
+            <a:r>
+              <a:rPr lang="en-US" dirty="0">
+                <a:solidFill>
+                  <a:srgbClr val="B42419"/>
+                </a:solidFill>
+                <a:latin typeface="Courier" charset="0"/>
+                <a:ea typeface="Courier" charset="0"/>
+                <a:cs typeface="Courier" charset="0"/>
+              </a:rPr>
+              <a:t>&gt;'</a:t>
+            </a:r>
+            <a:r>
+              <a:rPr lang="en-US" dirty="0">
+                <a:solidFill>
+                  <a:srgbClr val="000000"/>
+                </a:solidFill>
+                <a:latin typeface="Courier" charset="0"/>
+                <a:ea typeface="Courier" charset="0"/>
+                <a:cs typeface="Courier" charset="0"/>
+              </a:rPr>
+              <a:t>, </a:t>
+            </a:r>
+            <a:r>
+              <a:rPr lang="en-US" dirty="0" err="1">
+                <a:solidFill>
+                  <a:srgbClr val="000000"/>
+                </a:solidFill>
+                <a:latin typeface="Courier" charset="0"/>
+                <a:ea typeface="Courier" charset="0"/>
+                <a:cs typeface="Courier" charset="0"/>
+              </a:rPr>
+              <a:t>views.CatDetailView.as_view</a:t>
+            </a:r>
+            <a:r>
+              <a:rPr lang="en-US" dirty="0">
+                <a:solidFill>
+                  <a:srgbClr val="000000"/>
+                </a:solidFill>
+                <a:latin typeface="Courier" charset="0"/>
+                <a:ea typeface="Courier" charset="0"/>
+                <a:cs typeface="Courier" charset="0"/>
+              </a:rPr>
+              <a:t>(), name=</a:t>
+            </a:r>
+            <a:r>
+              <a:rPr lang="en-US" dirty="0">
+                <a:solidFill>
+                  <a:srgbClr val="B42419"/>
+                </a:solidFill>
+                <a:latin typeface="Courier" charset="0"/>
+                <a:ea typeface="Courier" charset="0"/>
+                <a:cs typeface="Courier" charset="0"/>
+              </a:rPr>
+              <a:t>'cat'</a:t>
+            </a:r>
+            <a:r>
+              <a:rPr lang="en-US" dirty="0">
+                <a:solidFill>
+                  <a:srgbClr val="000000"/>
+                </a:solidFill>
+                <a:latin typeface="Courier" charset="0"/>
+                <a:ea typeface="Courier" charset="0"/>
+                <a:cs typeface="Courier" charset="0"/>
+              </a:rPr>
+              <a:t>),</a:t>
+            </a:r>
+          </a:p>
+          <a:p>
+            <a:r>
+              <a:rPr lang="en-US" dirty="0">
+                <a:solidFill>
+                  <a:srgbClr val="000000"/>
+                </a:solidFill>
+                <a:latin typeface="Courier" charset="0"/>
+                <a:ea typeface="Courier" charset="0"/>
+                <a:cs typeface="Courier" charset="0"/>
+              </a:rPr>
+              <a:t>    path(</a:t>
+            </a:r>
+            <a:r>
+              <a:rPr lang="en-US" dirty="0">
+                <a:solidFill>
+                  <a:srgbClr val="B42419"/>
+                </a:solidFill>
+                <a:latin typeface="Courier" charset="0"/>
+                <a:ea typeface="Courier" charset="0"/>
+                <a:cs typeface="Courier" charset="0"/>
+              </a:rPr>
+              <a:t>'dogs'</a:t>
+            </a:r>
+            <a:r>
+              <a:rPr lang="en-US" dirty="0">
+                <a:solidFill>
+                  <a:srgbClr val="000000"/>
+                </a:solidFill>
+                <a:latin typeface="Courier" charset="0"/>
+                <a:ea typeface="Courier" charset="0"/>
+                <a:cs typeface="Courier" charset="0"/>
+              </a:rPr>
+              <a:t>, </a:t>
+            </a:r>
+            <a:r>
+              <a:rPr lang="en-US" dirty="0" err="1">
+                <a:solidFill>
+                  <a:srgbClr val="000000"/>
+                </a:solidFill>
+                <a:latin typeface="Courier" charset="0"/>
+                <a:ea typeface="Courier" charset="0"/>
+                <a:cs typeface="Courier" charset="0"/>
+              </a:rPr>
+              <a:t>views.DogListView.as_view</a:t>
+            </a:r>
+            <a:r>
+              <a:rPr lang="en-US" dirty="0">
+                <a:solidFill>
+                  <a:srgbClr val="000000"/>
+                </a:solidFill>
+                <a:latin typeface="Courier" charset="0"/>
+                <a:ea typeface="Courier" charset="0"/>
+                <a:cs typeface="Courier" charset="0"/>
+              </a:rPr>
+              <a:t>(), name=</a:t>
+            </a:r>
+            <a:r>
+              <a:rPr lang="en-US" dirty="0">
+                <a:solidFill>
+                  <a:srgbClr val="B42419"/>
+                </a:solidFill>
+                <a:latin typeface="Courier" charset="0"/>
+                <a:ea typeface="Courier" charset="0"/>
+                <a:cs typeface="Courier" charset="0"/>
+              </a:rPr>
+              <a:t>'dogs'</a:t>
+            </a:r>
+            <a:r>
+              <a:rPr lang="en-US" dirty="0">
+                <a:solidFill>
+                  <a:srgbClr val="000000"/>
+                </a:solidFill>
+                <a:latin typeface="Courier" charset="0"/>
+                <a:ea typeface="Courier" charset="0"/>
+                <a:cs typeface="Courier" charset="0"/>
+              </a:rPr>
+              <a:t>),</a:t>
+            </a:r>
+          </a:p>
+          <a:p>
+            <a:r>
+              <a:rPr lang="en-US" dirty="0">
+                <a:solidFill>
+                  <a:srgbClr val="000000"/>
+                </a:solidFill>
+                <a:latin typeface="Courier" charset="0"/>
+                <a:ea typeface="Courier" charset="0"/>
+                <a:cs typeface="Courier" charset="0"/>
+              </a:rPr>
+              <a:t>    path(</a:t>
+            </a:r>
+            <a:r>
+              <a:rPr lang="en-US" dirty="0">
+                <a:solidFill>
+                  <a:srgbClr val="B42419"/>
+                </a:solidFill>
+                <a:latin typeface="Courier" charset="0"/>
+                <a:ea typeface="Courier" charset="0"/>
+                <a:cs typeface="Courier" charset="0"/>
+              </a:rPr>
+              <a:t>'dog/&lt;</a:t>
+            </a:r>
+            <a:r>
+              <a:rPr lang="en-US" dirty="0" err="1">
+                <a:solidFill>
+                  <a:srgbClr val="B42419"/>
+                </a:solidFill>
+                <a:latin typeface="Courier" charset="0"/>
+                <a:ea typeface="Courier" charset="0"/>
+                <a:cs typeface="Courier" charset="0"/>
+              </a:rPr>
+              <a:t>int:pk</a:t>
+            </a:r>
+            <a:r>
+              <a:rPr lang="en-US" dirty="0">
+                <a:solidFill>
+                  <a:srgbClr val="B42419"/>
+                </a:solidFill>
+                <a:latin typeface="Courier" charset="0"/>
+                <a:ea typeface="Courier" charset="0"/>
+                <a:cs typeface="Courier" charset="0"/>
+              </a:rPr>
+              <a:t>&gt;'</a:t>
+            </a:r>
+            <a:r>
+              <a:rPr lang="en-US" dirty="0">
+                <a:solidFill>
+                  <a:srgbClr val="000000"/>
+                </a:solidFill>
+                <a:latin typeface="Courier" charset="0"/>
+                <a:ea typeface="Courier" charset="0"/>
+                <a:cs typeface="Courier" charset="0"/>
+              </a:rPr>
+              <a:t>, </a:t>
+            </a:r>
+            <a:r>
+              <a:rPr lang="en-US" dirty="0" err="1">
+                <a:solidFill>
+                  <a:srgbClr val="000000"/>
+                </a:solidFill>
+                <a:latin typeface="Courier" charset="0"/>
+                <a:ea typeface="Courier" charset="0"/>
+                <a:cs typeface="Courier" charset="0"/>
+              </a:rPr>
+              <a:t>views.DogDetailView.as_view</a:t>
+            </a:r>
+            <a:r>
+              <a:rPr lang="en-US" dirty="0">
+                <a:solidFill>
+                  <a:srgbClr val="000000"/>
+                </a:solidFill>
+                <a:latin typeface="Courier" charset="0"/>
+                <a:ea typeface="Courier" charset="0"/>
+                <a:cs typeface="Courier" charset="0"/>
+              </a:rPr>
+              <a:t>(), name=</a:t>
+            </a:r>
+            <a:r>
+              <a:rPr lang="en-US" dirty="0">
+                <a:solidFill>
+                  <a:srgbClr val="B42419"/>
+                </a:solidFill>
+                <a:latin typeface="Courier" charset="0"/>
+                <a:ea typeface="Courier" charset="0"/>
+                <a:cs typeface="Courier" charset="0"/>
+              </a:rPr>
+              <a:t>'dog'</a:t>
+            </a:r>
+            <a:r>
+              <a:rPr lang="en-US" dirty="0">
+                <a:solidFill>
+                  <a:srgbClr val="000000"/>
+                </a:solidFill>
+                <a:latin typeface="Courier" charset="0"/>
+                <a:ea typeface="Courier" charset="0"/>
+                <a:cs typeface="Courier" charset="0"/>
+              </a:rPr>
+              <a:t>),</a:t>
+            </a:r>
+          </a:p>
+          <a:p>
+            <a:r>
+              <a:rPr lang="en-US" dirty="0">
+                <a:solidFill>
+                  <a:srgbClr val="000000"/>
+                </a:solidFill>
+                <a:latin typeface="Courier" charset="0"/>
+                <a:ea typeface="Courier" charset="0"/>
+                <a:cs typeface="Courier" charset="0"/>
+              </a:rPr>
+              <a:t>    path(</a:t>
+            </a:r>
+            <a:r>
+              <a:rPr lang="en-US" dirty="0">
+                <a:solidFill>
+                  <a:srgbClr val="B42419"/>
+                </a:solidFill>
+                <a:latin typeface="Courier" charset="0"/>
+                <a:ea typeface="Courier" charset="0"/>
+                <a:cs typeface="Courier" charset="0"/>
+              </a:rPr>
+              <a:t>'horses'</a:t>
+            </a:r>
+            <a:r>
+              <a:rPr lang="en-US" dirty="0">
+                <a:solidFill>
+                  <a:srgbClr val="000000"/>
+                </a:solidFill>
+                <a:latin typeface="Courier" charset="0"/>
+                <a:ea typeface="Courier" charset="0"/>
+                <a:cs typeface="Courier" charset="0"/>
+              </a:rPr>
+              <a:t>, </a:t>
+            </a:r>
+            <a:r>
+              <a:rPr lang="en-US" dirty="0" err="1">
+                <a:solidFill>
+                  <a:srgbClr val="000000"/>
+                </a:solidFill>
+                <a:latin typeface="Courier" charset="0"/>
+                <a:ea typeface="Courier" charset="0"/>
+                <a:cs typeface="Courier" charset="0"/>
+              </a:rPr>
+              <a:t>views.HorseListView.as_view</a:t>
+            </a:r>
+            <a:r>
+              <a:rPr lang="en-US" dirty="0">
+                <a:solidFill>
+                  <a:srgbClr val="000000"/>
+                </a:solidFill>
+                <a:latin typeface="Courier" charset="0"/>
+                <a:ea typeface="Courier" charset="0"/>
+                <a:cs typeface="Courier" charset="0"/>
+              </a:rPr>
+              <a:t>(), name=</a:t>
+            </a:r>
+            <a:r>
+              <a:rPr lang="en-US" dirty="0">
+                <a:solidFill>
+                  <a:srgbClr val="B42419"/>
+                </a:solidFill>
+                <a:latin typeface="Courier" charset="0"/>
+                <a:ea typeface="Courier" charset="0"/>
+                <a:cs typeface="Courier" charset="0"/>
+              </a:rPr>
+              <a:t>'horses'</a:t>
+            </a:r>
+            <a:r>
+              <a:rPr lang="en-US" dirty="0">
+                <a:solidFill>
+                  <a:srgbClr val="000000"/>
+                </a:solidFill>
+                <a:latin typeface="Courier" charset="0"/>
+                <a:ea typeface="Courier" charset="0"/>
+                <a:cs typeface="Courier" charset="0"/>
+              </a:rPr>
+              <a:t>),</a:t>
+            </a:r>
+          </a:p>
+          <a:p>
+            <a:r>
+              <a:rPr lang="en-US" dirty="0">
+                <a:solidFill>
+                  <a:srgbClr val="000000"/>
+                </a:solidFill>
+                <a:latin typeface="Courier" charset="0"/>
+                <a:ea typeface="Courier" charset="0"/>
+                <a:cs typeface="Courier" charset="0"/>
+              </a:rPr>
+              <a:t>    path(</a:t>
+            </a:r>
+            <a:r>
+              <a:rPr lang="en-US" dirty="0">
+                <a:solidFill>
+                  <a:srgbClr val="B42419"/>
+                </a:solidFill>
+                <a:latin typeface="Courier" charset="0"/>
+                <a:ea typeface="Courier" charset="0"/>
+                <a:cs typeface="Courier" charset="0"/>
+              </a:rPr>
+              <a:t>'horse/&lt;</a:t>
+            </a:r>
+            <a:r>
+              <a:rPr lang="en-US" dirty="0" err="1">
+                <a:solidFill>
+                  <a:srgbClr val="B42419"/>
+                </a:solidFill>
+                <a:latin typeface="Courier" charset="0"/>
+                <a:ea typeface="Courier" charset="0"/>
+                <a:cs typeface="Courier" charset="0"/>
+              </a:rPr>
+              <a:t>int:pk</a:t>
+            </a:r>
+            <a:r>
+              <a:rPr lang="en-US" dirty="0">
+                <a:solidFill>
+                  <a:srgbClr val="B42419"/>
+                </a:solidFill>
+                <a:latin typeface="Courier" charset="0"/>
+                <a:ea typeface="Courier" charset="0"/>
+                <a:cs typeface="Courier" charset="0"/>
+              </a:rPr>
+              <a:t>&gt;'</a:t>
+            </a:r>
+            <a:r>
+              <a:rPr lang="en-US" dirty="0">
+                <a:solidFill>
+                  <a:srgbClr val="000000"/>
+                </a:solidFill>
+                <a:latin typeface="Courier" charset="0"/>
+                <a:ea typeface="Courier" charset="0"/>
+                <a:cs typeface="Courier" charset="0"/>
+              </a:rPr>
+              <a:t>, </a:t>
+            </a:r>
+            <a:r>
+              <a:rPr lang="en-US" dirty="0" err="1">
+                <a:solidFill>
+                  <a:srgbClr val="000000"/>
+                </a:solidFill>
+                <a:latin typeface="Courier" charset="0"/>
+                <a:ea typeface="Courier" charset="0"/>
+                <a:cs typeface="Courier" charset="0"/>
+              </a:rPr>
+              <a:t>views.HorseDetailView.as_view</a:t>
+            </a:r>
+            <a:r>
+              <a:rPr lang="en-US" dirty="0">
+                <a:solidFill>
+                  <a:srgbClr val="000000"/>
+                </a:solidFill>
+                <a:latin typeface="Courier" charset="0"/>
+                <a:ea typeface="Courier" charset="0"/>
+                <a:cs typeface="Courier" charset="0"/>
+              </a:rPr>
+              <a:t>(), name=</a:t>
+            </a:r>
+            <a:r>
+              <a:rPr lang="en-US" dirty="0">
+                <a:solidFill>
+                  <a:srgbClr val="B42419"/>
+                </a:solidFill>
+                <a:latin typeface="Courier" charset="0"/>
+                <a:ea typeface="Courier" charset="0"/>
+                <a:cs typeface="Courier" charset="0"/>
+              </a:rPr>
+              <a:t>'horse'</a:t>
+            </a:r>
+            <a:r>
+              <a:rPr lang="en-US" dirty="0">
+                <a:solidFill>
+                  <a:srgbClr val="000000"/>
+                </a:solidFill>
+                <a:latin typeface="Courier" charset="0"/>
+                <a:ea typeface="Courier" charset="0"/>
+                <a:cs typeface="Courier" charset="0"/>
+              </a:rPr>
+              <a:t>),</a:t>
+            </a:r>
+          </a:p>
+          <a:p>
+            <a:r>
+              <a:rPr lang="en-US" dirty="0">
+                <a:solidFill>
+                  <a:srgbClr val="000000"/>
+                </a:solidFill>
+                <a:latin typeface="Courier" charset="0"/>
+                <a:ea typeface="Courier" charset="0"/>
+                <a:cs typeface="Courier" charset="0"/>
+              </a:rPr>
+              <a:t>    path(</a:t>
+            </a:r>
+            <a:r>
+              <a:rPr lang="en-US" dirty="0">
+                <a:solidFill>
+                  <a:srgbClr val="B42419"/>
+                </a:solidFill>
+                <a:latin typeface="Courier" charset="0"/>
+                <a:ea typeface="Courier" charset="0"/>
+                <a:cs typeface="Courier" charset="0"/>
+              </a:rPr>
+              <a:t>'cars'</a:t>
+            </a:r>
+            <a:r>
+              <a:rPr lang="en-US" dirty="0">
+                <a:solidFill>
+                  <a:srgbClr val="000000"/>
+                </a:solidFill>
+                <a:latin typeface="Courier" charset="0"/>
+                <a:ea typeface="Courier" charset="0"/>
+                <a:cs typeface="Courier" charset="0"/>
+              </a:rPr>
+              <a:t>, </a:t>
+            </a:r>
+            <a:r>
+              <a:rPr lang="en-US" dirty="0" err="1">
+                <a:solidFill>
+                  <a:srgbClr val="000000"/>
+                </a:solidFill>
+                <a:latin typeface="Courier" charset="0"/>
+                <a:ea typeface="Courier" charset="0"/>
+                <a:cs typeface="Courier" charset="0"/>
+              </a:rPr>
+              <a:t>views.CarListView.as_view</a:t>
+            </a:r>
+            <a:r>
+              <a:rPr lang="en-US" dirty="0">
+                <a:solidFill>
+                  <a:srgbClr val="000000"/>
+                </a:solidFill>
+                <a:latin typeface="Courier" charset="0"/>
+                <a:ea typeface="Courier" charset="0"/>
+                <a:cs typeface="Courier" charset="0"/>
+              </a:rPr>
+              <a:t>(), name=</a:t>
+            </a:r>
+            <a:r>
+              <a:rPr lang="en-US" dirty="0">
+                <a:solidFill>
+                  <a:srgbClr val="B42419"/>
+                </a:solidFill>
+                <a:latin typeface="Courier" charset="0"/>
+                <a:ea typeface="Courier" charset="0"/>
+                <a:cs typeface="Courier" charset="0"/>
+              </a:rPr>
+              <a:t>'cars'</a:t>
+            </a:r>
+            <a:r>
+              <a:rPr lang="en-US" dirty="0">
+                <a:solidFill>
+                  <a:srgbClr val="000000"/>
+                </a:solidFill>
+                <a:latin typeface="Courier" charset="0"/>
+                <a:ea typeface="Courier" charset="0"/>
+                <a:cs typeface="Courier" charset="0"/>
+              </a:rPr>
+              <a:t>),</a:t>
+            </a:r>
+          </a:p>
+          <a:p>
+            <a:r>
+              <a:rPr lang="en-US" dirty="0">
+                <a:solidFill>
+                  <a:srgbClr val="000000"/>
+                </a:solidFill>
+                <a:latin typeface="Courier" charset="0"/>
+                <a:ea typeface="Courier" charset="0"/>
+                <a:cs typeface="Courier" charset="0"/>
+              </a:rPr>
+              <a:t>    path(</a:t>
+            </a:r>
+            <a:r>
+              <a:rPr lang="en-US" dirty="0">
+                <a:solidFill>
+                  <a:srgbClr val="B42419"/>
+                </a:solidFill>
+                <a:latin typeface="Courier" charset="0"/>
+                <a:ea typeface="Courier" charset="0"/>
+                <a:cs typeface="Courier" charset="0"/>
+              </a:rPr>
+              <a:t>'car/&lt;</a:t>
+            </a:r>
+            <a:r>
+              <a:rPr lang="en-US" dirty="0" err="1">
+                <a:solidFill>
+                  <a:srgbClr val="B42419"/>
+                </a:solidFill>
+                <a:latin typeface="Courier" charset="0"/>
+                <a:ea typeface="Courier" charset="0"/>
+                <a:cs typeface="Courier" charset="0"/>
+              </a:rPr>
+              <a:t>int:pk</a:t>
+            </a:r>
+            <a:r>
+              <a:rPr lang="en-US" dirty="0">
+                <a:solidFill>
+                  <a:srgbClr val="B42419"/>
+                </a:solidFill>
+                <a:latin typeface="Courier" charset="0"/>
+                <a:ea typeface="Courier" charset="0"/>
+                <a:cs typeface="Courier" charset="0"/>
+              </a:rPr>
+              <a:t>&gt;'</a:t>
+            </a:r>
+            <a:r>
+              <a:rPr lang="en-US" dirty="0">
+                <a:solidFill>
+                  <a:srgbClr val="000000"/>
+                </a:solidFill>
+                <a:latin typeface="Courier" charset="0"/>
+                <a:ea typeface="Courier" charset="0"/>
+                <a:cs typeface="Courier" charset="0"/>
+              </a:rPr>
+              <a:t>, </a:t>
+            </a:r>
+            <a:r>
+              <a:rPr lang="en-US" dirty="0" err="1">
+                <a:solidFill>
+                  <a:srgbClr val="000000"/>
+                </a:solidFill>
+                <a:latin typeface="Courier" charset="0"/>
+                <a:ea typeface="Courier" charset="0"/>
+                <a:cs typeface="Courier" charset="0"/>
+              </a:rPr>
+              <a:t>views.CarDetailView.as_view</a:t>
+            </a:r>
+            <a:r>
+              <a:rPr lang="en-US" dirty="0">
+                <a:solidFill>
+                  <a:srgbClr val="000000"/>
+                </a:solidFill>
+                <a:latin typeface="Courier" charset="0"/>
+                <a:ea typeface="Courier" charset="0"/>
+                <a:cs typeface="Courier" charset="0"/>
+              </a:rPr>
+              <a:t>(), name=</a:t>
+            </a:r>
+            <a:r>
+              <a:rPr lang="en-US" dirty="0">
+                <a:solidFill>
+                  <a:srgbClr val="B42419"/>
+                </a:solidFill>
+                <a:latin typeface="Courier" charset="0"/>
+                <a:ea typeface="Courier" charset="0"/>
+                <a:cs typeface="Courier" charset="0"/>
+              </a:rPr>
+              <a:t>'car'</a:t>
+            </a:r>
+            <a:r>
+              <a:rPr lang="en-US" dirty="0">
+                <a:solidFill>
+                  <a:srgbClr val="000000"/>
+                </a:solidFill>
+                <a:latin typeface="Courier" charset="0"/>
+                <a:ea typeface="Courier" charset="0"/>
+                <a:cs typeface="Courier" charset="0"/>
+              </a:rPr>
+              <a:t>),</a:t>
+            </a:r>
+          </a:p>
+          <a:p>
+            <a:r>
+              <a:rPr lang="mr-IN" dirty="0">
+                <a:solidFill>
+                  <a:srgbClr val="000000"/>
+                </a:solidFill>
+                <a:latin typeface="Courier" charset="0"/>
+                <a:ea typeface="Courier" charset="0"/>
+                <a:cs typeface="Courier" charset="0"/>
+              </a:rPr>
+              <a:t>]</a:t>
+            </a:r>
+            <a:endParaRPr lang="en-US" dirty="0">
+              <a:latin typeface="Courier" charset="0"/>
+              <a:ea typeface="Courier" charset="0"/>
+              <a:cs typeface="Courier" charset="0"/>
+            </a:endParaRPr>
           </a:p>
         </p:txBody>
       </p:sp>
       <p:sp>
         <p:nvSpPr>
-          <p:cNvPr id="8" name="TextBox 4"/>
-          <p:cNvSpPr txBox="1">
-            <a:spLocks noChangeArrowheads="1"/>
-          </p:cNvSpPr>
+          <p:cNvPr id="5" name="TextBox 4"/>
+          <p:cNvSpPr txBox="1"/>
           <p:nvPr/>
         </p:nvSpPr>
-        <p:spPr bwMode="auto">
+        <p:spPr>
           <a:xfrm>
-            <a:off x="838200" y="1512888"/>
-            <a:ext cx="5257800" cy="4401205"/>
+            <a:off x="671513" y="585783"/>
+            <a:ext cx="2777427" cy="369332"/>
           </a:xfrm>
           <a:prstGeom prst="rect">
             <a:avLst/>
           </a:prstGeom>
           <a:noFill/>
-          <a:ln>
-            <a:noFill/>
-          </a:ln>
         </p:spPr>
         <p:txBody>
-          <a:bodyPr wrap="square">
+          <a:bodyPr wrap="none" rtlCol="0">
             <a:spAutoFit/>
           </a:bodyPr>
-          <a:lstStyle>
-            <a:lvl1pPr>
-              <a:defRPr sz="2000">
-                <a:solidFill>
-                  <a:srgbClr val="FFFFFF"/>
-                </a:solidFill>
-                <a:latin typeface="Gill Sans" charset="0"/>
-                <a:ea typeface="ヒラギノ角ゴ ProN W3" charset="-128"/>
-                <a:sym typeface="Gill Sans" charset="0"/>
-              </a:defRPr>
-            </a:lvl1pPr>
-            <a:lvl2pPr marL="742950" indent="-285750">
-              <a:defRPr sz="2000">
-                <a:solidFill>
-                  <a:srgbClr val="FFFFFF"/>
-                </a:solidFill>
-                <a:latin typeface="Gill Sans" charset="0"/>
-                <a:ea typeface="ヒラギノ角ゴ ProN W3" charset="-128"/>
-                <a:sym typeface="Gill Sans" charset="0"/>
-              </a:defRPr>
-            </a:lvl2pPr>
-            <a:lvl3pPr marL="1143000" indent="-228600">
-              <a:defRPr sz="2000">
-                <a:solidFill>
-                  <a:srgbClr val="FFFFFF"/>
-                </a:solidFill>
-                <a:latin typeface="Gill Sans" charset="0"/>
-                <a:ea typeface="ヒラギノ角ゴ ProN W3" charset="-128"/>
-                <a:sym typeface="Gill Sans" charset="0"/>
-              </a:defRPr>
-            </a:lvl3pPr>
-            <a:lvl4pPr marL="1600200" indent="-228600">
-              <a:defRPr sz="2000">
-                <a:solidFill>
-                  <a:srgbClr val="FFFFFF"/>
-                </a:solidFill>
-                <a:latin typeface="Gill Sans" charset="0"/>
-                <a:ea typeface="ヒラギノ角ゴ ProN W3" charset="-128"/>
-                <a:sym typeface="Gill Sans" charset="0"/>
-              </a:defRPr>
-            </a:lvl4pPr>
-            <a:lvl5pPr marL="2057400" indent="-228600">
-              <a:defRPr sz="2000">
-                <a:solidFill>
-                  <a:srgbClr val="FFFFFF"/>
-                </a:solidFill>
-                <a:latin typeface="Gill Sans" charset="0"/>
-                <a:ea typeface="ヒラギノ角ゴ ProN W3" charset="-128"/>
-                <a:sym typeface="Gill Sans" charset="0"/>
-              </a:defRPr>
-            </a:lvl5pPr>
-            <a:lvl6pPr marL="2514600" indent="-228600" eaLnBrk="0" fontAlgn="base" hangingPunct="0">
-              <a:spcBef>
-                <a:spcPct val="0"/>
-              </a:spcBef>
-              <a:spcAft>
-                <a:spcPct val="0"/>
-              </a:spcAft>
-              <a:defRPr sz="2000">
-                <a:solidFill>
-                  <a:srgbClr val="FFFFFF"/>
-                </a:solidFill>
-                <a:latin typeface="Gill Sans" charset="0"/>
-                <a:ea typeface="ヒラギノ角ゴ ProN W3" charset="-128"/>
-                <a:sym typeface="Gill Sans" charset="0"/>
-              </a:defRPr>
-            </a:lvl6pPr>
-            <a:lvl7pPr marL="2971800" indent="-228600" eaLnBrk="0" fontAlgn="base" hangingPunct="0">
-              <a:spcBef>
-                <a:spcPct val="0"/>
-              </a:spcBef>
-              <a:spcAft>
-                <a:spcPct val="0"/>
-              </a:spcAft>
-              <a:defRPr sz="2000">
-                <a:solidFill>
-                  <a:srgbClr val="FFFFFF"/>
-                </a:solidFill>
-                <a:latin typeface="Gill Sans" charset="0"/>
-                <a:ea typeface="ヒラギノ角ゴ ProN W3" charset="-128"/>
-                <a:sym typeface="Gill Sans" charset="0"/>
-              </a:defRPr>
-            </a:lvl7pPr>
-            <a:lvl8pPr marL="3429000" indent="-228600" eaLnBrk="0" fontAlgn="base" hangingPunct="0">
-              <a:spcBef>
-                <a:spcPct val="0"/>
-              </a:spcBef>
-              <a:spcAft>
-                <a:spcPct val="0"/>
-              </a:spcAft>
-              <a:defRPr sz="2000">
-                <a:solidFill>
-                  <a:srgbClr val="FFFFFF"/>
-                </a:solidFill>
-                <a:latin typeface="Gill Sans" charset="0"/>
-                <a:ea typeface="ヒラギノ角ゴ ProN W3" charset="-128"/>
-                <a:sym typeface="Gill Sans" charset="0"/>
-              </a:defRPr>
-            </a:lvl8pPr>
-            <a:lvl9pPr marL="3886200" indent="-228600" eaLnBrk="0" fontAlgn="base" hangingPunct="0">
-              <a:spcBef>
-                <a:spcPct val="0"/>
-              </a:spcBef>
-              <a:spcAft>
-                <a:spcPct val="0"/>
-              </a:spcAft>
-              <a:defRPr sz="2000">
-                <a:solidFill>
-                  <a:srgbClr val="FFFFFF"/>
-                </a:solidFill>
-                <a:latin typeface="Gill Sans" charset="0"/>
-                <a:ea typeface="ヒラギノ角ゴ ProN W3" charset="-128"/>
-                <a:sym typeface="Gill Sans" charset="0"/>
-              </a:defRPr>
-            </a:lvl9pPr>
-          </a:lstStyle>
-          <a:p>
-            <a:pPr eaLnBrk="1" hangingPunct="1"/>
-            <a:r>
-              <a:rPr lang="en-US" altLang="x-none" sz="1400" dirty="0">
-                <a:solidFill>
-                  <a:schemeClr val="tx1"/>
-                </a:solidFill>
-              </a:rPr>
-              <a:t>These slides are Copyright 2019-  Charles R. Severance (</a:t>
-            </a:r>
-            <a:r>
-              <a:rPr lang="en-US" altLang="x-none" sz="1400" dirty="0" err="1">
-                <a:solidFill>
-                  <a:schemeClr val="tx1"/>
-                </a:solidFill>
-              </a:rPr>
-              <a:t>www.dr-chuck.com</a:t>
-            </a:r>
-            <a:r>
-              <a:rPr lang="en-US" altLang="x-none" sz="1400" dirty="0">
-                <a:solidFill>
-                  <a:schemeClr val="tx1"/>
-                </a:solidFill>
-              </a:rPr>
-              <a:t>) as part of www.dj4e.com and made available under a Creative Commons Attribution 4.0 License.  Please maintain this last slide in all copies of the document to comply with the attribution requirements of the license.  If you make a change, feel free to add your name and organization to the list of contributors on this page as you republish the materials.</a:t>
-            </a:r>
-          </a:p>
-          <a:p>
-            <a:pPr eaLnBrk="1" hangingPunct="1"/>
-            <a:endParaRPr lang="en-US" altLang="x-none" sz="1400" dirty="0">
+          <a:lstStyle/>
+          <a:p>
+            <a:r>
+              <a:rPr lang="en-US" dirty="0" smtClean="0">
+                <a:solidFill>
+                  <a:srgbClr val="FFFF00"/>
+                </a:solidFill>
+              </a:rPr>
+              <a:t>dj4e-samples/</a:t>
+            </a:r>
+            <a:r>
+              <a:rPr lang="en-US" dirty="0" err="1" smtClean="0">
+                <a:solidFill>
+                  <a:srgbClr val="FFFF00"/>
+                </a:solidFill>
+              </a:rPr>
+              <a:t>gview</a:t>
+            </a:r>
+            <a:r>
+              <a:rPr lang="en-US" dirty="0" smtClean="0">
+                <a:solidFill>
+                  <a:srgbClr val="FFFF00"/>
+                </a:solidFill>
+              </a:rPr>
+              <a:t>/</a:t>
+            </a:r>
+            <a:r>
+              <a:rPr lang="en-US" dirty="0" err="1" smtClean="0">
+                <a:solidFill>
+                  <a:srgbClr val="FFFF00"/>
+                </a:solidFill>
+              </a:rPr>
+              <a:t>urls.py</a:t>
+            </a:r>
+            <a:endParaRPr lang="en-US" dirty="0">
               <a:solidFill>
-                <a:schemeClr val="tx1"/>
+                <a:srgbClr val="FFFF00"/>
               </a:solidFill>
-            </a:endParaRPr>
-          </a:p>
-          <a:p>
-            <a:pPr eaLnBrk="1" hangingPunct="1"/>
-            <a:r>
-              <a:rPr lang="en-US" altLang="x-none" sz="1400" dirty="0">
-                <a:solidFill>
-                  <a:schemeClr val="tx1"/>
-                </a:solidFill>
-              </a:rPr>
-              <a:t>Initial Development: Charles Severance, University of Michigan School of Information</a:t>
-            </a:r>
-          </a:p>
-          <a:p>
-            <a:pPr eaLnBrk="1" hangingPunct="1"/>
-            <a:endParaRPr lang="en-US" altLang="x-none" sz="1400" dirty="0">
-              <a:solidFill>
-                <a:schemeClr val="tx1"/>
-              </a:solidFill>
-            </a:endParaRPr>
-          </a:p>
-          <a:p>
-            <a:pPr eaLnBrk="1" hangingPunct="1"/>
-            <a:r>
-              <a:rPr lang="en-US" altLang="x-none" sz="1400" dirty="0">
-                <a:solidFill>
-                  <a:srgbClr val="FFCC66"/>
-                </a:solidFill>
-              </a:rPr>
-              <a:t>Insert new Contributors and Translators here including names and dates</a:t>
-            </a:r>
-          </a:p>
-          <a:p>
-            <a:pPr eaLnBrk="1" hangingPunct="1"/>
-            <a:endParaRPr lang="en-US" altLang="x-none" sz="1400" dirty="0">
-              <a:solidFill>
-                <a:srgbClr val="7575D1"/>
-              </a:solidFill>
-            </a:endParaRPr>
-          </a:p>
-          <a:p>
-            <a:pPr eaLnBrk="1" hangingPunct="1"/>
-            <a:endParaRPr lang="en-US" altLang="x-none" sz="1400" dirty="0">
-              <a:solidFill>
-                <a:srgbClr val="7575D1"/>
-              </a:solidFill>
-            </a:endParaRPr>
-          </a:p>
-          <a:p>
-            <a:pPr eaLnBrk="1" hangingPunct="1"/>
-            <a:endParaRPr lang="en-US" altLang="x-none" sz="1400" dirty="0">
-              <a:solidFill>
-                <a:srgbClr val="7575D1"/>
-              </a:solidFill>
-            </a:endParaRPr>
-          </a:p>
-          <a:p>
-            <a:pPr eaLnBrk="1" hangingPunct="1"/>
-            <a:endParaRPr lang="en-US" altLang="x-none" sz="1400" dirty="0">
-              <a:solidFill>
-                <a:srgbClr val="7575D1"/>
-              </a:solidFill>
-            </a:endParaRPr>
-          </a:p>
-          <a:p>
-            <a:pPr eaLnBrk="1" hangingPunct="1"/>
-            <a:endParaRPr lang="en-US" altLang="x-none" sz="1400" dirty="0">
-              <a:solidFill>
-                <a:srgbClr val="7575D1"/>
-              </a:solidFill>
-            </a:endParaRPr>
-          </a:p>
-          <a:p>
-            <a:pPr eaLnBrk="1" hangingPunct="1"/>
-            <a:endParaRPr lang="en-US" altLang="x-none" sz="1400" dirty="0">
-              <a:solidFill>
-                <a:srgbClr val="7575D1"/>
-              </a:solidFill>
-            </a:endParaRPr>
-          </a:p>
-          <a:p>
-            <a:pPr eaLnBrk="1" hangingPunct="1"/>
-            <a:endParaRPr lang="en-US" altLang="x-none" sz="1400" dirty="0">
-              <a:solidFill>
-                <a:srgbClr val="7575D1"/>
-              </a:solidFill>
-            </a:endParaRPr>
-          </a:p>
-        </p:txBody>
-      </p:sp>
-      <p:sp>
-        <p:nvSpPr>
-          <p:cNvPr id="9" name="TextBox 5"/>
-          <p:cNvSpPr txBox="1">
-            <a:spLocks noChangeArrowheads="1"/>
-          </p:cNvSpPr>
-          <p:nvPr/>
-        </p:nvSpPr>
-        <p:spPr bwMode="auto">
-          <a:xfrm>
-            <a:off x="6310312" y="1512888"/>
-            <a:ext cx="5257800" cy="4893647"/>
-          </a:xfrm>
-          <a:prstGeom prst="rect">
-            <a:avLst/>
-          </a:prstGeom>
-          <a:noFill/>
-          <a:ln>
-            <a:noFill/>
-          </a:ln>
-        </p:spPr>
-        <p:txBody>
-          <a:bodyPr wrap="square">
-            <a:spAutoFit/>
-          </a:bodyPr>
-          <a:lstStyle>
-            <a:lvl1pPr>
-              <a:defRPr sz="2000">
-                <a:solidFill>
-                  <a:srgbClr val="FFFFFF"/>
-                </a:solidFill>
-                <a:latin typeface="Gill Sans" charset="0"/>
-                <a:ea typeface="ヒラギノ角ゴ ProN W3" charset="-128"/>
-                <a:sym typeface="Gill Sans" charset="0"/>
-              </a:defRPr>
-            </a:lvl1pPr>
-            <a:lvl2pPr marL="742950" indent="-285750">
-              <a:defRPr sz="2000">
-                <a:solidFill>
-                  <a:srgbClr val="FFFFFF"/>
-                </a:solidFill>
-                <a:latin typeface="Gill Sans" charset="0"/>
-                <a:ea typeface="ヒラギノ角ゴ ProN W3" charset="-128"/>
-                <a:sym typeface="Gill Sans" charset="0"/>
-              </a:defRPr>
-            </a:lvl2pPr>
-            <a:lvl3pPr marL="1143000" indent="-228600">
-              <a:defRPr sz="2000">
-                <a:solidFill>
-                  <a:srgbClr val="FFFFFF"/>
-                </a:solidFill>
-                <a:latin typeface="Gill Sans" charset="0"/>
-                <a:ea typeface="ヒラギノ角ゴ ProN W3" charset="-128"/>
-                <a:sym typeface="Gill Sans" charset="0"/>
-              </a:defRPr>
-            </a:lvl3pPr>
-            <a:lvl4pPr marL="1600200" indent="-228600">
-              <a:defRPr sz="2000">
-                <a:solidFill>
-                  <a:srgbClr val="FFFFFF"/>
-                </a:solidFill>
-                <a:latin typeface="Gill Sans" charset="0"/>
-                <a:ea typeface="ヒラギノ角ゴ ProN W3" charset="-128"/>
-                <a:sym typeface="Gill Sans" charset="0"/>
-              </a:defRPr>
-            </a:lvl4pPr>
-            <a:lvl5pPr marL="2057400" indent="-228600">
-              <a:defRPr sz="2000">
-                <a:solidFill>
-                  <a:srgbClr val="FFFFFF"/>
-                </a:solidFill>
-                <a:latin typeface="Gill Sans" charset="0"/>
-                <a:ea typeface="ヒラギノ角ゴ ProN W3" charset="-128"/>
-                <a:sym typeface="Gill Sans" charset="0"/>
-              </a:defRPr>
-            </a:lvl5pPr>
-            <a:lvl6pPr marL="2514600" indent="-228600" eaLnBrk="0" fontAlgn="base" hangingPunct="0">
-              <a:spcBef>
-                <a:spcPct val="0"/>
-              </a:spcBef>
-              <a:spcAft>
-                <a:spcPct val="0"/>
-              </a:spcAft>
-              <a:defRPr sz="2000">
-                <a:solidFill>
-                  <a:srgbClr val="FFFFFF"/>
-                </a:solidFill>
-                <a:latin typeface="Gill Sans" charset="0"/>
-                <a:ea typeface="ヒラギノ角ゴ ProN W3" charset="-128"/>
-                <a:sym typeface="Gill Sans" charset="0"/>
-              </a:defRPr>
-            </a:lvl6pPr>
-            <a:lvl7pPr marL="2971800" indent="-228600" eaLnBrk="0" fontAlgn="base" hangingPunct="0">
-              <a:spcBef>
-                <a:spcPct val="0"/>
-              </a:spcBef>
-              <a:spcAft>
-                <a:spcPct val="0"/>
-              </a:spcAft>
-              <a:defRPr sz="2000">
-                <a:solidFill>
-                  <a:srgbClr val="FFFFFF"/>
-                </a:solidFill>
-                <a:latin typeface="Gill Sans" charset="0"/>
-                <a:ea typeface="ヒラギノ角ゴ ProN W3" charset="-128"/>
-                <a:sym typeface="Gill Sans" charset="0"/>
-              </a:defRPr>
-            </a:lvl7pPr>
-            <a:lvl8pPr marL="3429000" indent="-228600" eaLnBrk="0" fontAlgn="base" hangingPunct="0">
-              <a:spcBef>
-                <a:spcPct val="0"/>
-              </a:spcBef>
-              <a:spcAft>
-                <a:spcPct val="0"/>
-              </a:spcAft>
-              <a:defRPr sz="2000">
-                <a:solidFill>
-                  <a:srgbClr val="FFFFFF"/>
-                </a:solidFill>
-                <a:latin typeface="Gill Sans" charset="0"/>
-                <a:ea typeface="ヒラギノ角ゴ ProN W3" charset="-128"/>
-                <a:sym typeface="Gill Sans" charset="0"/>
-              </a:defRPr>
-            </a:lvl8pPr>
-            <a:lvl9pPr marL="3886200" indent="-228600" eaLnBrk="0" fontAlgn="base" hangingPunct="0">
-              <a:spcBef>
-                <a:spcPct val="0"/>
-              </a:spcBef>
-              <a:spcAft>
-                <a:spcPct val="0"/>
-              </a:spcAft>
-              <a:defRPr sz="2000">
-                <a:solidFill>
-                  <a:srgbClr val="FFFFFF"/>
-                </a:solidFill>
-                <a:latin typeface="Gill Sans" charset="0"/>
-                <a:ea typeface="ヒラギノ角ゴ ProN W3" charset="-128"/>
-                <a:sym typeface="Gill Sans" charset="0"/>
-              </a:defRPr>
-            </a:lvl9pPr>
-          </a:lstStyle>
-          <a:p>
-            <a:pPr algn="ctr" eaLnBrk="1" hangingPunct="1"/>
-            <a:r>
-              <a:rPr lang="en-US" altLang="x-none" sz="1200" dirty="0">
-                <a:solidFill>
-                  <a:srgbClr val="FFCC66"/>
-                </a:solidFill>
-                <a:latin typeface="Helvetica" charset="0"/>
-                <a:ea typeface="ＭＳ Ｐゴシック" charset="-128"/>
-                <a:sym typeface="Helvetica" charset="0"/>
-              </a:rPr>
-              <a:t>Continue new Contributors and Translators here</a:t>
-            </a:r>
-          </a:p>
-          <a:p>
-            <a:pPr algn="ctr" eaLnBrk="1" hangingPunct="1"/>
-            <a:endParaRPr lang="en-US" altLang="x-none" sz="1200" dirty="0">
-              <a:solidFill>
-                <a:schemeClr val="tx1"/>
-              </a:solidFill>
-              <a:latin typeface="Helvetica" charset="0"/>
-              <a:ea typeface="ＭＳ Ｐゴシック" charset="-128"/>
-              <a:sym typeface="Helvetica" charset="0"/>
-            </a:endParaRPr>
-          </a:p>
-          <a:p>
-            <a:pPr algn="ctr" eaLnBrk="1" hangingPunct="1"/>
-            <a:endParaRPr lang="en-US" altLang="x-none" sz="1200" dirty="0">
-              <a:solidFill>
-                <a:schemeClr val="tx1"/>
-              </a:solidFill>
-              <a:latin typeface="Helvetica" charset="0"/>
-              <a:ea typeface="ＭＳ Ｐゴシック" charset="-128"/>
-              <a:sym typeface="Helvetica" charset="0"/>
-            </a:endParaRPr>
-          </a:p>
-          <a:p>
-            <a:pPr algn="ctr" eaLnBrk="1" hangingPunct="1"/>
-            <a:endParaRPr lang="en-US" altLang="x-none" sz="1200" dirty="0">
-              <a:solidFill>
-                <a:schemeClr val="tx1"/>
-              </a:solidFill>
-              <a:latin typeface="Helvetica" charset="0"/>
-              <a:ea typeface="ＭＳ Ｐゴシック" charset="-128"/>
-              <a:sym typeface="Helvetica" charset="0"/>
-            </a:endParaRPr>
-          </a:p>
-          <a:p>
-            <a:pPr algn="ctr" eaLnBrk="1" hangingPunct="1"/>
-            <a:endParaRPr lang="en-US" altLang="x-none" sz="1200" dirty="0">
-              <a:solidFill>
-                <a:schemeClr val="tx1"/>
-              </a:solidFill>
-              <a:latin typeface="Helvetica" charset="0"/>
-              <a:ea typeface="ＭＳ Ｐゴシック" charset="-128"/>
-              <a:sym typeface="Helvetica" charset="0"/>
-            </a:endParaRPr>
-          </a:p>
-          <a:p>
-            <a:pPr algn="ctr" eaLnBrk="1" hangingPunct="1"/>
-            <a:endParaRPr lang="en-US" altLang="x-none" sz="1200" dirty="0">
-              <a:solidFill>
-                <a:schemeClr val="tx1"/>
-              </a:solidFill>
-              <a:latin typeface="Helvetica" charset="0"/>
-              <a:ea typeface="ＭＳ Ｐゴシック" charset="-128"/>
-              <a:sym typeface="Helvetica" charset="0"/>
-            </a:endParaRPr>
-          </a:p>
-          <a:p>
-            <a:pPr algn="ctr" eaLnBrk="1" hangingPunct="1"/>
-            <a:endParaRPr lang="en-US" altLang="x-none" sz="1200" dirty="0">
-              <a:solidFill>
-                <a:schemeClr val="tx1"/>
-              </a:solidFill>
-              <a:latin typeface="Helvetica" charset="0"/>
-              <a:ea typeface="ＭＳ Ｐゴシック" charset="-128"/>
-              <a:sym typeface="Helvetica" charset="0"/>
-            </a:endParaRPr>
-          </a:p>
-          <a:p>
-            <a:pPr algn="ctr" eaLnBrk="1" hangingPunct="1"/>
-            <a:endParaRPr lang="en-US" altLang="x-none" sz="1200" dirty="0">
-              <a:solidFill>
-                <a:schemeClr val="tx1"/>
-              </a:solidFill>
-              <a:latin typeface="Helvetica" charset="0"/>
-              <a:ea typeface="ＭＳ Ｐゴシック" charset="-128"/>
-              <a:sym typeface="Helvetica" charset="0"/>
-            </a:endParaRPr>
-          </a:p>
-          <a:p>
-            <a:pPr algn="ctr" eaLnBrk="1" hangingPunct="1"/>
-            <a:endParaRPr lang="en-US" altLang="x-none" sz="1200" dirty="0">
-              <a:solidFill>
-                <a:schemeClr val="tx1"/>
-              </a:solidFill>
-              <a:latin typeface="Helvetica" charset="0"/>
-              <a:ea typeface="ＭＳ Ｐゴシック" charset="-128"/>
-              <a:sym typeface="Helvetica" charset="0"/>
-            </a:endParaRPr>
-          </a:p>
-          <a:p>
-            <a:pPr algn="ctr" eaLnBrk="1" hangingPunct="1"/>
-            <a:endParaRPr lang="en-US" altLang="x-none" sz="1200" dirty="0">
-              <a:solidFill>
-                <a:schemeClr val="tx1"/>
-              </a:solidFill>
-              <a:latin typeface="Helvetica" charset="0"/>
-              <a:ea typeface="ＭＳ Ｐゴシック" charset="-128"/>
-              <a:sym typeface="Helvetica" charset="0"/>
-            </a:endParaRPr>
-          </a:p>
-          <a:p>
-            <a:pPr algn="ctr" eaLnBrk="1" hangingPunct="1"/>
-            <a:endParaRPr lang="en-US" altLang="x-none" sz="1200" dirty="0">
-              <a:solidFill>
-                <a:schemeClr val="tx1"/>
-              </a:solidFill>
-              <a:latin typeface="Helvetica" charset="0"/>
-              <a:ea typeface="ＭＳ Ｐゴシック" charset="-128"/>
-              <a:sym typeface="Helvetica" charset="0"/>
-            </a:endParaRPr>
-          </a:p>
-          <a:p>
-            <a:pPr algn="ctr" eaLnBrk="1" hangingPunct="1"/>
-            <a:endParaRPr lang="en-US" altLang="x-none" sz="1200" dirty="0">
-              <a:solidFill>
-                <a:schemeClr val="tx1"/>
-              </a:solidFill>
-              <a:latin typeface="Helvetica" charset="0"/>
-              <a:ea typeface="ＭＳ Ｐゴシック" charset="-128"/>
-              <a:sym typeface="Helvetica" charset="0"/>
-            </a:endParaRPr>
-          </a:p>
-          <a:p>
-            <a:pPr algn="ctr" eaLnBrk="1" hangingPunct="1"/>
-            <a:endParaRPr lang="en-US" altLang="x-none" sz="1200" dirty="0">
-              <a:solidFill>
-                <a:schemeClr val="tx1"/>
-              </a:solidFill>
-              <a:latin typeface="Helvetica" charset="0"/>
-              <a:ea typeface="ＭＳ Ｐゴシック" charset="-128"/>
-              <a:sym typeface="Helvetica" charset="0"/>
-            </a:endParaRPr>
-          </a:p>
-          <a:p>
-            <a:pPr algn="ctr" eaLnBrk="1" hangingPunct="1"/>
-            <a:endParaRPr lang="en-US" altLang="x-none" sz="1200" dirty="0">
-              <a:solidFill>
-                <a:schemeClr val="tx1"/>
-              </a:solidFill>
-              <a:latin typeface="Helvetica" charset="0"/>
-              <a:ea typeface="ＭＳ Ｐゴシック" charset="-128"/>
-              <a:sym typeface="Helvetica" charset="0"/>
-            </a:endParaRPr>
-          </a:p>
-          <a:p>
-            <a:pPr algn="ctr" eaLnBrk="1" hangingPunct="1"/>
-            <a:endParaRPr lang="en-US" altLang="x-none" sz="1200" dirty="0">
-              <a:solidFill>
-                <a:schemeClr val="tx1"/>
-              </a:solidFill>
-              <a:latin typeface="Helvetica" charset="0"/>
-              <a:ea typeface="ＭＳ Ｐゴシック" charset="-128"/>
-              <a:sym typeface="Helvetica" charset="0"/>
-            </a:endParaRPr>
-          </a:p>
-          <a:p>
-            <a:pPr algn="ctr" eaLnBrk="1" hangingPunct="1"/>
-            <a:endParaRPr lang="en-US" altLang="x-none" sz="1200" dirty="0">
-              <a:solidFill>
-                <a:schemeClr val="tx1"/>
-              </a:solidFill>
-              <a:latin typeface="Helvetica" charset="0"/>
-              <a:ea typeface="ＭＳ Ｐゴシック" charset="-128"/>
-              <a:sym typeface="Helvetica" charset="0"/>
-            </a:endParaRPr>
-          </a:p>
-          <a:p>
-            <a:pPr algn="ctr" eaLnBrk="1" hangingPunct="1"/>
-            <a:endParaRPr lang="en-US" altLang="x-none" sz="1200" dirty="0">
-              <a:solidFill>
-                <a:schemeClr val="tx1"/>
-              </a:solidFill>
-              <a:latin typeface="Helvetica" charset="0"/>
-              <a:ea typeface="ＭＳ Ｐゴシック" charset="-128"/>
-              <a:sym typeface="Helvetica" charset="0"/>
-            </a:endParaRPr>
-          </a:p>
-          <a:p>
-            <a:pPr algn="ctr" eaLnBrk="1" hangingPunct="1"/>
-            <a:endParaRPr lang="en-US" altLang="x-none" sz="1200" dirty="0">
-              <a:solidFill>
-                <a:schemeClr val="tx1"/>
-              </a:solidFill>
-              <a:latin typeface="Helvetica" charset="0"/>
-              <a:ea typeface="ＭＳ Ｐゴシック" charset="-128"/>
-              <a:sym typeface="Helvetica" charset="0"/>
-            </a:endParaRPr>
-          </a:p>
-          <a:p>
-            <a:pPr algn="ctr" eaLnBrk="1" hangingPunct="1"/>
-            <a:endParaRPr lang="en-US" altLang="x-none" sz="1200" dirty="0">
-              <a:solidFill>
-                <a:schemeClr val="tx1"/>
-              </a:solidFill>
-              <a:latin typeface="Helvetica" charset="0"/>
-              <a:ea typeface="ＭＳ Ｐゴシック" charset="-128"/>
-              <a:sym typeface="Helvetica" charset="0"/>
-            </a:endParaRPr>
-          </a:p>
-          <a:p>
-            <a:pPr algn="ctr" eaLnBrk="1" hangingPunct="1"/>
-            <a:endParaRPr lang="en-US" altLang="x-none" sz="1200" dirty="0">
-              <a:solidFill>
-                <a:schemeClr val="tx1"/>
-              </a:solidFill>
-              <a:latin typeface="Helvetica" charset="0"/>
-              <a:ea typeface="ＭＳ Ｐゴシック" charset="-128"/>
-              <a:sym typeface="Helvetica" charset="0"/>
-            </a:endParaRPr>
-          </a:p>
-          <a:p>
-            <a:pPr algn="ctr" eaLnBrk="1" hangingPunct="1"/>
-            <a:endParaRPr lang="en-US" altLang="x-none" sz="1200" dirty="0">
-              <a:solidFill>
-                <a:schemeClr val="tx1"/>
-              </a:solidFill>
-              <a:latin typeface="Helvetica" charset="0"/>
-              <a:ea typeface="ＭＳ Ｐゴシック" charset="-128"/>
-              <a:sym typeface="Helvetica" charset="0"/>
-            </a:endParaRPr>
-          </a:p>
-          <a:p>
-            <a:pPr algn="ctr" eaLnBrk="1" hangingPunct="1"/>
-            <a:endParaRPr lang="en-US" altLang="x-none" sz="1200" dirty="0">
-              <a:solidFill>
-                <a:schemeClr val="tx1"/>
-              </a:solidFill>
-              <a:latin typeface="Helvetica" charset="0"/>
-              <a:ea typeface="ＭＳ Ｐゴシック" charset="-128"/>
-              <a:sym typeface="Helvetica" charset="0"/>
-            </a:endParaRPr>
-          </a:p>
-          <a:p>
-            <a:pPr algn="ctr" eaLnBrk="1" hangingPunct="1"/>
-            <a:endParaRPr lang="en-US" altLang="x-none" sz="1200" dirty="0">
-              <a:solidFill>
-                <a:schemeClr val="tx1"/>
-              </a:solidFill>
-              <a:latin typeface="Helvetica" charset="0"/>
-              <a:ea typeface="ＭＳ Ｐゴシック" charset="-128"/>
-              <a:sym typeface="Helvetica" charset="0"/>
-            </a:endParaRPr>
-          </a:p>
-          <a:p>
-            <a:pPr algn="ctr" eaLnBrk="1" hangingPunct="1"/>
-            <a:endParaRPr lang="en-US" altLang="x-none" sz="1200" dirty="0">
-              <a:solidFill>
-                <a:schemeClr val="tx1"/>
-              </a:solidFill>
-              <a:latin typeface="Helvetica" charset="0"/>
-              <a:ea typeface="ＭＳ Ｐゴシック" charset="-128"/>
-              <a:sym typeface="Helvetica" charset="0"/>
-            </a:endParaRPr>
-          </a:p>
-          <a:p>
-            <a:pPr algn="ctr" eaLnBrk="1" hangingPunct="1"/>
-            <a:endParaRPr lang="en-US" altLang="x-none" sz="1200" dirty="0">
-              <a:solidFill>
-                <a:schemeClr val="tx1"/>
-              </a:solidFill>
-              <a:latin typeface="Helvetica" charset="0"/>
-              <a:ea typeface="ＭＳ Ｐゴシック" charset="-128"/>
-              <a:sym typeface="Helvetica" charset="0"/>
-            </a:endParaRPr>
-          </a:p>
-          <a:p>
-            <a:pPr algn="ctr" eaLnBrk="1" hangingPunct="1"/>
-            <a:endParaRPr lang="en-US" altLang="x-none" sz="1200" dirty="0">
-              <a:solidFill>
-                <a:schemeClr val="tx1"/>
-              </a:solidFill>
-              <a:latin typeface="Helvetica" charset="0"/>
-              <a:ea typeface="ＭＳ Ｐゴシック" charset="-128"/>
-              <a:sym typeface="Helvetica" charset="0"/>
             </a:endParaRPr>
           </a:p>
         </p:txBody>
@@ -7610,7 +15711,7 @@
     </p:spTree>
     <p:extLst>
       <p:ext uri="{BB962C8B-B14F-4D97-AF65-F5344CB8AC3E}">
-        <p14:creationId xmlns:p14="http://schemas.microsoft.com/office/powerpoint/2010/main" val="1048975579"/>
+        <p14:creationId xmlns:p14="http://schemas.microsoft.com/office/powerpoint/2010/main" val="1435530208"/>
       </p:ext>
     </p:extLst>
   </p:cSld>
